--- a/CI project T1.pptx
+++ b/CI project T1.pptx
@@ -2,29 +2,28 @@
 <file path=ppt/presentation.xml><?xml version="1.0" encoding="utf-8"?>
 <p:presentation xmlns:a="http://schemas.openxmlformats.org/drawingml/2006/main" xmlns:r="http://schemas.openxmlformats.org/officeDocument/2006/relationships" xmlns:p="http://schemas.openxmlformats.org/presentationml/2006/main" saveSubsetFonts="1">
   <p:sldMasterIdLst>
-    <p:sldMasterId id="2147483660" r:id="rId1"/>
+    <p:sldMasterId id="2147483672" r:id="rId1"/>
   </p:sldMasterIdLst>
   <p:notesMasterIdLst>
-    <p:notesMasterId r:id="rId19"/>
+    <p:notesMasterId r:id="rId18"/>
   </p:notesMasterIdLst>
   <p:sldIdLst>
     <p:sldId id="256" r:id="rId2"/>
     <p:sldId id="257" r:id="rId3"/>
     <p:sldId id="258" r:id="rId4"/>
-    <p:sldId id="259" r:id="rId5"/>
-    <p:sldId id="260" r:id="rId6"/>
+    <p:sldId id="260" r:id="rId5"/>
+    <p:sldId id="259" r:id="rId6"/>
     <p:sldId id="261" r:id="rId7"/>
     <p:sldId id="262" r:id="rId8"/>
     <p:sldId id="267" r:id="rId9"/>
     <p:sldId id="270" r:id="rId10"/>
-    <p:sldId id="271" r:id="rId11"/>
-    <p:sldId id="269" r:id="rId12"/>
-    <p:sldId id="263" r:id="rId13"/>
-    <p:sldId id="264" r:id="rId14"/>
-    <p:sldId id="265" r:id="rId15"/>
-    <p:sldId id="268" r:id="rId16"/>
-    <p:sldId id="272" r:id="rId17"/>
-    <p:sldId id="273" r:id="rId18"/>
+    <p:sldId id="269" r:id="rId11"/>
+    <p:sldId id="263" r:id="rId12"/>
+    <p:sldId id="264" r:id="rId13"/>
+    <p:sldId id="265" r:id="rId14"/>
+    <p:sldId id="268" r:id="rId15"/>
+    <p:sldId id="275" r:id="rId16"/>
+    <p:sldId id="273" r:id="rId17"/>
   </p:sldIdLst>
   <p:sldSz cx="12192000" cy="6858000"/>
   <p:notesSz cx="6858000" cy="9144000"/>
@@ -213,7 +212,7 @@
           <a:p>
             <a:fld id="{C149AE88-062B-48B8-BABE-739575722586}" type="datetimeFigureOut">
               <a:rPr lang="en-US" smtClean="0"/>
-              <a:t>9/30/2022</a:t>
+              <a:t>9/30/2023</a:t>
             </a:fld>
             <a:endParaRPr lang="en-US"/>
           </a:p>
@@ -481,9 +480,9 @@
 </p:notesMaster>
 </file>
 
-<file path=ppt/notesSlides/notesSlide1.xml><?xml version="1.0" encoding="utf-8"?>
-<p:notes xmlns:a="http://schemas.openxmlformats.org/drawingml/2006/main" xmlns:r="http://schemas.openxmlformats.org/officeDocument/2006/relationships" xmlns:p="http://schemas.openxmlformats.org/presentationml/2006/main">
-  <p:cSld>
+<file path=ppt/slideLayouts/slideLayout1.xml><?xml version="1.0" encoding="utf-8"?>
+<p:sldLayout xmlns:a="http://schemas.openxmlformats.org/drawingml/2006/main" xmlns:r="http://schemas.openxmlformats.org/officeDocument/2006/relationships" xmlns:p="http://schemas.openxmlformats.org/presentationml/2006/main" type="title" preserve="1">
+  <p:cSld name="Title Slide">
     <p:spTree>
       <p:nvGrpSpPr>
         <p:cNvPr id="1" name=""/>
@@ -500,24 +499,132 @@
       </p:grpSpPr>
       <p:sp>
         <p:nvSpPr>
-          <p:cNvPr id="2" name="Slide Image Placeholder 1"/>
-          <p:cNvSpPr>
-            <a:spLocks noGrp="1" noRot="1" noChangeAspect="1"/>
-          </p:cNvSpPr>
-          <p:nvPr>
-            <p:ph type="sldImg"/>
+          <p:cNvPr id="2" name="Title 1"/>
+          <p:cNvSpPr>
+            <a:spLocks noGrp="1"/>
+          </p:cNvSpPr>
+          <p:nvPr>
+            <p:ph type="ctrTitle"/>
+          </p:nvPr>
+        </p:nvSpPr>
+        <p:spPr>
+          <a:xfrm>
+            <a:off x="1524000" y="1122363"/>
+            <a:ext cx="9144000" cy="2387600"/>
+          </a:xfrm>
+        </p:spPr>
+        <p:txBody>
+          <a:bodyPr anchor="b"/>
+          <a:lstStyle>
+            <a:lvl1pPr algn="ctr">
+              <a:defRPr sz="6000"/>
+            </a:lvl1pPr>
+          </a:lstStyle>
+          <a:p>
+            <a:r>
+              <a:rPr lang="en-US" smtClean="0"/>
+              <a:t>Click to edit Master title style</a:t>
+            </a:r>
+            <a:endParaRPr lang="en-US"/>
+          </a:p>
+        </p:txBody>
+      </p:sp>
+      <p:sp>
+        <p:nvSpPr>
+          <p:cNvPr id="3" name="Subtitle 2"/>
+          <p:cNvSpPr>
+            <a:spLocks noGrp="1"/>
+          </p:cNvSpPr>
+          <p:nvPr>
+            <p:ph type="subTitle" idx="1"/>
+          </p:nvPr>
+        </p:nvSpPr>
+        <p:spPr>
+          <a:xfrm>
+            <a:off x="1524000" y="3602038"/>
+            <a:ext cx="9144000" cy="1655762"/>
+          </a:xfrm>
+        </p:spPr>
+        <p:txBody>
+          <a:bodyPr/>
+          <a:lstStyle>
+            <a:lvl1pPr marL="0" indent="0" algn="ctr">
+              <a:buNone/>
+              <a:defRPr sz="2400"/>
+            </a:lvl1pPr>
+            <a:lvl2pPr marL="457200" indent="0" algn="ctr">
+              <a:buNone/>
+              <a:defRPr sz="2000"/>
+            </a:lvl2pPr>
+            <a:lvl3pPr marL="914400" indent="0" algn="ctr">
+              <a:buNone/>
+              <a:defRPr sz="1800"/>
+            </a:lvl3pPr>
+            <a:lvl4pPr marL="1371600" indent="0" algn="ctr">
+              <a:buNone/>
+              <a:defRPr sz="1600"/>
+            </a:lvl4pPr>
+            <a:lvl5pPr marL="1828800" indent="0" algn="ctr">
+              <a:buNone/>
+              <a:defRPr sz="1600"/>
+            </a:lvl5pPr>
+            <a:lvl6pPr marL="2286000" indent="0" algn="ctr">
+              <a:buNone/>
+              <a:defRPr sz="1600"/>
+            </a:lvl6pPr>
+            <a:lvl7pPr marL="2743200" indent="0" algn="ctr">
+              <a:buNone/>
+              <a:defRPr sz="1600"/>
+            </a:lvl7pPr>
+            <a:lvl8pPr marL="3200400" indent="0" algn="ctr">
+              <a:buNone/>
+              <a:defRPr sz="1600"/>
+            </a:lvl8pPr>
+            <a:lvl9pPr marL="3657600" indent="0" algn="ctr">
+              <a:buNone/>
+              <a:defRPr sz="1600"/>
+            </a:lvl9pPr>
+          </a:lstStyle>
+          <a:p>
+            <a:r>
+              <a:rPr lang="en-US" smtClean="0"/>
+              <a:t>Click to edit Master subtitle style</a:t>
+            </a:r>
+            <a:endParaRPr lang="en-US"/>
+          </a:p>
+        </p:txBody>
+      </p:sp>
+      <p:sp>
+        <p:nvSpPr>
+          <p:cNvPr id="4" name="Date Placeholder 3"/>
+          <p:cNvSpPr>
+            <a:spLocks noGrp="1"/>
+          </p:cNvSpPr>
+          <p:nvPr>
+            <p:ph type="dt" sz="half" idx="10"/>
           </p:nvPr>
         </p:nvSpPr>
         <p:spPr/>
-      </p:sp>
-      <p:sp>
-        <p:nvSpPr>
-          <p:cNvPr id="3" name="Notes Placeholder 2"/>
-          <p:cNvSpPr>
-            <a:spLocks noGrp="1"/>
-          </p:cNvSpPr>
-          <p:nvPr>
-            <p:ph type="body" idx="1"/>
+        <p:txBody>
+          <a:bodyPr/>
+          <a:lstStyle/>
+          <a:p>
+            <a:fld id="{B471EA0B-3F5E-47F7-999E-D692CF2B884B}" type="datetimeFigureOut">
+              <a:rPr lang="en-US" smtClean="0"/>
+              <a:t>9/30/2023</a:t>
+            </a:fld>
+            <a:endParaRPr lang="en-US"/>
+          </a:p>
+        </p:txBody>
+      </p:sp>
+      <p:sp>
+        <p:nvSpPr>
+          <p:cNvPr id="5" name="Footer Placeholder 4"/>
+          <p:cNvSpPr>
+            <a:spLocks noGrp="1"/>
+          </p:cNvSpPr>
+          <p:nvPr>
+            <p:ph type="ftr" sz="quarter" idx="11"/>
           </p:nvPr>
         </p:nvSpPr>
         <p:spPr/>
@@ -525,18 +632,18 @@
           <a:bodyPr/>
           <a:lstStyle/>
           <a:p>
-            <a:endParaRPr lang="en-US" dirty="0"/>
-          </a:p>
-        </p:txBody>
-      </p:sp>
-      <p:sp>
-        <p:nvSpPr>
-          <p:cNvPr id="4" name="Slide Number Placeholder 3"/>
-          <p:cNvSpPr>
-            <a:spLocks noGrp="1"/>
-          </p:cNvSpPr>
-          <p:nvPr>
-            <p:ph type="sldNum" sz="quarter" idx="10"/>
+            <a:endParaRPr lang="en-US"/>
+          </a:p>
+        </p:txBody>
+      </p:sp>
+      <p:sp>
+        <p:nvSpPr>
+          <p:cNvPr id="6" name="Slide Number Placeholder 5"/>
+          <p:cNvSpPr>
+            <a:spLocks noGrp="1"/>
+          </p:cNvSpPr>
+          <p:nvPr>
+            <p:ph type="sldNum" sz="quarter" idx="12"/>
           </p:nvPr>
         </p:nvSpPr>
         <p:spPr/>
@@ -544,9 +651,9 @@
           <a:bodyPr/>
           <a:lstStyle/>
           <a:p>
-            <a:fld id="{079AF11A-6201-4289-B964-FD36C0230AE3}" type="slidenum">
-              <a:rPr lang="en-US" smtClean="0"/>
-              <a:t>16</a:t>
+            <a:fld id="{AC591B49-288A-4510-B07E-E4D560D8326F}" type="slidenum">
+              <a:rPr lang="en-US" smtClean="0"/>
+              <a:t>‹#›</a:t>
             </a:fld>
             <a:endParaRPr lang="en-US"/>
           </a:p>
@@ -555,299 +662,12 @@
     </p:spTree>
     <p:extLst>
       <p:ext uri="{BB962C8B-B14F-4D97-AF65-F5344CB8AC3E}">
-        <p14:creationId xmlns:p14="http://schemas.microsoft.com/office/powerpoint/2010/main" val="1218267886"/>
+        <p14:creationId xmlns:p14="http://schemas.microsoft.com/office/powerpoint/2010/main" val="264770257"/>
       </p:ext>
     </p:extLst>
   </p:cSld>
   <p:clrMapOvr>
     <a:masterClrMapping/>
-  </p:clrMapOvr>
-</p:notes>
-</file>
-
-<file path=ppt/slideLayouts/slideLayout1.xml><?xml version="1.0" encoding="utf-8"?>
-<p:sldLayout xmlns:a="http://schemas.openxmlformats.org/drawingml/2006/main" xmlns:r="http://schemas.openxmlformats.org/officeDocument/2006/relationships" xmlns:p="http://schemas.openxmlformats.org/presentationml/2006/main" showMasterSp="0" type="title" preserve="1">
-  <p:cSld name="Title Slide">
-    <p:bg>
-      <p:bgPr>
-        <a:solidFill>
-          <a:schemeClr val="bg2">
-            <a:lumMod val="75000"/>
-          </a:schemeClr>
-        </a:solidFill>
-        <a:effectLst/>
-      </p:bgPr>
-    </p:bg>
-    <p:spTree>
-      <p:nvGrpSpPr>
-        <p:cNvPr id="1" name=""/>
-        <p:cNvGrpSpPr/>
-        <p:nvPr/>
-      </p:nvGrpSpPr>
-      <p:grpSpPr>
-        <a:xfrm>
-          <a:off x="0" y="0"/>
-          <a:ext cx="0" cy="0"/>
-          <a:chOff x="0" y="0"/>
-          <a:chExt cx="0" cy="0"/>
-        </a:xfrm>
-      </p:grpSpPr>
-      <p:sp>
-        <p:nvSpPr>
-          <p:cNvPr id="2" name="Title 1"/>
-          <p:cNvSpPr>
-            <a:spLocks noGrp="1"/>
-          </p:cNvSpPr>
-          <p:nvPr>
-            <p:ph type="ctrTitle"/>
-          </p:nvPr>
-        </p:nvSpPr>
-        <p:spPr>
-          <a:xfrm>
-            <a:off x="1261872" y="758952"/>
-            <a:ext cx="9418320" cy="4041648"/>
-          </a:xfrm>
-        </p:spPr>
-        <p:txBody>
-          <a:bodyPr anchor="b">
-            <a:normAutofit/>
-          </a:bodyPr>
-          <a:lstStyle>
-            <a:lvl1pPr algn="l">
-              <a:lnSpc>
-                <a:spcPct val="85000"/>
-              </a:lnSpc>
-              <a:defRPr sz="7200" baseline="0">
-                <a:solidFill>
-                  <a:schemeClr val="tx1"/>
-                </a:solidFill>
-              </a:defRPr>
-            </a:lvl1pPr>
-          </a:lstStyle>
-          <a:p>
-            <a:r>
-              <a:rPr lang="en-US" smtClean="0"/>
-              <a:t>Click to edit Master title style</a:t>
-            </a:r>
-            <a:endParaRPr lang="en-US" dirty="0"/>
-          </a:p>
-        </p:txBody>
-      </p:sp>
-      <p:sp>
-        <p:nvSpPr>
-          <p:cNvPr id="3" name="Subtitle 2"/>
-          <p:cNvSpPr>
-            <a:spLocks noGrp="1"/>
-          </p:cNvSpPr>
-          <p:nvPr>
-            <p:ph type="subTitle" idx="1"/>
-          </p:nvPr>
-        </p:nvSpPr>
-        <p:spPr>
-          <a:xfrm>
-            <a:off x="1261872" y="4800600"/>
-            <a:ext cx="9418320" cy="1691640"/>
-          </a:xfrm>
-        </p:spPr>
-        <p:txBody>
-          <a:bodyPr>
-            <a:normAutofit/>
-          </a:bodyPr>
-          <a:lstStyle>
-            <a:lvl1pPr marL="0" indent="0" algn="l">
-              <a:buNone/>
-              <a:defRPr sz="2200" baseline="0">
-                <a:solidFill>
-                  <a:schemeClr val="tx1">
-                    <a:lumMod val="75000"/>
-                  </a:schemeClr>
-                </a:solidFill>
-              </a:defRPr>
-            </a:lvl1pPr>
-            <a:lvl2pPr marL="457200" indent="0" algn="ctr">
-              <a:buNone/>
-              <a:defRPr sz="2200"/>
-            </a:lvl2pPr>
-            <a:lvl3pPr marL="914400" indent="0" algn="ctr">
-              <a:buNone/>
-              <a:defRPr sz="2200"/>
-            </a:lvl3pPr>
-            <a:lvl4pPr marL="1371600" indent="0" algn="ctr">
-              <a:buNone/>
-              <a:defRPr sz="2000"/>
-            </a:lvl4pPr>
-            <a:lvl5pPr marL="1828800" indent="0" algn="ctr">
-              <a:buNone/>
-              <a:defRPr sz="2000"/>
-            </a:lvl5pPr>
-            <a:lvl6pPr marL="2286000" indent="0" algn="ctr">
-              <a:buNone/>
-              <a:defRPr sz="2000"/>
-            </a:lvl6pPr>
-            <a:lvl7pPr marL="2743200" indent="0" algn="ctr">
-              <a:buNone/>
-              <a:defRPr sz="2000"/>
-            </a:lvl7pPr>
-            <a:lvl8pPr marL="3200400" indent="0" algn="ctr">
-              <a:buNone/>
-              <a:defRPr sz="2000"/>
-            </a:lvl8pPr>
-            <a:lvl9pPr marL="3657600" indent="0" algn="ctr">
-              <a:buNone/>
-              <a:defRPr sz="2000"/>
-            </a:lvl9pPr>
-          </a:lstStyle>
-          <a:p>
-            <a:r>
-              <a:rPr lang="en-US" smtClean="0"/>
-              <a:t>Click to edit Master subtitle style</a:t>
-            </a:r>
-            <a:endParaRPr lang="en-US" dirty="0"/>
-          </a:p>
-        </p:txBody>
-      </p:sp>
-      <p:sp>
-        <p:nvSpPr>
-          <p:cNvPr id="4" name="Date Placeholder 3"/>
-          <p:cNvSpPr>
-            <a:spLocks noGrp="1"/>
-          </p:cNvSpPr>
-          <p:nvPr>
-            <p:ph type="dt" sz="half" idx="10"/>
-          </p:nvPr>
-        </p:nvSpPr>
-        <p:spPr/>
-        <p:txBody>
-          <a:bodyPr/>
-          <a:lstStyle>
-            <a:lvl1pPr>
-              <a:defRPr>
-                <a:solidFill>
-                  <a:schemeClr val="tx1">
-                    <a:lumMod val="50000"/>
-                  </a:schemeClr>
-                </a:solidFill>
-              </a:defRPr>
-            </a:lvl1pPr>
-          </a:lstStyle>
-          <a:p>
-            <a:fld id="{B471EA0B-3F5E-47F7-999E-D692CF2B884B}" type="datetimeFigureOut">
-              <a:rPr lang="en-US" smtClean="0"/>
-              <a:t>9/30/2022</a:t>
-            </a:fld>
-            <a:endParaRPr lang="en-US"/>
-          </a:p>
-        </p:txBody>
-      </p:sp>
-      <p:sp>
-        <p:nvSpPr>
-          <p:cNvPr id="5" name="Footer Placeholder 4"/>
-          <p:cNvSpPr>
-            <a:spLocks noGrp="1"/>
-          </p:cNvSpPr>
-          <p:nvPr>
-            <p:ph type="ftr" sz="quarter" idx="11"/>
-          </p:nvPr>
-        </p:nvSpPr>
-        <p:spPr/>
-        <p:txBody>
-          <a:bodyPr/>
-          <a:lstStyle>
-            <a:lvl1pPr>
-              <a:defRPr>
-                <a:solidFill>
-                  <a:schemeClr val="tx1">
-                    <a:lumMod val="65000"/>
-                  </a:schemeClr>
-                </a:solidFill>
-              </a:defRPr>
-            </a:lvl1pPr>
-          </a:lstStyle>
-          <a:p>
-            <a:endParaRPr lang="en-US"/>
-          </a:p>
-        </p:txBody>
-      </p:sp>
-      <p:sp>
-        <p:nvSpPr>
-          <p:cNvPr id="6" name="Slide Number Placeholder 5"/>
-          <p:cNvSpPr>
-            <a:spLocks noGrp="1"/>
-          </p:cNvSpPr>
-          <p:nvPr>
-            <p:ph type="sldNum" sz="quarter" idx="12"/>
-          </p:nvPr>
-        </p:nvSpPr>
-        <p:spPr/>
-        <p:txBody>
-          <a:bodyPr/>
-          <a:lstStyle>
-            <a:lvl1pPr>
-              <a:defRPr>
-                <a:solidFill>
-                  <a:schemeClr val="tx1">
-                    <a:lumMod val="65000"/>
-                  </a:schemeClr>
-                </a:solidFill>
-              </a:defRPr>
-            </a:lvl1pPr>
-          </a:lstStyle>
-          <a:p>
-            <a:fld id="{AC591B49-288A-4510-B07E-E4D560D8326F}" type="slidenum">
-              <a:rPr lang="en-US" smtClean="0"/>
-              <a:t>‹#›</a:t>
-            </a:fld>
-            <a:endParaRPr lang="en-US"/>
-          </a:p>
-        </p:txBody>
-      </p:sp>
-      <p:sp>
-        <p:nvSpPr>
-          <p:cNvPr id="7" name="Rectangle 6"/>
-          <p:cNvSpPr/>
-          <p:nvPr/>
-        </p:nvSpPr>
-        <p:spPr>
-          <a:xfrm>
-            <a:off x="0" y="0"/>
-            <a:ext cx="457200" cy="6858000"/>
-          </a:xfrm>
-          <a:prstGeom prst="rect">
-            <a:avLst/>
-          </a:prstGeom>
-          <a:solidFill>
-            <a:schemeClr val="accent1"/>
-          </a:solidFill>
-          <a:ln>
-            <a:noFill/>
-          </a:ln>
-        </p:spPr>
-        <p:style>
-          <a:lnRef idx="2">
-            <a:schemeClr val="accent1">
-              <a:shade val="50000"/>
-            </a:schemeClr>
-          </a:lnRef>
-          <a:fillRef idx="1">
-            <a:schemeClr val="accent1"/>
-          </a:fillRef>
-          <a:effectRef idx="0">
-            <a:schemeClr val="accent1"/>
-          </a:effectRef>
-          <a:fontRef idx="minor">
-            <a:schemeClr val="lt1"/>
-          </a:fontRef>
-        </p:style>
-      </p:sp>
-    </p:spTree>
-    <p:extLst>
-      <p:ext uri="{BB962C8B-B14F-4D97-AF65-F5344CB8AC3E}">
-        <p14:creationId xmlns:p14="http://schemas.microsoft.com/office/powerpoint/2010/main" val="4127319368"/>
-      </p:ext>
-    </p:extLst>
-  </p:cSld>
-  <p:clrMapOvr>
-    <a:overrideClrMapping bg1="dk1" tx1="lt1" bg2="dk2" tx2="lt2" accent1="accent1" accent2="accent2" accent3="accent3" accent4="accent4" accent5="accent5" accent6="accent6" hlink="hlink" folHlink="folHlink"/>
   </p:clrMapOvr>
 </p:sldLayout>
 </file>
@@ -888,7 +708,7 @@
               <a:rPr lang="en-US" smtClean="0"/>
               <a:t>Click to edit Master title style</a:t>
             </a:r>
-            <a:endParaRPr lang="en-US" dirty="0"/>
+            <a:endParaRPr lang="en-US"/>
           </a:p>
         </p:txBody>
       </p:sp>
@@ -940,7 +760,7 @@
               <a:rPr lang="en-US" smtClean="0"/>
               <a:t>Fifth level</a:t>
             </a:r>
-            <a:endParaRPr lang="en-US" dirty="0"/>
+            <a:endParaRPr lang="en-US"/>
           </a:p>
         </p:txBody>
       </p:sp>
@@ -961,7 +781,7 @@
           <a:p>
             <a:fld id="{B471EA0B-3F5E-47F7-999E-D692CF2B884B}" type="datetimeFigureOut">
               <a:rPr lang="en-US" smtClean="0"/>
-              <a:t>9/30/2022</a:t>
+              <a:t>9/30/2023</a:t>
             </a:fld>
             <a:endParaRPr lang="en-US"/>
           </a:p>
@@ -1012,7 +832,7 @@
     </p:spTree>
     <p:extLst>
       <p:ext uri="{BB962C8B-B14F-4D97-AF65-F5344CB8AC3E}">
-        <p14:creationId xmlns:p14="http://schemas.microsoft.com/office/powerpoint/2010/main" val="2426625609"/>
+        <p14:creationId xmlns:p14="http://schemas.microsoft.com/office/powerpoint/2010/main" val="4181639204"/>
       </p:ext>
     </p:extLst>
   </p:cSld>
@@ -1051,8 +871,8 @@
         </p:nvSpPr>
         <p:spPr>
           <a:xfrm>
-            <a:off x="8648700" y="381000"/>
-            <a:ext cx="2476500" cy="5897562"/>
+            <a:off x="8724900" y="365125"/>
+            <a:ext cx="2628900" cy="5811838"/>
           </a:xfrm>
         </p:spPr>
         <p:txBody>
@@ -1063,7 +883,7 @@
               <a:rPr lang="en-US" smtClean="0"/>
               <a:t>Click to edit Master title style</a:t>
             </a:r>
-            <a:endParaRPr lang="en-US" dirty="0"/>
+            <a:endParaRPr lang="en-US"/>
           </a:p>
         </p:txBody>
       </p:sp>
@@ -1079,8 +899,8 @@
         </p:nvSpPr>
         <p:spPr>
           <a:xfrm>
-            <a:off x="762000" y="381000"/>
-            <a:ext cx="7734300" cy="5897562"/>
+            <a:off x="838200" y="365125"/>
+            <a:ext cx="7734300" cy="5811838"/>
           </a:xfrm>
         </p:spPr>
         <p:txBody>
@@ -1120,7 +940,7 @@
               <a:rPr lang="en-US" smtClean="0"/>
               <a:t>Fifth level</a:t>
             </a:r>
-            <a:endParaRPr lang="en-US" dirty="0"/>
+            <a:endParaRPr lang="en-US"/>
           </a:p>
         </p:txBody>
       </p:sp>
@@ -1141,7 +961,7 @@
           <a:p>
             <a:fld id="{B471EA0B-3F5E-47F7-999E-D692CF2B884B}" type="datetimeFigureOut">
               <a:rPr lang="en-US" smtClean="0"/>
-              <a:t>9/30/2022</a:t>
+              <a:t>9/30/2023</a:t>
             </a:fld>
             <a:endParaRPr lang="en-US"/>
           </a:p>
@@ -1192,7 +1012,7 @@
     </p:spTree>
     <p:extLst>
       <p:ext uri="{BB962C8B-B14F-4D97-AF65-F5344CB8AC3E}">
-        <p14:creationId xmlns:p14="http://schemas.microsoft.com/office/powerpoint/2010/main" val="2275685889"/>
+        <p14:creationId xmlns:p14="http://schemas.microsoft.com/office/powerpoint/2010/main" val="804251179"/>
       </p:ext>
     </p:extLst>
   </p:cSld>
@@ -1238,7 +1058,7 @@
               <a:rPr lang="en-US" smtClean="0"/>
               <a:t>Click to edit Master title style</a:t>
             </a:r>
-            <a:endParaRPr lang="en-US" dirty="0"/>
+            <a:endParaRPr lang="en-US"/>
           </a:p>
         </p:txBody>
       </p:sp>
@@ -1290,7 +1110,7 @@
               <a:rPr lang="en-US" smtClean="0"/>
               <a:t>Fifth level</a:t>
             </a:r>
-            <a:endParaRPr lang="en-US" dirty="0"/>
+            <a:endParaRPr lang="en-US"/>
           </a:p>
         </p:txBody>
       </p:sp>
@@ -1311,7 +1131,7 @@
           <a:p>
             <a:fld id="{B471EA0B-3F5E-47F7-999E-D692CF2B884B}" type="datetimeFigureOut">
               <a:rPr lang="en-US" smtClean="0"/>
-              <a:t>9/30/2022</a:t>
+              <a:t>9/30/2023</a:t>
             </a:fld>
             <a:endParaRPr lang="en-US"/>
           </a:p>
@@ -1362,7 +1182,7 @@
     </p:spTree>
     <p:extLst>
       <p:ext uri="{BB962C8B-B14F-4D97-AF65-F5344CB8AC3E}">
-        <p14:creationId xmlns:p14="http://schemas.microsoft.com/office/powerpoint/2010/main" val="609046431"/>
+        <p14:creationId xmlns:p14="http://schemas.microsoft.com/office/powerpoint/2010/main" val="3656001866"/>
       </p:ext>
     </p:extLst>
   </p:cSld>
@@ -1401,20 +1221,15 @@
         </p:nvSpPr>
         <p:spPr>
           <a:xfrm>
-            <a:off x="1261872" y="758952"/>
-            <a:ext cx="9418320" cy="4041648"/>
+            <a:off x="831850" y="1709738"/>
+            <a:ext cx="10515600" cy="2852737"/>
           </a:xfrm>
         </p:spPr>
         <p:txBody>
-          <a:bodyPr anchor="b">
-            <a:normAutofit/>
-          </a:bodyPr>
+          <a:bodyPr anchor="b"/>
           <a:lstStyle>
             <a:lvl1pPr>
-              <a:lnSpc>
-                <a:spcPct val="85000"/>
-              </a:lnSpc>
-              <a:defRPr sz="7200" b="0"/>
+              <a:defRPr sz="6000"/>
             </a:lvl1pPr>
           </a:lstStyle>
           <a:p>
@@ -1422,7 +1237,7 @@
               <a:rPr lang="en-US" smtClean="0"/>
               <a:t>Click to edit Master title style</a:t>
             </a:r>
-            <a:endParaRPr lang="en-US" dirty="0"/>
+            <a:endParaRPr lang="en-US"/>
           </a:p>
         </p:txBody>
       </p:sp>
@@ -1438,29 +1253,26 @@
         </p:nvSpPr>
         <p:spPr>
           <a:xfrm>
-            <a:off x="1261872" y="4800600"/>
-            <a:ext cx="9418320" cy="1691640"/>
+            <a:off x="831850" y="4589463"/>
+            <a:ext cx="10515600" cy="1500187"/>
           </a:xfrm>
         </p:spPr>
         <p:txBody>
-          <a:bodyPr anchor="t">
-            <a:normAutofit/>
-          </a:bodyPr>
+          <a:bodyPr/>
           <a:lstStyle>
             <a:lvl1pPr marL="0" indent="0">
               <a:buNone/>
-              <a:defRPr sz="2200">
+              <a:defRPr sz="2400">
                 <a:solidFill>
                   <a:schemeClr val="tx1">
-                    <a:lumMod val="65000"/>
-                    <a:lumOff val="35000"/>
+                    <a:tint val="75000"/>
                   </a:schemeClr>
                 </a:solidFill>
               </a:defRPr>
             </a:lvl1pPr>
             <a:lvl2pPr marL="457200" indent="0">
               <a:buNone/>
-              <a:defRPr sz="1800">
+              <a:defRPr sz="2000">
                 <a:solidFill>
                   <a:schemeClr val="tx1">
                     <a:tint val="75000"/>
@@ -1470,7 +1282,7 @@
             </a:lvl2pPr>
             <a:lvl3pPr marL="914400" indent="0">
               <a:buNone/>
-              <a:defRPr sz="1600">
+              <a:defRPr sz="1800">
                 <a:solidFill>
                   <a:schemeClr val="tx1">
                     <a:tint val="75000"/>
@@ -1480,7 +1292,7 @@
             </a:lvl3pPr>
             <a:lvl4pPr marL="1371600" indent="0">
               <a:buNone/>
-              <a:defRPr sz="1400">
+              <a:defRPr sz="1600">
                 <a:solidFill>
                   <a:schemeClr val="tx1">
                     <a:tint val="75000"/>
@@ -1490,7 +1302,7 @@
             </a:lvl4pPr>
             <a:lvl5pPr marL="1828800" indent="0">
               <a:buNone/>
-              <a:defRPr sz="1400">
+              <a:defRPr sz="1600">
                 <a:solidFill>
                   <a:schemeClr val="tx1">
                     <a:tint val="75000"/>
@@ -1500,7 +1312,7 @@
             </a:lvl5pPr>
             <a:lvl6pPr marL="2286000" indent="0">
               <a:buNone/>
-              <a:defRPr sz="1400">
+              <a:defRPr sz="1600">
                 <a:solidFill>
                   <a:schemeClr val="tx1">
                     <a:tint val="75000"/>
@@ -1510,7 +1322,7 @@
             </a:lvl6pPr>
             <a:lvl7pPr marL="2743200" indent="0">
               <a:buNone/>
-              <a:defRPr sz="1400">
+              <a:defRPr sz="1600">
                 <a:solidFill>
                   <a:schemeClr val="tx1">
                     <a:tint val="75000"/>
@@ -1520,7 +1332,7 @@
             </a:lvl7pPr>
             <a:lvl8pPr marL="3200400" indent="0">
               <a:buNone/>
-              <a:defRPr sz="1400">
+              <a:defRPr sz="1600">
                 <a:solidFill>
                   <a:schemeClr val="tx1">
                     <a:tint val="75000"/>
@@ -1530,7 +1342,7 @@
             </a:lvl8pPr>
             <a:lvl9pPr marL="3657600" indent="0">
               <a:buNone/>
-              <a:defRPr sz="1400">
+              <a:defRPr sz="1600">
                 <a:solidFill>
                   <a:schemeClr val="tx1">
                     <a:tint val="75000"/>
@@ -1565,7 +1377,7 @@
           <a:p>
             <a:fld id="{B471EA0B-3F5E-47F7-999E-D692CF2B884B}" type="datetimeFigureOut">
               <a:rPr lang="en-US" smtClean="0"/>
-              <a:t>9/30/2022</a:t>
+              <a:t>9/30/2023</a:t>
             </a:fld>
             <a:endParaRPr lang="en-US"/>
           </a:p>
@@ -1613,48 +1425,10 @@
           </a:p>
         </p:txBody>
       </p:sp>
-      <p:sp>
-        <p:nvSpPr>
-          <p:cNvPr id="7" name="Rectangle 6"/>
-          <p:cNvSpPr/>
-          <p:nvPr/>
-        </p:nvSpPr>
-        <p:spPr>
-          <a:xfrm>
-            <a:off x="0" y="0"/>
-            <a:ext cx="457200" cy="6858000"/>
-          </a:xfrm>
-          <a:prstGeom prst="rect">
-            <a:avLst/>
-          </a:prstGeom>
-          <a:solidFill>
-            <a:schemeClr val="accent1"/>
-          </a:solidFill>
-          <a:ln>
-            <a:noFill/>
-          </a:ln>
-        </p:spPr>
-        <p:style>
-          <a:lnRef idx="2">
-            <a:schemeClr val="accent1">
-              <a:shade val="50000"/>
-            </a:schemeClr>
-          </a:lnRef>
-          <a:fillRef idx="1">
-            <a:schemeClr val="accent1"/>
-          </a:fillRef>
-          <a:effectRef idx="0">
-            <a:schemeClr val="accent1"/>
-          </a:effectRef>
-          <a:fontRef idx="minor">
-            <a:schemeClr val="lt1"/>
-          </a:fontRef>
-        </p:style>
-      </p:sp>
     </p:spTree>
     <p:extLst>
       <p:ext uri="{BB962C8B-B14F-4D97-AF65-F5344CB8AC3E}">
-        <p14:creationId xmlns:p14="http://schemas.microsoft.com/office/powerpoint/2010/main" val="3096136886"/>
+        <p14:creationId xmlns:p14="http://schemas.microsoft.com/office/powerpoint/2010/main" val="3256013951"/>
       </p:ext>
     </p:extLst>
   </p:cSld>
@@ -1700,7 +1474,7 @@
               <a:rPr lang="en-US" smtClean="0"/>
               <a:t>Click to edit Master title style</a:t>
             </a:r>
-            <a:endParaRPr lang="en-US" dirty="0"/>
+            <a:endParaRPr lang="en-US"/>
           </a:p>
         </p:txBody>
       </p:sp>
@@ -1716,41 +1490,13 @@
         </p:nvSpPr>
         <p:spPr>
           <a:xfrm>
-            <a:off x="1261872" y="1828800"/>
-            <a:ext cx="4480560" cy="4351337"/>
+            <a:off x="838200" y="1825625"/>
+            <a:ext cx="5181600" cy="4351338"/>
           </a:xfrm>
         </p:spPr>
         <p:txBody>
           <a:bodyPr/>
-          <a:lstStyle>
-            <a:lvl1pPr>
-              <a:defRPr sz="1800"/>
-            </a:lvl1pPr>
-            <a:lvl2pPr>
-              <a:defRPr sz="1600"/>
-            </a:lvl2pPr>
-            <a:lvl3pPr>
-              <a:defRPr sz="1400"/>
-            </a:lvl3pPr>
-            <a:lvl4pPr>
-              <a:defRPr sz="1400"/>
-            </a:lvl4pPr>
-            <a:lvl5pPr>
-              <a:defRPr sz="1400"/>
-            </a:lvl5pPr>
-            <a:lvl6pPr>
-              <a:defRPr sz="1400"/>
-            </a:lvl6pPr>
-            <a:lvl7pPr>
-              <a:defRPr sz="1400"/>
-            </a:lvl7pPr>
-            <a:lvl8pPr>
-              <a:defRPr sz="1400"/>
-            </a:lvl8pPr>
-            <a:lvl9pPr>
-              <a:defRPr sz="1400"/>
-            </a:lvl9pPr>
-          </a:lstStyle>
+          <a:lstStyle/>
           <a:p>
             <a:pPr lvl="0"/>
             <a:r>
@@ -1785,7 +1531,7 @@
               <a:rPr lang="en-US" smtClean="0"/>
               <a:t>Fifth level</a:t>
             </a:r>
-            <a:endParaRPr lang="en-US" dirty="0"/>
+            <a:endParaRPr lang="en-US"/>
           </a:p>
         </p:txBody>
       </p:sp>
@@ -1801,41 +1547,13 @@
         </p:nvSpPr>
         <p:spPr>
           <a:xfrm>
-            <a:off x="6126480" y="1828800"/>
-            <a:ext cx="4480560" cy="4351337"/>
+            <a:off x="6172200" y="1825625"/>
+            <a:ext cx="5181600" cy="4351338"/>
           </a:xfrm>
         </p:spPr>
         <p:txBody>
           <a:bodyPr/>
-          <a:lstStyle>
-            <a:lvl1pPr>
-              <a:defRPr sz="1800"/>
-            </a:lvl1pPr>
-            <a:lvl2pPr>
-              <a:defRPr sz="1600"/>
-            </a:lvl2pPr>
-            <a:lvl3pPr>
-              <a:defRPr sz="1400"/>
-            </a:lvl3pPr>
-            <a:lvl4pPr>
-              <a:defRPr sz="1400"/>
-            </a:lvl4pPr>
-            <a:lvl5pPr>
-              <a:defRPr sz="1400"/>
-            </a:lvl5pPr>
-            <a:lvl6pPr>
-              <a:defRPr sz="1400"/>
-            </a:lvl6pPr>
-            <a:lvl7pPr>
-              <a:defRPr sz="1400"/>
-            </a:lvl7pPr>
-            <a:lvl8pPr>
-              <a:defRPr sz="1400"/>
-            </a:lvl8pPr>
-            <a:lvl9pPr>
-              <a:defRPr sz="1400"/>
-            </a:lvl9pPr>
-          </a:lstStyle>
+          <a:lstStyle/>
           <a:p>
             <a:pPr lvl="0"/>
             <a:r>
@@ -1870,7 +1588,7 @@
               <a:rPr lang="en-US" smtClean="0"/>
               <a:t>Fifth level</a:t>
             </a:r>
-            <a:endParaRPr lang="en-US" dirty="0"/>
+            <a:endParaRPr lang="en-US"/>
           </a:p>
         </p:txBody>
       </p:sp>
@@ -1891,7 +1609,7 @@
           <a:p>
             <a:fld id="{B471EA0B-3F5E-47F7-999E-D692CF2B884B}" type="datetimeFigureOut">
               <a:rPr lang="en-US" smtClean="0"/>
-              <a:t>9/30/2022</a:t>
+              <a:t>9/30/2023</a:t>
             </a:fld>
             <a:endParaRPr lang="en-US"/>
           </a:p>
@@ -1942,7 +1660,7 @@
     </p:spTree>
     <p:extLst>
       <p:ext uri="{BB962C8B-B14F-4D97-AF65-F5344CB8AC3E}">
-        <p14:creationId xmlns:p14="http://schemas.microsoft.com/office/powerpoint/2010/main" val="1980876389"/>
+        <p14:creationId xmlns:p14="http://schemas.microsoft.com/office/powerpoint/2010/main" val="2102245223"/>
       </p:ext>
     </p:extLst>
   </p:cSld>
@@ -1971,58 +1689,54 @@
       </p:grpSpPr>
       <p:sp>
         <p:nvSpPr>
-          <p:cNvPr id="10" name="Title 9"/>
+          <p:cNvPr id="2" name="Title 1"/>
           <p:cNvSpPr>
             <a:spLocks noGrp="1"/>
           </p:cNvSpPr>
           <p:nvPr>
             <p:ph type="title"/>
-          </p:nvPr>
-        </p:nvSpPr>
-        <p:spPr/>
-        <p:txBody>
-          <a:bodyPr/>
-          <a:lstStyle/>
-          <a:p>
-            <a:r>
-              <a:rPr lang="en-US" smtClean="0"/>
-              <a:t>Click to edit Master title style</a:t>
-            </a:r>
-            <a:endParaRPr lang="en-US" dirty="0"/>
-          </a:p>
-        </p:txBody>
-      </p:sp>
-      <p:sp>
-        <p:nvSpPr>
-          <p:cNvPr id="3" name="Text Placeholder 2"/>
-          <p:cNvSpPr>
-            <a:spLocks noGrp="1"/>
-          </p:cNvSpPr>
-          <p:nvPr>
-            <p:ph type="body" idx="1"/>
           </p:nvPr>
         </p:nvSpPr>
         <p:spPr>
           <a:xfrm>
-            <a:off x="1261872" y="1713655"/>
-            <a:ext cx="4480560" cy="731520"/>
+            <a:off x="839788" y="365125"/>
+            <a:ext cx="10515600" cy="1325563"/>
           </a:xfrm>
         </p:spPr>
         <p:txBody>
-          <a:bodyPr anchor="b">
-            <a:normAutofit/>
-          </a:bodyPr>
+          <a:bodyPr/>
+          <a:lstStyle/>
+          <a:p>
+            <a:r>
+              <a:rPr lang="en-US" smtClean="0"/>
+              <a:t>Click to edit Master title style</a:t>
+            </a:r>
+            <a:endParaRPr lang="en-US"/>
+          </a:p>
+        </p:txBody>
+      </p:sp>
+      <p:sp>
+        <p:nvSpPr>
+          <p:cNvPr id="3" name="Text Placeholder 2"/>
+          <p:cNvSpPr>
+            <a:spLocks noGrp="1"/>
+          </p:cNvSpPr>
+          <p:nvPr>
+            <p:ph type="body" idx="1"/>
+          </p:nvPr>
+        </p:nvSpPr>
+        <p:spPr>
+          <a:xfrm>
+            <a:off x="839788" y="1681163"/>
+            <a:ext cx="5157787" cy="823912"/>
+          </a:xfrm>
+        </p:spPr>
+        <p:txBody>
+          <a:bodyPr anchor="b"/>
           <a:lstStyle>
             <a:lvl1pPr marL="0" indent="0">
-              <a:spcBef>
-                <a:spcPts val="0"/>
-              </a:spcBef>
               <a:buNone/>
-              <a:defRPr sz="2000" b="0">
-                <a:solidFill>
-                  <a:schemeClr val="tx2"/>
-                </a:solidFill>
-              </a:defRPr>
+              <a:defRPr sz="2400" b="1"/>
             </a:lvl1pPr>
             <a:lvl2pPr marL="457200" indent="0">
               <a:buNone/>
@@ -2078,41 +1792,13 @@
         </p:nvSpPr>
         <p:spPr>
           <a:xfrm>
-            <a:off x="1261872" y="2507550"/>
-            <a:ext cx="4480560" cy="3664650"/>
+            <a:off x="839788" y="2505075"/>
+            <a:ext cx="5157787" cy="3684588"/>
           </a:xfrm>
         </p:spPr>
         <p:txBody>
           <a:bodyPr/>
-          <a:lstStyle>
-            <a:lvl1pPr>
-              <a:defRPr sz="1800"/>
-            </a:lvl1pPr>
-            <a:lvl2pPr>
-              <a:defRPr sz="1600"/>
-            </a:lvl2pPr>
-            <a:lvl3pPr>
-              <a:defRPr sz="1400"/>
-            </a:lvl3pPr>
-            <a:lvl4pPr>
-              <a:defRPr sz="1400"/>
-            </a:lvl4pPr>
-            <a:lvl5pPr>
-              <a:defRPr sz="1400"/>
-            </a:lvl5pPr>
-            <a:lvl6pPr>
-              <a:defRPr sz="1400"/>
-            </a:lvl6pPr>
-            <a:lvl7pPr>
-              <a:defRPr sz="1400"/>
-            </a:lvl7pPr>
-            <a:lvl8pPr>
-              <a:defRPr sz="1400"/>
-            </a:lvl8pPr>
-            <a:lvl9pPr>
-              <a:defRPr sz="1400"/>
-            </a:lvl9pPr>
-          </a:lstStyle>
+          <a:lstStyle/>
           <a:p>
             <a:pPr lvl="0"/>
             <a:r>
@@ -2147,7 +1833,7 @@
               <a:rPr lang="en-US" smtClean="0"/>
               <a:t>Fifth level</a:t>
             </a:r>
-            <a:endParaRPr lang="en-US" dirty="0"/>
+            <a:endParaRPr lang="en-US"/>
           </a:p>
         </p:txBody>
       </p:sp>
@@ -2163,31 +1849,16 @@
         </p:nvSpPr>
         <p:spPr>
           <a:xfrm>
-            <a:off x="6126480" y="1713655"/>
-            <a:ext cx="4480560" cy="731520"/>
+            <a:off x="6172200" y="1681163"/>
+            <a:ext cx="5183188" cy="823912"/>
           </a:xfrm>
         </p:spPr>
         <p:txBody>
-          <a:bodyPr anchor="b">
-            <a:normAutofit/>
-          </a:bodyPr>
+          <a:bodyPr anchor="b"/>
           <a:lstStyle>
             <a:lvl1pPr marL="0" indent="0">
-              <a:lnSpc>
-                <a:spcPct val="95000"/>
-              </a:lnSpc>
-              <a:spcBef>
-                <a:spcPts val="0"/>
-              </a:spcBef>
               <a:buNone/>
-              <a:defRPr lang="en-US" sz="2000" b="0" kern="1200" dirty="0">
-                <a:solidFill>
-                  <a:schemeClr val="tx2"/>
-                </a:solidFill>
-                <a:latin typeface="+mn-lt"/>
-                <a:ea typeface="+mn-ea"/>
-                <a:cs typeface="+mn-cs"/>
-              </a:defRPr>
+              <a:defRPr sz="2400" b="1"/>
             </a:lvl1pPr>
             <a:lvl2pPr marL="457200" indent="0">
               <a:buNone/>
@@ -2223,16 +1894,7 @@
             </a:lvl9pPr>
           </a:lstStyle>
           <a:p>
-            <a:pPr marL="0" lvl="0" indent="0" algn="l" defTabSz="914400" rtl="0" eaLnBrk="1" latinLnBrk="0" hangingPunct="1">
-              <a:lnSpc>
-                <a:spcPct val="90000"/>
-              </a:lnSpc>
-              <a:spcBef>
-                <a:spcPts val="2000"/>
-              </a:spcBef>
-              <a:buFontTx/>
-              <a:buNone/>
-            </a:pPr>
+            <a:pPr lvl="0"/>
             <a:r>
               <a:rPr lang="en-US" smtClean="0"/>
               <a:t>Click to edit Master text styles</a:t>
@@ -2252,41 +1914,13 @@
         </p:nvSpPr>
         <p:spPr>
           <a:xfrm>
-            <a:off x="6126480" y="2507550"/>
-            <a:ext cx="4480560" cy="3664650"/>
+            <a:off x="6172200" y="2505075"/>
+            <a:ext cx="5183188" cy="3684588"/>
           </a:xfrm>
         </p:spPr>
         <p:txBody>
           <a:bodyPr/>
-          <a:lstStyle>
-            <a:lvl1pPr>
-              <a:defRPr sz="1800"/>
-            </a:lvl1pPr>
-            <a:lvl2pPr>
-              <a:defRPr sz="1600"/>
-            </a:lvl2pPr>
-            <a:lvl3pPr>
-              <a:defRPr sz="1400"/>
-            </a:lvl3pPr>
-            <a:lvl4pPr>
-              <a:defRPr sz="1400"/>
-            </a:lvl4pPr>
-            <a:lvl5pPr>
-              <a:defRPr sz="1400"/>
-            </a:lvl5pPr>
-            <a:lvl6pPr>
-              <a:defRPr sz="1400"/>
-            </a:lvl6pPr>
-            <a:lvl7pPr>
-              <a:defRPr sz="1400"/>
-            </a:lvl7pPr>
-            <a:lvl8pPr>
-              <a:defRPr sz="1400"/>
-            </a:lvl8pPr>
-            <a:lvl9pPr>
-              <a:defRPr sz="1400"/>
-            </a:lvl9pPr>
-          </a:lstStyle>
+          <a:lstStyle/>
           <a:p>
             <a:pPr lvl="0"/>
             <a:r>
@@ -2321,7 +1955,7 @@
               <a:rPr lang="en-US" smtClean="0"/>
               <a:t>Fifth level</a:t>
             </a:r>
-            <a:endParaRPr lang="en-US" dirty="0"/>
+            <a:endParaRPr lang="en-US"/>
           </a:p>
         </p:txBody>
       </p:sp>
@@ -2342,7 +1976,7 @@
           <a:p>
             <a:fld id="{B471EA0B-3F5E-47F7-999E-D692CF2B884B}" type="datetimeFigureOut">
               <a:rPr lang="en-US" smtClean="0"/>
-              <a:t>9/30/2022</a:t>
+              <a:t>9/30/2023</a:t>
             </a:fld>
             <a:endParaRPr lang="en-US"/>
           </a:p>
@@ -2393,7 +2027,7 @@
     </p:spTree>
     <p:extLst>
       <p:ext uri="{BB962C8B-B14F-4D97-AF65-F5344CB8AC3E}">
-        <p14:creationId xmlns:p14="http://schemas.microsoft.com/office/powerpoint/2010/main" val="2738393406"/>
+        <p14:creationId xmlns:p14="http://schemas.microsoft.com/office/powerpoint/2010/main" val="1475431771"/>
       </p:ext>
     </p:extLst>
   </p:cSld>
@@ -2422,7 +2056,7 @@
       </p:grpSpPr>
       <p:sp>
         <p:nvSpPr>
-          <p:cNvPr id="6" name="Title 5"/>
+          <p:cNvPr id="2" name="Title 1"/>
           <p:cNvSpPr>
             <a:spLocks noGrp="1"/>
           </p:cNvSpPr>
@@ -2439,7 +2073,7 @@
               <a:rPr lang="en-US" smtClean="0"/>
               <a:t>Click to edit Master title style</a:t>
             </a:r>
-            <a:endParaRPr lang="en-US" dirty="0"/>
+            <a:endParaRPr lang="en-US"/>
           </a:p>
         </p:txBody>
       </p:sp>
@@ -2460,7 +2094,7 @@
           <a:p>
             <a:fld id="{B471EA0B-3F5E-47F7-999E-D692CF2B884B}" type="datetimeFigureOut">
               <a:rPr lang="en-US" smtClean="0"/>
-              <a:t>9/30/2022</a:t>
+              <a:t>9/30/2023</a:t>
             </a:fld>
             <a:endParaRPr lang="en-US"/>
           </a:p>
@@ -2511,7 +2145,7 @@
     </p:spTree>
     <p:extLst>
       <p:ext uri="{BB962C8B-B14F-4D97-AF65-F5344CB8AC3E}">
-        <p14:creationId xmlns:p14="http://schemas.microsoft.com/office/powerpoint/2010/main" val="2389090713"/>
+        <p14:creationId xmlns:p14="http://schemas.microsoft.com/office/powerpoint/2010/main" val="3034667885"/>
       </p:ext>
     </p:extLst>
   </p:cSld>
@@ -2555,7 +2189,7 @@
           <a:p>
             <a:fld id="{B471EA0B-3F5E-47F7-999E-D692CF2B884B}" type="datetimeFigureOut">
               <a:rPr lang="en-US" smtClean="0"/>
-              <a:t>9/30/2022</a:t>
+              <a:t>9/30/2023</a:t>
             </a:fld>
             <a:endParaRPr lang="en-US"/>
           </a:p>
@@ -2606,7 +2240,7 @@
     </p:spTree>
     <p:extLst>
       <p:ext uri="{BB962C8B-B14F-4D97-AF65-F5344CB8AC3E}">
-        <p14:creationId xmlns:p14="http://schemas.microsoft.com/office/powerpoint/2010/main" val="3101471407"/>
+        <p14:creationId xmlns:p14="http://schemas.microsoft.com/office/powerpoint/2010/main" val="3232364406"/>
       </p:ext>
     </p:extLst>
   </p:cSld>
@@ -2645,17 +2279,15 @@
         </p:nvSpPr>
         <p:spPr>
           <a:xfrm>
-            <a:off x="841248" y="457200"/>
-            <a:ext cx="3200400" cy="1600197"/>
+            <a:off x="839788" y="457200"/>
+            <a:ext cx="3932237" cy="1600200"/>
           </a:xfrm>
         </p:spPr>
         <p:txBody>
-          <a:bodyPr anchor="b">
-            <a:normAutofit/>
-          </a:bodyPr>
+          <a:bodyPr anchor="b"/>
           <a:lstStyle>
             <a:lvl1pPr>
-              <a:defRPr sz="3200" b="0" baseline="0"/>
+              <a:defRPr sz="3200"/>
             </a:lvl1pPr>
           </a:lstStyle>
           <a:p>
@@ -2663,7 +2295,7 @@
               <a:rPr lang="en-US" smtClean="0"/>
               <a:t>Click to edit Master title style</a:t>
             </a:r>
-            <a:endParaRPr lang="en-US" dirty="0"/>
+            <a:endParaRPr lang="en-US"/>
           </a:p>
         </p:txBody>
       </p:sp>
@@ -2679,39 +2311,39 @@
         </p:nvSpPr>
         <p:spPr>
           <a:xfrm>
-            <a:off x="4504267" y="685800"/>
-            <a:ext cx="6079066" cy="5486400"/>
+            <a:off x="5183188" y="987425"/>
+            <a:ext cx="6172200" cy="4873625"/>
           </a:xfrm>
         </p:spPr>
         <p:txBody>
           <a:bodyPr/>
           <a:lstStyle>
             <a:lvl1pPr>
-              <a:defRPr sz="2000"/>
+              <a:defRPr sz="3200"/>
             </a:lvl1pPr>
             <a:lvl2pPr>
-              <a:defRPr sz="1800"/>
+              <a:defRPr sz="2800"/>
             </a:lvl2pPr>
             <a:lvl3pPr>
-              <a:defRPr sz="1600"/>
+              <a:defRPr sz="2400"/>
             </a:lvl3pPr>
             <a:lvl4pPr>
-              <a:defRPr sz="1400"/>
+              <a:defRPr sz="2000"/>
             </a:lvl4pPr>
             <a:lvl5pPr>
-              <a:defRPr sz="1400"/>
+              <a:defRPr sz="2000"/>
             </a:lvl5pPr>
             <a:lvl6pPr>
-              <a:defRPr sz="1400"/>
+              <a:defRPr sz="2000"/>
             </a:lvl6pPr>
             <a:lvl7pPr>
-              <a:defRPr sz="1400"/>
+              <a:defRPr sz="2000"/>
             </a:lvl7pPr>
             <a:lvl8pPr>
-              <a:defRPr sz="1400"/>
+              <a:defRPr sz="2000"/>
             </a:lvl8pPr>
             <a:lvl9pPr>
-              <a:defRPr sz="1400"/>
+              <a:defRPr sz="2000"/>
             </a:lvl9pPr>
           </a:lstStyle>
           <a:p>
@@ -2748,7 +2380,7 @@
               <a:rPr lang="en-US" smtClean="0"/>
               <a:t>Fifth level</a:t>
             </a:r>
-            <a:endParaRPr lang="en-US" dirty="0"/>
+            <a:endParaRPr lang="en-US"/>
           </a:p>
         </p:txBody>
       </p:sp>
@@ -2764,56 +2396,48 @@
         </p:nvSpPr>
         <p:spPr>
           <a:xfrm>
-            <a:off x="841248" y="2099734"/>
-            <a:ext cx="3200400" cy="3810001"/>
+            <a:off x="839788" y="2057400"/>
+            <a:ext cx="3932237" cy="3811588"/>
           </a:xfrm>
         </p:spPr>
         <p:txBody>
-          <a:bodyPr>
-            <a:normAutofit/>
-          </a:bodyPr>
+          <a:bodyPr/>
           <a:lstStyle>
             <a:lvl1pPr marL="0" indent="0">
-              <a:lnSpc>
-                <a:spcPct val="114000"/>
-              </a:lnSpc>
-              <a:spcBef>
-                <a:spcPts val="800"/>
-              </a:spcBef>
               <a:buNone/>
-              <a:defRPr sz="1300"/>
+              <a:defRPr sz="1600"/>
             </a:lvl1pPr>
             <a:lvl2pPr marL="457200" indent="0">
               <a:buNone/>
-              <a:defRPr sz="1200"/>
+              <a:defRPr sz="1400"/>
             </a:lvl2pPr>
             <a:lvl3pPr marL="914400" indent="0">
               <a:buNone/>
-              <a:defRPr sz="1000"/>
+              <a:defRPr sz="1200"/>
             </a:lvl3pPr>
             <a:lvl4pPr marL="1371600" indent="0">
               <a:buNone/>
-              <a:defRPr sz="900"/>
+              <a:defRPr sz="1000"/>
             </a:lvl4pPr>
             <a:lvl5pPr marL="1828800" indent="0">
               <a:buNone/>
-              <a:defRPr sz="900"/>
+              <a:defRPr sz="1000"/>
             </a:lvl5pPr>
             <a:lvl6pPr marL="2286000" indent="0">
               <a:buNone/>
-              <a:defRPr sz="900"/>
+              <a:defRPr sz="1000"/>
             </a:lvl6pPr>
             <a:lvl7pPr marL="2743200" indent="0">
               <a:buNone/>
-              <a:defRPr sz="900"/>
+              <a:defRPr sz="1000"/>
             </a:lvl7pPr>
             <a:lvl8pPr marL="3200400" indent="0">
               <a:buNone/>
-              <a:defRPr sz="900"/>
+              <a:defRPr sz="1000"/>
             </a:lvl8pPr>
             <a:lvl9pPr marL="3657600" indent="0">
               <a:buNone/>
-              <a:defRPr sz="900"/>
+              <a:defRPr sz="1000"/>
             </a:lvl9pPr>
           </a:lstStyle>
           <a:p>
@@ -2842,7 +2466,7 @@
           <a:p>
             <a:fld id="{B471EA0B-3F5E-47F7-999E-D692CF2B884B}" type="datetimeFigureOut">
               <a:rPr lang="en-US" smtClean="0"/>
-              <a:t>9/30/2022</a:t>
+              <a:t>9/30/2023</a:t>
             </a:fld>
             <a:endParaRPr lang="en-US"/>
           </a:p>
@@ -2893,7 +2517,7 @@
     </p:spTree>
     <p:extLst>
       <p:ext uri="{BB962C8B-B14F-4D97-AF65-F5344CB8AC3E}">
-        <p14:creationId xmlns:p14="http://schemas.microsoft.com/office/powerpoint/2010/main" val="2253754805"/>
+        <p14:creationId xmlns:p14="http://schemas.microsoft.com/office/powerpoint/2010/main" val="1737571160"/>
       </p:ext>
     </p:extLst>
   </p:cSld>
@@ -2922,109 +2546,58 @@
       </p:grpSpPr>
       <p:sp>
         <p:nvSpPr>
-          <p:cNvPr id="8" name="Rectangle 7"/>
-          <p:cNvSpPr/>
-          <p:nvPr/>
+          <p:cNvPr id="2" name="Title 1"/>
+          <p:cNvSpPr>
+            <a:spLocks noGrp="1"/>
+          </p:cNvSpPr>
+          <p:nvPr>
+            <p:ph type="title"/>
+          </p:nvPr>
         </p:nvSpPr>
         <p:spPr>
           <a:xfrm>
-            <a:off x="0" y="5105400"/>
-            <a:ext cx="11292840" cy="1752600"/>
+            <a:off x="839788" y="457200"/>
+            <a:ext cx="3932237" cy="1600200"/>
           </a:xfrm>
-          <a:prstGeom prst="rect">
-            <a:avLst/>
-          </a:prstGeom>
-          <a:solidFill>
-            <a:srgbClr val="000000"/>
-          </a:solidFill>
-          <a:ln>
-            <a:noFill/>
-          </a:ln>
         </p:spPr>
-        <p:style>
-          <a:lnRef idx="2">
-            <a:schemeClr val="accent1">
-              <a:shade val="50000"/>
-            </a:schemeClr>
-          </a:lnRef>
-          <a:fillRef idx="1">
-            <a:schemeClr val="accent1"/>
-          </a:fillRef>
-          <a:effectRef idx="0">
-            <a:schemeClr val="accent1"/>
-          </a:effectRef>
-          <a:fontRef idx="minor">
-            <a:schemeClr val="lt1"/>
-          </a:fontRef>
-        </p:style>
-      </p:sp>
-      <p:sp>
-        <p:nvSpPr>
-          <p:cNvPr id="2" name="Title 1"/>
-          <p:cNvSpPr>
-            <a:spLocks noGrp="1"/>
-          </p:cNvSpPr>
-          <p:nvPr>
-            <p:ph type="title"/>
+        <p:txBody>
+          <a:bodyPr anchor="b"/>
+          <a:lstStyle>
+            <a:lvl1pPr>
+              <a:defRPr sz="3200"/>
+            </a:lvl1pPr>
+          </a:lstStyle>
+          <a:p>
+            <a:r>
+              <a:rPr lang="en-US" smtClean="0"/>
+              <a:t>Click to edit Master title style</a:t>
+            </a:r>
+            <a:endParaRPr lang="en-US"/>
+          </a:p>
+        </p:txBody>
+      </p:sp>
+      <p:sp>
+        <p:nvSpPr>
+          <p:cNvPr id="3" name="Picture Placeholder 2"/>
+          <p:cNvSpPr>
+            <a:spLocks noGrp="1"/>
+          </p:cNvSpPr>
+          <p:nvPr>
+            <p:ph type="pic" idx="1"/>
           </p:nvPr>
         </p:nvSpPr>
         <p:spPr>
           <a:xfrm>
-            <a:off x="914400" y="5257800"/>
-            <a:ext cx="9982200" cy="914400"/>
+            <a:off x="5183188" y="987425"/>
+            <a:ext cx="6172200" cy="4873625"/>
           </a:xfrm>
         </p:spPr>
         <p:txBody>
-          <a:bodyPr anchor="b">
-            <a:normAutofit/>
-          </a:bodyPr>
-          <a:lstStyle>
-            <a:lvl1pPr>
-              <a:defRPr sz="2800" b="0">
-                <a:solidFill>
-                  <a:schemeClr val="bg1"/>
-                </a:solidFill>
-              </a:defRPr>
-            </a:lvl1pPr>
-          </a:lstStyle>
-          <a:p>
-            <a:r>
-              <a:rPr lang="en-US" smtClean="0"/>
-              <a:t>Click to edit Master title style</a:t>
-            </a:r>
-            <a:endParaRPr lang="en-US" dirty="0"/>
-          </a:p>
-        </p:txBody>
-      </p:sp>
-      <p:sp>
-        <p:nvSpPr>
-          <p:cNvPr id="3" name="Picture Placeholder 2"/>
-          <p:cNvSpPr>
-            <a:spLocks noGrp="1" noChangeAspect="1"/>
-          </p:cNvSpPr>
-          <p:nvPr>
-            <p:ph type="pic" idx="1"/>
-          </p:nvPr>
-        </p:nvSpPr>
-        <p:spPr>
-          <a:xfrm>
-            <a:off x="0" y="0"/>
-            <a:ext cx="11292840" cy="5128923"/>
-          </a:xfrm>
-          <a:solidFill>
-            <a:schemeClr val="accent1"/>
-          </a:solidFill>
-        </p:spPr>
-        <p:txBody>
-          <a:bodyPr anchor="t"/>
+          <a:bodyPr/>
           <a:lstStyle>
             <a:lvl1pPr marL="0" indent="0">
               <a:buNone/>
-              <a:defRPr sz="3200">
-                <a:solidFill>
-                  <a:schemeClr val="bg1"/>
-                </a:solidFill>
-              </a:defRPr>
+              <a:defRPr sz="3200"/>
             </a:lvl1pPr>
             <a:lvl2pPr marL="457200" indent="0">
               <a:buNone/>
@@ -3060,11 +2633,7 @@
             </a:lvl9pPr>
           </a:lstStyle>
           <a:p>
-            <a:r>
-              <a:rPr lang="en-US" smtClean="0"/>
-              <a:t>Click icon to add picture</a:t>
-            </a:r>
-            <a:endParaRPr lang="en-US" dirty="0"/>
+            <a:endParaRPr lang="en-US"/>
           </a:p>
         </p:txBody>
       </p:sp>
@@ -3080,62 +2649,48 @@
         </p:nvSpPr>
         <p:spPr>
           <a:xfrm>
-            <a:off x="914400" y="6108589"/>
-            <a:ext cx="9982200" cy="597011"/>
+            <a:off x="839788" y="2057400"/>
+            <a:ext cx="3932237" cy="3811588"/>
           </a:xfrm>
         </p:spPr>
         <p:txBody>
-          <a:bodyPr>
-            <a:normAutofit/>
-          </a:bodyPr>
+          <a:bodyPr/>
           <a:lstStyle>
             <a:lvl1pPr marL="0" indent="0">
-              <a:lnSpc>
-                <a:spcPct val="100000"/>
-              </a:lnSpc>
-              <a:spcBef>
-                <a:spcPts val="800"/>
-              </a:spcBef>
               <a:buNone/>
-              <a:defRPr sz="1300">
-                <a:solidFill>
-                  <a:schemeClr val="bg1">
-                    <a:lumMod val="85000"/>
-                  </a:schemeClr>
-                </a:solidFill>
-              </a:defRPr>
+              <a:defRPr sz="1600"/>
             </a:lvl1pPr>
             <a:lvl2pPr marL="457200" indent="0">
               <a:buNone/>
-              <a:defRPr sz="1200"/>
+              <a:defRPr sz="1400"/>
             </a:lvl2pPr>
             <a:lvl3pPr marL="914400" indent="0">
               <a:buNone/>
-              <a:defRPr sz="1000"/>
+              <a:defRPr sz="1200"/>
             </a:lvl3pPr>
             <a:lvl4pPr marL="1371600" indent="0">
               <a:buNone/>
-              <a:defRPr sz="900"/>
+              <a:defRPr sz="1000"/>
             </a:lvl4pPr>
             <a:lvl5pPr marL="1828800" indent="0">
               <a:buNone/>
-              <a:defRPr sz="900"/>
+              <a:defRPr sz="1000"/>
             </a:lvl5pPr>
             <a:lvl6pPr marL="2286000" indent="0">
               <a:buNone/>
-              <a:defRPr sz="900"/>
+              <a:defRPr sz="1000"/>
             </a:lvl6pPr>
             <a:lvl7pPr marL="2743200" indent="0">
               <a:buNone/>
-              <a:defRPr sz="900"/>
+              <a:defRPr sz="1000"/>
             </a:lvl7pPr>
             <a:lvl8pPr marL="3200400" indent="0">
               <a:buNone/>
-              <a:defRPr sz="900"/>
+              <a:defRPr sz="1000"/>
             </a:lvl8pPr>
             <a:lvl9pPr marL="3657600" indent="0">
               <a:buNone/>
-              <a:defRPr sz="900"/>
+              <a:defRPr sz="1000"/>
             </a:lvl9pPr>
           </a:lstStyle>
           <a:p>
@@ -3164,7 +2719,7 @@
           <a:p>
             <a:fld id="{B471EA0B-3F5E-47F7-999E-D692CF2B884B}" type="datetimeFigureOut">
               <a:rPr lang="en-US" smtClean="0"/>
-              <a:t>9/30/2022</a:t>
+              <a:t>9/30/2023</a:t>
             </a:fld>
             <a:endParaRPr lang="en-US"/>
           </a:p>
@@ -3215,7 +2770,7 @@
     </p:spTree>
     <p:extLst>
       <p:ext uri="{BB962C8B-B14F-4D97-AF65-F5344CB8AC3E}">
-        <p14:creationId xmlns:p14="http://schemas.microsoft.com/office/powerpoint/2010/main" val="2902116947"/>
+        <p14:creationId xmlns:p14="http://schemas.microsoft.com/office/powerpoint/2010/main" val="1286971156"/>
       </p:ext>
     </p:extLst>
   </p:cSld>
@@ -3249,65 +2804,25 @@
       </p:grpSpPr>
       <p:sp>
         <p:nvSpPr>
-          <p:cNvPr id="7" name="Rectangle 6"/>
-          <p:cNvSpPr/>
-          <p:nvPr/>
+          <p:cNvPr id="2" name="Title Placeholder 1"/>
+          <p:cNvSpPr>
+            <a:spLocks noGrp="1"/>
+          </p:cNvSpPr>
+          <p:nvPr>
+            <p:ph type="title"/>
+          </p:nvPr>
         </p:nvSpPr>
         <p:spPr>
           <a:xfrm>
-            <a:off x="11292840" y="0"/>
-            <a:ext cx="914400" cy="6858000"/>
-          </a:xfrm>
-          <a:prstGeom prst="rect">
-            <a:avLst/>
-          </a:prstGeom>
-          <a:solidFill>
-            <a:schemeClr val="tx2">
-              <a:lumMod val="75000"/>
-            </a:schemeClr>
-          </a:solidFill>
-          <a:ln>
-            <a:noFill/>
-          </a:ln>
-        </p:spPr>
-        <p:style>
-          <a:lnRef idx="2">
-            <a:schemeClr val="accent1">
-              <a:shade val="50000"/>
-            </a:schemeClr>
-          </a:lnRef>
-          <a:fillRef idx="1">
-            <a:schemeClr val="accent1"/>
-          </a:fillRef>
-          <a:effectRef idx="0">
-            <a:schemeClr val="accent1"/>
-          </a:effectRef>
-          <a:fontRef idx="minor">
-            <a:schemeClr val="lt1"/>
-          </a:fontRef>
-        </p:style>
-      </p:sp>
-      <p:sp>
-        <p:nvSpPr>
-          <p:cNvPr id="2" name="Title Placeholder 1"/>
-          <p:cNvSpPr>
-            <a:spLocks noGrp="1"/>
-          </p:cNvSpPr>
-          <p:nvPr>
-            <p:ph type="title"/>
-          </p:nvPr>
-        </p:nvSpPr>
-        <p:spPr>
-          <a:xfrm>
-            <a:off x="1261872" y="365760"/>
-            <a:ext cx="9692640" cy="1325562"/>
+            <a:off x="838200" y="365125"/>
+            <a:ext cx="10515600" cy="1325563"/>
           </a:xfrm>
           <a:prstGeom prst="rect">
             <a:avLst/>
           </a:prstGeom>
         </p:spPr>
         <p:txBody>
-          <a:bodyPr vert="horz" lIns="91440" tIns="45720" rIns="91440" bIns="45720" rtlCol="0" anchor="b">
+          <a:bodyPr vert="horz" lIns="91440" tIns="45720" rIns="91440" bIns="45720" rtlCol="0" anchor="ctr">
             <a:normAutofit/>
           </a:bodyPr>
           <a:lstStyle/>
@@ -3316,7 +2831,7 @@
               <a:rPr lang="en-US" smtClean="0"/>
               <a:t>Click to edit Master title style</a:t>
             </a:r>
-            <a:endParaRPr lang="en-US" dirty="0"/>
+            <a:endParaRPr lang="en-US"/>
           </a:p>
         </p:txBody>
       </p:sp>
@@ -3332,8 +2847,8 @@
         </p:nvSpPr>
         <p:spPr>
           <a:xfrm>
-            <a:off x="1261872" y="1828800"/>
-            <a:ext cx="8595360" cy="4351337"/>
+            <a:off x="838200" y="1825625"/>
+            <a:ext cx="10515600" cy="4351338"/>
           </a:xfrm>
           <a:prstGeom prst="rect">
             <a:avLst/>
@@ -3378,7 +2893,7 @@
               <a:rPr lang="en-US" smtClean="0"/>
               <a:t>Fifth level</a:t>
             </a:r>
-            <a:endParaRPr lang="en-US" dirty="0"/>
+            <a:endParaRPr lang="en-US"/>
           </a:p>
         </p:txBody>
       </p:sp>
@@ -3393,9 +2908,9 @@
           </p:nvPr>
         </p:nvSpPr>
         <p:spPr>
-          <a:xfrm rot="16200000">
-            <a:off x="10797542" y="998537"/>
-            <a:ext cx="1904999" cy="365125"/>
+          <a:xfrm>
+            <a:off x="838200" y="6356350"/>
+            <a:ext cx="2743200" cy="365125"/>
           </a:xfrm>
           <a:prstGeom prst="rect">
             <a:avLst/>
@@ -3404,12 +2919,11 @@
         <p:txBody>
           <a:bodyPr vert="horz" lIns="91440" tIns="45720" rIns="91440" bIns="45720" rtlCol="0" anchor="ctr"/>
           <a:lstStyle>
-            <a:lvl1pPr algn="r">
-              <a:defRPr sz="1050" b="0">
+            <a:lvl1pPr algn="l">
+              <a:defRPr sz="1200">
                 <a:solidFill>
-                  <a:schemeClr val="tx2">
-                    <a:lumMod val="20000"/>
-                    <a:lumOff val="80000"/>
+                  <a:schemeClr val="tx1">
+                    <a:tint val="75000"/>
                   </a:schemeClr>
                 </a:solidFill>
               </a:defRPr>
@@ -3418,7 +2932,7 @@
           <a:p>
             <a:fld id="{B471EA0B-3F5E-47F7-999E-D692CF2B884B}" type="datetimeFigureOut">
               <a:rPr lang="en-US" smtClean="0"/>
-              <a:t>9/30/2022</a:t>
+              <a:t>9/30/2023</a:t>
             </a:fld>
             <a:endParaRPr lang="en-US"/>
           </a:p>
@@ -3435,9 +2949,9 @@
           </p:nvPr>
         </p:nvSpPr>
         <p:spPr>
-          <a:xfrm rot="16200000">
-            <a:off x="9959341" y="4046537"/>
-            <a:ext cx="3581400" cy="365125"/>
+          <a:xfrm>
+            <a:off x="4038600" y="6356350"/>
+            <a:ext cx="4114800" cy="365125"/>
           </a:xfrm>
           <a:prstGeom prst="rect">
             <a:avLst/>
@@ -3446,12 +2960,11 @@
         <p:txBody>
           <a:bodyPr vert="horz" lIns="91440" tIns="45720" rIns="91440" bIns="45720" rtlCol="0" anchor="ctr"/>
           <a:lstStyle>
-            <a:lvl1pPr algn="l">
-              <a:defRPr sz="1050">
+            <a:lvl1pPr algn="ctr">
+              <a:defRPr sz="1200">
                 <a:solidFill>
-                  <a:schemeClr val="tx2">
-                    <a:lumMod val="20000"/>
-                    <a:lumOff val="80000"/>
+                  <a:schemeClr val="tx1">
+                    <a:tint val="75000"/>
                   </a:schemeClr>
                 </a:solidFill>
               </a:defRPr>
@@ -3474,24 +2987,21 @@
         </p:nvSpPr>
         <p:spPr>
           <a:xfrm>
-            <a:off x="11292840" y="6172200"/>
-            <a:ext cx="914400" cy="593725"/>
+            <a:off x="8610600" y="6356350"/>
+            <a:ext cx="2743200" cy="365125"/>
           </a:xfrm>
           <a:prstGeom prst="rect">
             <a:avLst/>
           </a:prstGeom>
         </p:spPr>
         <p:txBody>
-          <a:bodyPr vert="horz" lIns="45720" tIns="45720" rIns="45720" bIns="45720" rtlCol="0" anchor="ctr">
-            <a:normAutofit/>
-          </a:bodyPr>
+          <a:bodyPr vert="horz" lIns="91440" tIns="45720" rIns="91440" bIns="45720" rtlCol="0" anchor="ctr"/>
           <a:lstStyle>
-            <a:lvl1pPr algn="ctr">
-              <a:defRPr sz="3600">
+            <a:lvl1pPr algn="r">
+              <a:defRPr sz="1200">
                 <a:solidFill>
-                  <a:schemeClr val="tx2">
-                    <a:lumMod val="60000"/>
-                    <a:lumOff val="40000"/>
+                  <a:schemeClr val="tx1">
+                    <a:tint val="75000"/>
                   </a:schemeClr>
                 </a:solidFill>
               </a:defRPr>
@@ -3509,23 +3019,23 @@
     </p:spTree>
     <p:extLst>
       <p:ext uri="{BB962C8B-B14F-4D97-AF65-F5344CB8AC3E}">
-        <p14:creationId xmlns:p14="http://schemas.microsoft.com/office/powerpoint/2010/main" val="2050841534"/>
+        <p14:creationId xmlns:p14="http://schemas.microsoft.com/office/powerpoint/2010/main" val="3799013085"/>
       </p:ext>
     </p:extLst>
   </p:cSld>
   <p:clrMap bg1="lt1" tx1="dk1" bg2="lt2" tx2="dk2" accent1="accent1" accent2="accent2" accent3="accent3" accent4="accent4" accent5="accent5" accent6="accent6" hlink="hlink" folHlink="folHlink"/>
   <p:sldLayoutIdLst>
-    <p:sldLayoutId id="2147483661" r:id="rId1"/>
-    <p:sldLayoutId id="2147483662" r:id="rId2"/>
-    <p:sldLayoutId id="2147483663" r:id="rId3"/>
-    <p:sldLayoutId id="2147483664" r:id="rId4"/>
-    <p:sldLayoutId id="2147483665" r:id="rId5"/>
-    <p:sldLayoutId id="2147483666" r:id="rId6"/>
-    <p:sldLayoutId id="2147483667" r:id="rId7"/>
-    <p:sldLayoutId id="2147483668" r:id="rId8"/>
-    <p:sldLayoutId id="2147483669" r:id="rId9"/>
-    <p:sldLayoutId id="2147483670" r:id="rId10"/>
-    <p:sldLayoutId id="2147483671" r:id="rId11"/>
+    <p:sldLayoutId id="2147483673" r:id="rId1"/>
+    <p:sldLayoutId id="2147483674" r:id="rId2"/>
+    <p:sldLayoutId id="2147483675" r:id="rId3"/>
+    <p:sldLayoutId id="2147483676" r:id="rId4"/>
+    <p:sldLayoutId id="2147483677" r:id="rId5"/>
+    <p:sldLayoutId id="2147483678" r:id="rId6"/>
+    <p:sldLayoutId id="2147483679" r:id="rId7"/>
+    <p:sldLayoutId id="2147483680" r:id="rId8"/>
+    <p:sldLayoutId id="2147483681" r:id="rId9"/>
+    <p:sldLayoutId id="2147483682" r:id="rId10"/>
+    <p:sldLayoutId id="2147483683" r:id="rId11"/>
   </p:sldLayoutIdLst>
   <p:txStyles>
     <p:titleStyle>
@@ -3537,7 +3047,7 @@
           <a:spcPct val="0"/>
         </a:spcBef>
         <a:buNone/>
-        <a:defRPr sz="4400" kern="1200" spc="-50" baseline="0">
+        <a:defRPr sz="4400" kern="1200">
           <a:solidFill>
             <a:schemeClr val="tx1"/>
           </a:solidFill>
@@ -3548,23 +3058,16 @@
       </a:lvl1pPr>
     </p:titleStyle>
     <p:bodyStyle>
-      <a:lvl1pPr marL="182880" indent="-182880" algn="l" defTabSz="914400" rtl="0" eaLnBrk="1" latinLnBrk="0" hangingPunct="1">
+      <a:lvl1pPr marL="228600" indent="-228600" algn="l" defTabSz="914400" rtl="0" eaLnBrk="1" latinLnBrk="0" hangingPunct="1">
         <a:lnSpc>
-          <a:spcPct val="95000"/>
+          <a:spcPct val="90000"/>
         </a:lnSpc>
         <a:spcBef>
-          <a:spcPts val="1400"/>
+          <a:spcPts val="1000"/>
         </a:spcBef>
-        <a:spcAft>
-          <a:spcPts val="200"/>
-        </a:spcAft>
-        <a:buClr>
-          <a:schemeClr val="accent1"/>
-        </a:buClr>
-        <a:buSzPct val="80000"/>
-        <a:buFont typeface="Arial" pitchFamily="34" charset="0"/>
+        <a:buFont typeface="Arial" panose="020B0604020202020204" pitchFamily="34" charset="0"/>
         <a:buChar char="•"/>
-        <a:defRPr sz="1800" kern="1200" spc="10" baseline="0">
+        <a:defRPr sz="2800" kern="1200">
           <a:solidFill>
             <a:schemeClr val="tx1"/>
           </a:solidFill>
@@ -3573,216 +3076,144 @@
           <a:cs typeface="+mn-cs"/>
         </a:defRPr>
       </a:lvl1pPr>
-      <a:lvl2pPr marL="457200" indent="-182880" algn="l" defTabSz="914400" rtl="0" eaLnBrk="1" latinLnBrk="0" hangingPunct="1">
+      <a:lvl2pPr marL="685800" indent="-228600" algn="l" defTabSz="914400" rtl="0" eaLnBrk="1" latinLnBrk="0" hangingPunct="1">
         <a:lnSpc>
           <a:spcPct val="90000"/>
         </a:lnSpc>
         <a:spcBef>
-          <a:spcPts val="300"/>
+          <a:spcPts val="500"/>
         </a:spcBef>
-        <a:spcAft>
-          <a:spcPts val="300"/>
-        </a:spcAft>
-        <a:buClr>
-          <a:schemeClr val="accent1"/>
-        </a:buClr>
-        <a:buFont typeface="Wingdings 2" pitchFamily="18" charset="2"/>
-        <a:buChar char=""/>
-        <a:defRPr sz="1600" kern="1200">
+        <a:buFont typeface="Arial" panose="020B0604020202020204" pitchFamily="34" charset="0"/>
+        <a:buChar char="•"/>
+        <a:defRPr sz="2400" kern="1200">
           <a:solidFill>
-            <a:schemeClr val="tx1">
-              <a:lumMod val="85000"/>
-              <a:lumOff val="15000"/>
-            </a:schemeClr>
+            <a:schemeClr val="tx1"/>
           </a:solidFill>
           <a:latin typeface="+mn-lt"/>
           <a:ea typeface="+mn-ea"/>
           <a:cs typeface="+mn-cs"/>
         </a:defRPr>
       </a:lvl2pPr>
-      <a:lvl3pPr marL="731520" indent="-182880" algn="l" defTabSz="914400" rtl="0" eaLnBrk="1" latinLnBrk="0" hangingPunct="1">
+      <a:lvl3pPr marL="1143000" indent="-228600" algn="l" defTabSz="914400" rtl="0" eaLnBrk="1" latinLnBrk="0" hangingPunct="1">
         <a:lnSpc>
           <a:spcPct val="90000"/>
         </a:lnSpc>
         <a:spcBef>
-          <a:spcPts val="300"/>
+          <a:spcPts val="500"/>
         </a:spcBef>
-        <a:spcAft>
-          <a:spcPts val="300"/>
-        </a:spcAft>
-        <a:buClr>
-          <a:schemeClr val="accent1"/>
-        </a:buClr>
-        <a:buFont typeface="Wingdings 2" pitchFamily="18" charset="2"/>
-        <a:buChar char=""/>
-        <a:defRPr sz="1400" kern="1200">
+        <a:buFont typeface="Arial" panose="020B0604020202020204" pitchFamily="34" charset="0"/>
+        <a:buChar char="•"/>
+        <a:defRPr sz="2000" kern="1200">
           <a:solidFill>
-            <a:schemeClr val="tx1">
-              <a:lumMod val="85000"/>
-              <a:lumOff val="15000"/>
-            </a:schemeClr>
+            <a:schemeClr val="tx1"/>
           </a:solidFill>
           <a:latin typeface="+mn-lt"/>
           <a:ea typeface="+mn-ea"/>
           <a:cs typeface="+mn-cs"/>
         </a:defRPr>
       </a:lvl3pPr>
-      <a:lvl4pPr marL="1005840" indent="-182880" algn="l" defTabSz="914400" rtl="0" eaLnBrk="1" latinLnBrk="0" hangingPunct="1">
+      <a:lvl4pPr marL="1600200" indent="-228600" algn="l" defTabSz="914400" rtl="0" eaLnBrk="1" latinLnBrk="0" hangingPunct="1">
         <a:lnSpc>
           <a:spcPct val="90000"/>
         </a:lnSpc>
         <a:spcBef>
-          <a:spcPts val="300"/>
+          <a:spcPts val="500"/>
         </a:spcBef>
-        <a:spcAft>
-          <a:spcPts val="300"/>
-        </a:spcAft>
-        <a:buClr>
-          <a:schemeClr val="accent1"/>
-        </a:buClr>
-        <a:buFont typeface="Wingdings 2" pitchFamily="18" charset="2"/>
-        <a:buChar char=""/>
-        <a:defRPr sz="1400" kern="1200">
+        <a:buFont typeface="Arial" panose="020B0604020202020204" pitchFamily="34" charset="0"/>
+        <a:buChar char="•"/>
+        <a:defRPr sz="1800" kern="1200">
           <a:solidFill>
-            <a:schemeClr val="tx1">
-              <a:lumMod val="85000"/>
-              <a:lumOff val="15000"/>
-            </a:schemeClr>
+            <a:schemeClr val="tx1"/>
           </a:solidFill>
           <a:latin typeface="+mn-lt"/>
           <a:ea typeface="+mn-ea"/>
           <a:cs typeface="+mn-cs"/>
         </a:defRPr>
       </a:lvl4pPr>
-      <a:lvl5pPr marL="1280160" indent="-182880" algn="l" defTabSz="914400" rtl="0" eaLnBrk="1" latinLnBrk="0" hangingPunct="1">
+      <a:lvl5pPr marL="2057400" indent="-228600" algn="l" defTabSz="914400" rtl="0" eaLnBrk="1" latinLnBrk="0" hangingPunct="1">
         <a:lnSpc>
           <a:spcPct val="90000"/>
         </a:lnSpc>
         <a:spcBef>
-          <a:spcPts val="300"/>
+          <a:spcPts val="500"/>
         </a:spcBef>
-        <a:spcAft>
-          <a:spcPts val="300"/>
-        </a:spcAft>
-        <a:buClr>
-          <a:schemeClr val="accent1"/>
-        </a:buClr>
-        <a:buFont typeface="Wingdings 2" pitchFamily="18" charset="2"/>
-        <a:buChar char=""/>
-        <a:defRPr sz="1400" kern="1200">
+        <a:buFont typeface="Arial" panose="020B0604020202020204" pitchFamily="34" charset="0"/>
+        <a:buChar char="•"/>
+        <a:defRPr sz="1800" kern="1200">
           <a:solidFill>
-            <a:schemeClr val="tx1">
-              <a:lumMod val="85000"/>
-              <a:lumOff val="15000"/>
-            </a:schemeClr>
+            <a:schemeClr val="tx1"/>
           </a:solidFill>
           <a:latin typeface="+mn-lt"/>
           <a:ea typeface="+mn-ea"/>
           <a:cs typeface="+mn-cs"/>
         </a:defRPr>
       </a:lvl5pPr>
-      <a:lvl6pPr marL="1600000" indent="-228600" algn="l" defTabSz="914400" rtl="0" eaLnBrk="1" latinLnBrk="0" hangingPunct="1">
+      <a:lvl6pPr marL="2514600" indent="-228600" algn="l" defTabSz="914400" rtl="0" eaLnBrk="1" latinLnBrk="0" hangingPunct="1">
         <a:lnSpc>
           <a:spcPct val="90000"/>
         </a:lnSpc>
         <a:spcBef>
-          <a:spcPts val="300"/>
+          <a:spcPts val="500"/>
         </a:spcBef>
-        <a:spcAft>
-          <a:spcPts val="300"/>
-        </a:spcAft>
-        <a:buClr>
-          <a:schemeClr val="accent1"/>
-        </a:buClr>
-        <a:buFont typeface="Wingdings 2" pitchFamily="18" charset="2"/>
-        <a:buChar char=""/>
-        <a:defRPr sz="1400" kern="1200">
+        <a:buFont typeface="Arial" panose="020B0604020202020204" pitchFamily="34" charset="0"/>
+        <a:buChar char="•"/>
+        <a:defRPr sz="1800" kern="1200">
           <a:solidFill>
-            <a:schemeClr val="tx1">
-              <a:lumMod val="85000"/>
-              <a:lumOff val="15000"/>
-            </a:schemeClr>
+            <a:schemeClr val="tx1"/>
           </a:solidFill>
           <a:latin typeface="+mn-lt"/>
           <a:ea typeface="+mn-ea"/>
           <a:cs typeface="+mn-cs"/>
         </a:defRPr>
       </a:lvl6pPr>
-      <a:lvl7pPr marL="1900000" indent="-228600" algn="l" defTabSz="914400" rtl="0" eaLnBrk="1" latinLnBrk="0" hangingPunct="1">
+      <a:lvl7pPr marL="2971800" indent="-228600" algn="l" defTabSz="914400" rtl="0" eaLnBrk="1" latinLnBrk="0" hangingPunct="1">
         <a:lnSpc>
           <a:spcPct val="90000"/>
         </a:lnSpc>
         <a:spcBef>
-          <a:spcPts val="300"/>
+          <a:spcPts val="500"/>
         </a:spcBef>
-        <a:spcAft>
-          <a:spcPts val="300"/>
-        </a:spcAft>
-        <a:buClr>
-          <a:schemeClr val="accent1"/>
-        </a:buClr>
-        <a:buFont typeface="Wingdings 2" pitchFamily="18" charset="2"/>
-        <a:buChar char=""/>
-        <a:defRPr sz="1400" kern="1200">
+        <a:buFont typeface="Arial" panose="020B0604020202020204" pitchFamily="34" charset="0"/>
+        <a:buChar char="•"/>
+        <a:defRPr sz="1800" kern="1200">
           <a:solidFill>
-            <a:schemeClr val="tx1">
-              <a:lumMod val="85000"/>
-              <a:lumOff val="15000"/>
-            </a:schemeClr>
+            <a:schemeClr val="tx1"/>
           </a:solidFill>
           <a:latin typeface="+mn-lt"/>
           <a:ea typeface="+mn-ea"/>
           <a:cs typeface="+mn-cs"/>
         </a:defRPr>
       </a:lvl7pPr>
-      <a:lvl8pPr marL="2200000" indent="-228600" algn="l" defTabSz="914400" rtl="0" eaLnBrk="1" latinLnBrk="0" hangingPunct="1">
+      <a:lvl8pPr marL="3429000" indent="-228600" algn="l" defTabSz="914400" rtl="0" eaLnBrk="1" latinLnBrk="0" hangingPunct="1">
         <a:lnSpc>
           <a:spcPct val="90000"/>
         </a:lnSpc>
         <a:spcBef>
-          <a:spcPts val="300"/>
+          <a:spcPts val="500"/>
         </a:spcBef>
-        <a:spcAft>
-          <a:spcPts val="300"/>
-        </a:spcAft>
-        <a:buClr>
-          <a:schemeClr val="accent1"/>
-        </a:buClr>
-        <a:buFont typeface="Wingdings 2" pitchFamily="18" charset="2"/>
-        <a:buChar char=""/>
-        <a:defRPr sz="1400" kern="1200">
+        <a:buFont typeface="Arial" panose="020B0604020202020204" pitchFamily="34" charset="0"/>
+        <a:buChar char="•"/>
+        <a:defRPr sz="1800" kern="1200">
           <a:solidFill>
-            <a:schemeClr val="tx1">
-              <a:lumMod val="85000"/>
-              <a:lumOff val="15000"/>
-            </a:schemeClr>
+            <a:schemeClr val="tx1"/>
           </a:solidFill>
           <a:latin typeface="+mn-lt"/>
           <a:ea typeface="+mn-ea"/>
           <a:cs typeface="+mn-cs"/>
         </a:defRPr>
       </a:lvl8pPr>
-      <a:lvl9pPr marL="2500000" indent="-228600" algn="l" defTabSz="914400" rtl="0" eaLnBrk="1" latinLnBrk="0" hangingPunct="1">
+      <a:lvl9pPr marL="3886200" indent="-228600" algn="l" defTabSz="914400" rtl="0" eaLnBrk="1" latinLnBrk="0" hangingPunct="1">
         <a:lnSpc>
           <a:spcPct val="90000"/>
         </a:lnSpc>
         <a:spcBef>
-          <a:spcPts val="300"/>
+          <a:spcPts val="500"/>
         </a:spcBef>
-        <a:spcAft>
-          <a:spcPts val="300"/>
-        </a:spcAft>
-        <a:buClr>
-          <a:schemeClr val="accent1"/>
-        </a:buClr>
-        <a:buFont typeface="Wingdings 2" pitchFamily="18" charset="2"/>
-        <a:buChar char=""/>
-        <a:defRPr sz="1400" kern="1200">
+        <a:buFont typeface="Arial" panose="020B0604020202020204" pitchFamily="34" charset="0"/>
+        <a:buChar char="•"/>
+        <a:defRPr sz="1800" kern="1200">
           <a:solidFill>
-            <a:schemeClr val="tx1">
-              <a:lumMod val="85000"/>
-              <a:lumOff val="15000"/>
-            </a:schemeClr>
+            <a:schemeClr val="tx1"/>
           </a:solidFill>
           <a:latin typeface="+mn-lt"/>
           <a:ea typeface="+mn-ea"/>
@@ -3918,7 +3349,7 @@
         </p:nvSpPr>
         <p:spPr>
           <a:xfrm>
-            <a:off x="1792586" y="2052377"/>
+            <a:off x="1578320" y="1554744"/>
             <a:ext cx="9035359" cy="2129828"/>
           </a:xfrm>
         </p:spPr>
@@ -3928,7 +3359,7 @@
           </a:bodyPr>
           <a:lstStyle/>
           <a:p>
-            <a:pPr algn="just"/>
+            <a:pPr algn="l"/>
             <a:r>
               <a:rPr lang="en-US" sz="4000" dirty="0"/>
               <a:t>Automated robust first peak detection in a time signal using computational intelligence</a:t>
@@ -3946,10 +3377,15 @@
             <p:ph type="subTitle" idx="1"/>
           </p:nvPr>
         </p:nvSpPr>
-        <p:spPr/>
+        <p:spPr>
+          <a:xfrm>
+            <a:off x="1647730" y="3862387"/>
+            <a:ext cx="9144000" cy="1655762"/>
+          </a:xfrm>
+        </p:spPr>
         <p:txBody>
           <a:bodyPr>
-            <a:normAutofit fontScale="55000" lnSpcReduction="20000"/>
+            <a:normAutofit fontScale="77500" lnSpcReduction="20000"/>
           </a:bodyPr>
           <a:lstStyle/>
           <a:p>
@@ -3964,40 +3400,57 @@
             <a:endParaRPr lang="en-US" b="1" dirty="0"/>
           </a:p>
           <a:p>
-            <a:pPr algn="ctr"/>
-            <a:r>
-              <a:rPr lang="en-US" sz="2400" b="1" dirty="0"/>
-              <a:t>Susmita Sumaiya </a:t>
-            </a:r>
-            <a:endParaRPr lang="en-US" sz="2400" b="1" dirty="0" smtClean="0"/>
-          </a:p>
-          <a:p>
-            <a:pPr algn="ctr"/>
-            <a:r>
-              <a:rPr lang="it-IT" sz="2400" b="1" dirty="0"/>
-              <a:t>Kazi Md Abdullah Al </a:t>
-            </a:r>
-            <a:r>
-              <a:rPr lang="it-IT" sz="2400" b="1" dirty="0" smtClean="0"/>
-              <a:t>Mubin</a:t>
-            </a:r>
-            <a:endParaRPr lang="en-US" sz="2400" b="1" dirty="0" smtClean="0"/>
-          </a:p>
-          <a:p>
-            <a:pPr algn="ctr"/>
-            <a:r>
-              <a:rPr lang="it-IT" sz="2400" b="1" dirty="0" smtClean="0"/>
-              <a:t>Aishin </a:t>
-            </a:r>
-            <a:r>
-              <a:rPr lang="it-IT" sz="2400" b="1" dirty="0"/>
-              <a:t>Abdulla </a:t>
-            </a:r>
-            <a:r>
-              <a:rPr lang="it-IT" sz="2400" b="1" dirty="0" smtClean="0"/>
-              <a:t>Yoosufali</a:t>
-            </a:r>
-            <a:endParaRPr lang="it-IT" sz="2400" b="1" dirty="0"/>
+            <a:pPr algn="l"/>
+            <a:r>
+              <a:rPr lang="en-US" sz="2600" dirty="0"/>
+              <a:t>md.shishir@stud.fra-uas.de </a:t>
+            </a:r>
+            <a:r>
+              <a:rPr lang="en-US" sz="2600" dirty="0" smtClean="0"/>
+              <a:t>                 1344477</a:t>
+            </a:r>
+            <a:br>
+              <a:rPr lang="en-US" sz="2600" dirty="0" smtClean="0"/>
+            </a:br>
+            <a:r>
+              <a:rPr lang="en-US" sz="2600" dirty="0" smtClean="0"/>
+              <a:t>maruf.hossain@stud.fra-uas.de       </a:t>
+            </a:r>
+            <a:r>
+              <a:rPr lang="en-US" sz="2600" i="1" dirty="0"/>
+              <a:t> </a:t>
+            </a:r>
+            <a:r>
+              <a:rPr lang="en-US" sz="2600" i="1" dirty="0" smtClean="0"/>
+              <a:t>   </a:t>
+            </a:r>
+            <a:r>
+              <a:rPr lang="en-US" sz="2600" dirty="0" smtClean="0"/>
+              <a:t>1390272</a:t>
+            </a:r>
+            <a:br>
+              <a:rPr lang="en-US" sz="2600" dirty="0" smtClean="0"/>
+            </a:br>
+            <a:r>
+              <a:rPr lang="en-US" sz="2600" dirty="0" smtClean="0"/>
+              <a:t>khan.rahman@stud.fra-uas.de             1347995</a:t>
+            </a:r>
+            <a:br>
+              <a:rPr lang="en-US" sz="2600" dirty="0" smtClean="0"/>
+            </a:br>
+            <a:r>
+              <a:rPr lang="en-US" sz="2600" dirty="0" smtClean="0"/>
+              <a:t>akash.saha@stud.fra-uas.de</a:t>
+            </a:r>
+            <a:r>
+              <a:rPr lang="en-US" sz="2600" dirty="0"/>
+              <a:t> </a:t>
+            </a:r>
+            <a:r>
+              <a:rPr lang="en-US" sz="2600" dirty="0" smtClean="0"/>
+              <a:t>                1345829</a:t>
+            </a:r>
+            <a:endParaRPr lang="it-IT" sz="2600" dirty="0"/>
           </a:p>
         </p:txBody>
       </p:sp>
@@ -4024,14 +3477,18 @@
           <a:lstStyle/>
           <a:p>
             <a:r>
-              <a:rPr lang="en-US" smtClean="0"/>
+              <a:rPr lang="en-US" dirty="0" smtClean="0"/>
               <a:t>Computational Intelligence</a:t>
             </a:r>
           </a:p>
           <a:p>
             <a:r>
-              <a:rPr lang="en-US" smtClean="0"/>
-              <a:t>Prof. Andreas Pech</a:t>
+              <a:rPr lang="en-US" dirty="0" smtClean="0"/>
+              <a:t>Prof. Andreas </a:t>
+            </a:r>
+            <a:r>
+              <a:rPr lang="en-US" dirty="0" err="1" smtClean="0"/>
+              <a:t>Pech</a:t>
             </a:r>
             <a:endParaRPr lang="en-US" dirty="0"/>
           </a:p>
@@ -4042,7 +3499,7 @@
           <p:cNvPr id="5" name="Picture 4">
             <a:extLst>
               <a:ext uri="{FF2B5EF4-FFF2-40B4-BE49-F238E27FC236}">
-                <a16:creationId xmlns="" xmlns:a16="http://schemas.microsoft.com/office/drawing/2014/main" id="{11A4DD75-FAD7-47AE-A5D9-B43F088686E1}"/>
+                <a16:creationId xmlns:a16="http://schemas.microsoft.com/office/drawing/2014/main" xmlns="" id="{11A4DD75-FAD7-47AE-A5D9-B43F088686E1}"/>
               </a:ext>
             </a:extLst>
           </p:cNvPr>
@@ -4113,31 +3570,197 @@
             <p:ph type="title"/>
           </p:nvPr>
         </p:nvSpPr>
+        <p:spPr/>
+        <p:txBody>
+          <a:bodyPr>
+            <a:normAutofit/>
+          </a:bodyPr>
+          <a:lstStyle/>
+          <a:p>
+            <a:r>
+              <a:rPr lang="en-US" sz="4000" dirty="0" smtClean="0"/>
+              <a:t>Noise </a:t>
+            </a:r>
+            <a:r>
+              <a:rPr lang="en-US" sz="4000" dirty="0"/>
+              <a:t>H</a:t>
+            </a:r>
+            <a:r>
+              <a:rPr lang="en-US" sz="4000" dirty="0" smtClean="0"/>
+              <a:t>andling </a:t>
+            </a:r>
+            <a:endParaRPr lang="en-US" sz="4000" dirty="0"/>
+          </a:p>
+        </p:txBody>
+      </p:sp>
+      <p:sp>
+        <p:nvSpPr>
+          <p:cNvPr id="4" name="Rectangle 3"/>
+          <p:cNvSpPr/>
+          <p:nvPr/>
+        </p:nvSpPr>
         <p:spPr>
           <a:xfrm>
-            <a:off x="772985" y="338600"/>
-            <a:ext cx="9692640" cy="1325562"/>
+            <a:off x="1261872" y="3158031"/>
+            <a:ext cx="8594756" cy="4247317"/>
           </a:xfrm>
+          <a:prstGeom prst="rect">
+            <a:avLst/>
+          </a:prstGeom>
         </p:spPr>
         <p:txBody>
-          <a:bodyPr/>
-          <a:lstStyle/>
-          <a:p>
+          <a:bodyPr wrap="square">
+            <a:spAutoFit/>
+          </a:bodyPr>
+          <a:lstStyle/>
+          <a:p>
+            <a:pPr marL="285750" indent="-285750">
+              <a:buFont typeface="Arial" panose="020B0604020202020204" pitchFamily="34" charset="0"/>
+              <a:buChar char="•"/>
+            </a:pPr>
+            <a:r>
+              <a:rPr lang="en-US" b="1" dirty="0"/>
+              <a:t>Concept of Noise Filtering</a:t>
+            </a:r>
             <a:r>
               <a:rPr lang="en-US" dirty="0"/>
-              <a:t>First Peak Detection </a:t>
+              <a:t>: Noise filtering is a crucial step in data processing, aiming to reduce or eliminate unwanted variations or interference (noise) from signals, enhancing the quality of data for analysis.</a:t>
+            </a:r>
+            <a:endParaRPr lang="en-US" i="1" dirty="0" smtClean="0">
+              <a:cs typeface="Courier New" panose="02070309020205020404" pitchFamily="49" charset="0"/>
+            </a:endParaRPr>
+          </a:p>
+          <a:p>
+            <a:pPr marL="285750" indent="-285750">
+              <a:buFont typeface="Arial" panose="020B0604020202020204" pitchFamily="34" charset="0"/>
+              <a:buChar char="•"/>
+            </a:pPr>
+            <a:r>
+              <a:rPr lang="en-US" i="1" dirty="0" err="1" smtClean="0">
+                <a:cs typeface="Courier New" panose="02070309020205020404" pitchFamily="49" charset="0"/>
+              </a:rPr>
+              <a:t>scipy.signal.butter</a:t>
+            </a:r>
+            <a:endParaRPr lang="en-US" i="1" dirty="0" smtClean="0">
+              <a:cs typeface="Courier New" panose="02070309020205020404" pitchFamily="49" charset="0"/>
+            </a:endParaRPr>
+          </a:p>
+          <a:p>
+            <a:pPr marL="285750" indent="-285750">
+              <a:buFont typeface="Arial" panose="020B0604020202020204" pitchFamily="34" charset="0"/>
+              <a:buChar char="•"/>
+            </a:pPr>
+            <a:endParaRPr lang="en-US" i="1" dirty="0">
+              <a:cs typeface="Courier New" panose="02070309020205020404" pitchFamily="49" charset="0"/>
+            </a:endParaRPr>
+          </a:p>
+          <a:p>
+            <a:pPr marL="285750" indent="-285750">
+              <a:buFont typeface="Arial" panose="020B0604020202020204" pitchFamily="34" charset="0"/>
+              <a:buChar char="•"/>
+            </a:pPr>
+            <a:r>
+              <a:rPr lang="en-US" b="1" dirty="0" err="1"/>
+              <a:t>Scipy</a:t>
+            </a:r>
+            <a:r>
+              <a:rPr lang="en-US" b="1" dirty="0"/>
+              <a:t> Functions</a:t>
+            </a:r>
+            <a:r>
+              <a:rPr lang="en-US" dirty="0"/>
+              <a:t>: </a:t>
+            </a:r>
+            <a:r>
+              <a:rPr lang="en-US" dirty="0" err="1"/>
+              <a:t>Scipy</a:t>
+            </a:r>
+            <a:r>
+              <a:rPr lang="en-US" dirty="0"/>
+              <a:t> offers valuable functions for noise filtering, </a:t>
             </a:r>
             <a:r>
               <a:rPr lang="en-US" dirty="0" smtClean="0"/>
-              <a:t>in Machine Learning Approach</a:t>
-            </a:r>
-            <a:endParaRPr lang="en-US" dirty="0"/>
+              <a:t>including </a:t>
+            </a:r>
+            <a:r>
+              <a:rPr lang="en-US" b="1" dirty="0" err="1" smtClean="0"/>
+              <a:t>scipy.signal.filtfilt</a:t>
+            </a:r>
+            <a:r>
+              <a:rPr lang="en-US" b="1" dirty="0" smtClean="0"/>
+              <a:t> </a:t>
+            </a:r>
+            <a:r>
+              <a:rPr lang="en-US" dirty="0" smtClean="0"/>
+              <a:t>and</a:t>
+            </a:r>
+            <a:r>
+              <a:rPr lang="en-US" b="1" dirty="0" smtClean="0"/>
+              <a:t> </a:t>
+            </a:r>
+            <a:r>
+              <a:rPr lang="en-US" b="1" dirty="0" err="1"/>
+              <a:t>scipy.signal.butter</a:t>
+            </a:r>
+            <a:r>
+              <a:rPr lang="en-US" dirty="0" smtClean="0"/>
+              <a:t> </a:t>
+            </a:r>
+            <a:br>
+              <a:rPr lang="en-US" dirty="0" smtClean="0"/>
+            </a:br>
+            <a:endParaRPr lang="en-US" i="1" dirty="0" smtClean="0">
+              <a:latin typeface="Courier New" panose="02070309020205020404" pitchFamily="49" charset="0"/>
+              <a:cs typeface="Courier New" panose="02070309020205020404" pitchFamily="49" charset="0"/>
+            </a:endParaRPr>
+          </a:p>
+          <a:p>
+            <a:endParaRPr lang="en-US" i="1" dirty="0">
+              <a:latin typeface="Courier New" panose="02070309020205020404" pitchFamily="49" charset="0"/>
+              <a:cs typeface="Courier New" panose="02070309020205020404" pitchFamily="49" charset="0"/>
+            </a:endParaRPr>
+          </a:p>
+          <a:p>
+            <a:endParaRPr lang="en-US" i="1" dirty="0" smtClean="0">
+              <a:latin typeface="Courier New" panose="02070309020205020404" pitchFamily="49" charset="0"/>
+              <a:cs typeface="Courier New" panose="02070309020205020404" pitchFamily="49" charset="0"/>
+            </a:endParaRPr>
+          </a:p>
+          <a:p>
+            <a:r>
+              <a:rPr lang="en-US" dirty="0" smtClean="0">
+                <a:cs typeface="Courier New" panose="02070309020205020404" pitchFamily="49" charset="0"/>
+              </a:rPr>
+              <a:t/>
+            </a:r>
+            <a:br>
+              <a:rPr lang="en-US" dirty="0" smtClean="0">
+                <a:cs typeface="Courier New" panose="02070309020205020404" pitchFamily="49" charset="0"/>
+              </a:rPr>
+            </a:br>
+            <a:endParaRPr lang="en-US" dirty="0">
+              <a:cs typeface="Courier New" panose="02070309020205020404" pitchFamily="49" charset="0"/>
+            </a:endParaRPr>
+          </a:p>
+          <a:p>
+            <a:endParaRPr lang="en-US" dirty="0" smtClean="0">
+              <a:cs typeface="Courier New" panose="02070309020205020404" pitchFamily="49" charset="0"/>
+            </a:endParaRPr>
+          </a:p>
+          <a:p>
+            <a:endParaRPr lang="en-US" dirty="0">
+              <a:cs typeface="Courier New" panose="02070309020205020404" pitchFamily="49" charset="0"/>
+            </a:endParaRPr>
+          </a:p>
+          <a:p>
+            <a:endParaRPr lang="en-US" dirty="0" smtClean="0"/>
           </a:p>
         </p:txBody>
       </p:sp>
       <p:pic>
         <p:nvPicPr>
-          <p:cNvPr id="3" name="Picture 2"/>
+          <p:cNvPr id="14" name="Picture 13"/>
           <p:cNvPicPr>
             <a:picLocks noChangeAspect="1"/>
           </p:cNvPicPr>
@@ -4151,8 +3774,32 @@
         </p:blipFill>
         <p:spPr>
           <a:xfrm>
-            <a:off x="1312329" y="1738266"/>
-            <a:ext cx="7134554" cy="4816444"/>
+            <a:off x="1261872" y="1630855"/>
+            <a:ext cx="5210175" cy="1361327"/>
+          </a:xfrm>
+          <a:prstGeom prst="rect">
+            <a:avLst/>
+          </a:prstGeom>
+        </p:spPr>
+      </p:pic>
+      <p:pic>
+        <p:nvPicPr>
+          <p:cNvPr id="15" name="Picture 14"/>
+          <p:cNvPicPr>
+            <a:picLocks noChangeAspect="1"/>
+          </p:cNvPicPr>
+          <p:nvPr/>
+        </p:nvPicPr>
+        <p:blipFill>
+          <a:blip r:embed="rId3"/>
+          <a:stretch>
+            <a:fillRect/>
+          </a:stretch>
+        </p:blipFill>
+        <p:spPr>
+          <a:xfrm>
+            <a:off x="6472047" y="1630855"/>
+            <a:ext cx="5127054" cy="1412969"/>
           </a:xfrm>
           <a:prstGeom prst="rect">
             <a:avLst/>
@@ -4162,7 +3809,7 @@
     </p:spTree>
     <p:extLst>
       <p:ext uri="{BB962C8B-B14F-4D97-AF65-F5344CB8AC3E}">
-        <p14:creationId xmlns:p14="http://schemas.microsoft.com/office/powerpoint/2010/main" val="644244463"/>
+        <p14:creationId xmlns:p14="http://schemas.microsoft.com/office/powerpoint/2010/main" val="882199990"/>
       </p:ext>
     </p:extLst>
   </p:cSld>
@@ -4204,17 +3851,10 @@
           <a:bodyPr/>
           <a:lstStyle/>
           <a:p>
+            <a:pPr algn="ctr"/>
             <a:r>
               <a:rPr lang="en-US" dirty="0" smtClean="0"/>
-              <a:t>Noise </a:t>
-            </a:r>
-            <a:r>
-              <a:rPr lang="en-US" dirty="0"/>
-              <a:t>H</a:t>
-            </a:r>
-            <a:r>
-              <a:rPr lang="en-US" dirty="0" smtClean="0"/>
-              <a:t>andling </a:t>
+              <a:t>GUI</a:t>
             </a:r>
             <a:endParaRPr lang="en-US" dirty="0"/>
           </a:p>
@@ -4222,103 +3862,108 @@
       </p:sp>
       <p:sp>
         <p:nvSpPr>
-          <p:cNvPr id="4" name="Rectangle 3"/>
-          <p:cNvSpPr/>
+          <p:cNvPr id="5" name="TextBox 4"/>
+          <p:cNvSpPr txBox="1"/>
           <p:nvPr/>
         </p:nvSpPr>
         <p:spPr>
           <a:xfrm>
-            <a:off x="1261872" y="3510729"/>
-            <a:ext cx="8594756" cy="2308324"/>
+            <a:off x="0" y="2170368"/>
+            <a:ext cx="5151422" cy="369332"/>
           </a:xfrm>
           <a:prstGeom prst="rect">
             <a:avLst/>
           </a:prstGeom>
+          <a:noFill/>
         </p:spPr>
         <p:txBody>
-          <a:bodyPr wrap="square">
+          <a:bodyPr wrap="square" rtlCol="0">
             <a:spAutoFit/>
           </a:bodyPr>
           <a:lstStyle/>
           <a:p>
             <a:r>
-              <a:rPr lang="en-US" i="1" dirty="0" err="1" smtClean="0">
-                <a:latin typeface="Courier New" panose="02070309020205020404" pitchFamily="49" charset="0"/>
-                <a:cs typeface="Courier New" panose="02070309020205020404" pitchFamily="49" charset="0"/>
-              </a:rPr>
-              <a:t>scipy.signal.filtfilt</a:t>
-            </a:r>
-            <a:endParaRPr lang="en-US" i="1" dirty="0" smtClean="0">
-              <a:latin typeface="Courier New" panose="02070309020205020404" pitchFamily="49" charset="0"/>
-              <a:cs typeface="Courier New" panose="02070309020205020404" pitchFamily="49" charset="0"/>
-            </a:endParaRPr>
-          </a:p>
-          <a:p>
-            <a:r>
-              <a:rPr lang="en-US" dirty="0" smtClean="0">
-                <a:cs typeface="Courier New" panose="02070309020205020404" pitchFamily="49" charset="0"/>
-              </a:rPr>
-              <a:t>This function applies a linear digital filter twice, once forward and once backwards. The combined filter has zero phase and a filter order twice that of the original.</a:t>
-            </a:r>
-          </a:p>
-          <a:p>
-            <a:endParaRPr lang="en-US" i="1" dirty="0" smtClean="0">
-              <a:latin typeface="Courier New" panose="02070309020205020404" pitchFamily="49" charset="0"/>
-              <a:cs typeface="Courier New" panose="02070309020205020404" pitchFamily="49" charset="0"/>
-            </a:endParaRPr>
-          </a:p>
-          <a:p>
-            <a:r>
-              <a:rPr lang="en-US" i="1" dirty="0" err="1" smtClean="0">
-                <a:latin typeface="Courier New" panose="02070309020205020404" pitchFamily="49" charset="0"/>
-                <a:cs typeface="Courier New" panose="02070309020205020404" pitchFamily="49" charset="0"/>
-              </a:rPr>
-              <a:t>scipy.signal.butter</a:t>
-            </a:r>
-            <a:endParaRPr lang="en-US" i="1" dirty="0" smtClean="0">
-              <a:latin typeface="Courier New" panose="02070309020205020404" pitchFamily="49" charset="0"/>
-              <a:cs typeface="Courier New" panose="02070309020205020404" pitchFamily="49" charset="0"/>
-            </a:endParaRPr>
-          </a:p>
-          <a:p>
-            <a:r>
-              <a:rPr lang="en-US" dirty="0" smtClean="0">
-                <a:cs typeface="Courier New" panose="02070309020205020404" pitchFamily="49" charset="0"/>
-              </a:rPr>
-              <a:t>Design an Nth-order digital or analog Butterworth filter and return the filter coefficients.</a:t>
-            </a:r>
-            <a:endParaRPr lang="en-US" dirty="0" smtClean="0"/>
-          </a:p>
-        </p:txBody>
-      </p:sp>
-      <p:pic>
-        <p:nvPicPr>
-          <p:cNvPr id="5" name="Picture 4"/>
-          <p:cNvPicPr>
-            <a:picLocks noChangeAspect="1"/>
-          </p:cNvPicPr>
+              <a:rPr lang="en-US" dirty="0" smtClean="0"/>
+              <a:t>For the input, we used a GUI in our model. </a:t>
+            </a:r>
+            <a:endParaRPr lang="en-US" dirty="0"/>
+          </a:p>
+        </p:txBody>
+      </p:sp>
+      <p:sp>
+        <p:nvSpPr>
+          <p:cNvPr id="4" name="TextBox 3"/>
+          <p:cNvSpPr txBox="1"/>
           <p:nvPr/>
-        </p:nvPicPr>
-        <p:blipFill>
-          <a:blip r:embed="rId2"/>
-          <a:stretch>
-            <a:fillRect/>
-          </a:stretch>
-        </p:blipFill>
+        </p:nvSpPr>
         <p:spPr>
           <a:xfrm>
-            <a:off x="3158950" y="2105496"/>
-            <a:ext cx="4800600" cy="800100"/>
+            <a:off x="0" y="3019381"/>
+            <a:ext cx="10869550" cy="1754326"/>
           </a:xfrm>
           <a:prstGeom prst="rect">
             <a:avLst/>
           </a:prstGeom>
+          <a:noFill/>
         </p:spPr>
-      </p:pic>
+        <p:txBody>
+          <a:bodyPr wrap="square" rtlCol="0">
+            <a:spAutoFit/>
+          </a:bodyPr>
+          <a:lstStyle/>
+          <a:p>
+            <a:pPr marL="285750" indent="-285750">
+              <a:buFont typeface="Arial" panose="020B0604020202020204" pitchFamily="34" charset="0"/>
+              <a:buChar char="•"/>
+            </a:pPr>
+            <a:r>
+              <a:rPr lang="en-US" b="1" dirty="0"/>
+              <a:t>GUI Implementation</a:t>
+            </a:r>
+            <a:r>
+              <a:rPr lang="en-US" dirty="0"/>
+              <a:t>: Our model features a Graphical User Interface (GUI) to facilitate user interaction and data input</a:t>
+            </a:r>
+            <a:r>
+              <a:rPr lang="en-US" dirty="0" smtClean="0"/>
+              <a:t>.</a:t>
+            </a:r>
+            <a:br>
+              <a:rPr lang="en-US" dirty="0" smtClean="0"/>
+            </a:br>
+            <a:endParaRPr lang="en-US" dirty="0"/>
+          </a:p>
+          <a:p>
+            <a:pPr marL="285750" indent="-285750">
+              <a:buFont typeface="Arial" panose="020B0604020202020204" pitchFamily="34" charset="0"/>
+              <a:buChar char="•"/>
+            </a:pPr>
+            <a:r>
+              <a:rPr lang="en-US" b="1" dirty="0" err="1"/>
+              <a:t>Tkinter</a:t>
+            </a:r>
+            <a:r>
+              <a:rPr lang="en-US" dirty="0"/>
+              <a:t>: </a:t>
+            </a:r>
+            <a:r>
+              <a:rPr lang="en-US" dirty="0" err="1"/>
+              <a:t>Tkinter</a:t>
+            </a:r>
+            <a:r>
+              <a:rPr lang="en-US" dirty="0"/>
+              <a:t>, a Python library, plays a pivotal role in creating the GUI. It provides tools for designing windows, buttons, entry fields, and other essential GUI components.</a:t>
+            </a:r>
+          </a:p>
+          <a:p>
+            <a:endParaRPr lang="en-US" dirty="0"/>
+          </a:p>
+        </p:txBody>
+      </p:sp>
     </p:spTree>
     <p:extLst>
       <p:ext uri="{BB962C8B-B14F-4D97-AF65-F5344CB8AC3E}">
-        <p14:creationId xmlns:p14="http://schemas.microsoft.com/office/powerpoint/2010/main" val="882199990"/>
+        <p14:creationId xmlns:p14="http://schemas.microsoft.com/office/powerpoint/2010/main" val="2658405105"/>
       </p:ext>
     </p:extLst>
   </p:cSld>
@@ -4368,39 +4013,9 @@
           </a:p>
         </p:txBody>
       </p:sp>
-      <p:sp>
-        <p:nvSpPr>
-          <p:cNvPr id="5" name="TextBox 4"/>
-          <p:cNvSpPr txBox="1"/>
-          <p:nvPr/>
-        </p:nvSpPr>
-        <p:spPr>
-          <a:xfrm>
-            <a:off x="688063" y="2172832"/>
-            <a:ext cx="5151422" cy="369332"/>
-          </a:xfrm>
-          <a:prstGeom prst="rect">
-            <a:avLst/>
-          </a:prstGeom>
-          <a:noFill/>
-        </p:spPr>
-        <p:txBody>
-          <a:bodyPr wrap="square" rtlCol="0">
-            <a:spAutoFit/>
-          </a:bodyPr>
-          <a:lstStyle/>
-          <a:p>
-            <a:r>
-              <a:rPr lang="en-US" dirty="0" smtClean="0"/>
-              <a:t>For the input, we used a GUI in our model. </a:t>
-            </a:r>
-            <a:endParaRPr lang="en-US" dirty="0"/>
-          </a:p>
-        </p:txBody>
-      </p:sp>
       <p:pic>
         <p:nvPicPr>
-          <p:cNvPr id="7" name="Picture 6"/>
+          <p:cNvPr id="3" name="Picture 2"/>
           <p:cNvPicPr>
             <a:picLocks noChangeAspect="1"/>
           </p:cNvPicPr>
@@ -4414,8 +4029,8 @@
         </p:blipFill>
         <p:spPr>
           <a:xfrm>
-            <a:off x="688063" y="2888810"/>
-            <a:ext cx="8067675" cy="2438400"/>
+            <a:off x="2564601" y="1691322"/>
+            <a:ext cx="5890467" cy="4414196"/>
           </a:xfrm>
           <a:prstGeom prst="rect">
             <a:avLst/>
@@ -4425,7 +4040,7 @@
     </p:spTree>
     <p:extLst>
       <p:ext uri="{BB962C8B-B14F-4D97-AF65-F5344CB8AC3E}">
-        <p14:creationId xmlns:p14="http://schemas.microsoft.com/office/powerpoint/2010/main" val="2658405105"/>
+        <p14:creationId xmlns:p14="http://schemas.microsoft.com/office/powerpoint/2010/main" val="4085978908"/>
       </p:ext>
     </p:extLst>
   </p:cSld>
@@ -4477,14 +4092,14 @@
       </p:sp>
       <p:sp>
         <p:nvSpPr>
-          <p:cNvPr id="7" name="TextBox 6"/>
+          <p:cNvPr id="4" name="TextBox 3"/>
           <p:cNvSpPr txBox="1"/>
           <p:nvPr/>
         </p:nvSpPr>
         <p:spPr>
           <a:xfrm>
-            <a:off x="8031559" y="3427982"/>
-            <a:ext cx="3032911" cy="1200329"/>
+            <a:off x="112734" y="4487170"/>
+            <a:ext cx="11035430" cy="923330"/>
           </a:xfrm>
           <a:prstGeom prst="rect">
             <a:avLst/>
@@ -4498,38 +4113,32 @@
           <a:lstStyle/>
           <a:p>
             <a:r>
-              <a:rPr lang="en-US" dirty="0" smtClean="0"/>
-              <a:t>This button is used for viewing the prediction using machine learning solution.</a:t>
-            </a:r>
-            <a:endParaRPr lang="en-US" dirty="0"/>
-          </a:p>
-        </p:txBody>
-      </p:sp>
-      <p:sp>
-        <p:nvSpPr>
-          <p:cNvPr id="15" name="TextBox 14"/>
-          <p:cNvSpPr txBox="1"/>
-          <p:nvPr/>
-        </p:nvSpPr>
-        <p:spPr>
-          <a:xfrm>
-            <a:off x="334904" y="3427982"/>
-            <a:ext cx="2574238" cy="646331"/>
-          </a:xfrm>
-          <a:prstGeom prst="rect">
-            <a:avLst/>
-          </a:prstGeom>
-          <a:noFill/>
-        </p:spPr>
-        <p:txBody>
-          <a:bodyPr wrap="square" rtlCol="0">
-            <a:spAutoFit/>
-          </a:bodyPr>
-          <a:lstStyle/>
-          <a:p>
-            <a:r>
-              <a:rPr lang="en-US" dirty="0" smtClean="0"/>
-              <a:t>This button is used for uploading the test file</a:t>
+              <a:rPr lang="en-US" dirty="0"/>
+              <a:t>To enable file uploading in your provided code, the </a:t>
+            </a:r>
+            <a:r>
+              <a:rPr lang="en-US" dirty="0" err="1"/>
+              <a:t>tkinter</a:t>
+            </a:r>
+            <a:r>
+              <a:rPr lang="en-US" dirty="0"/>
+              <a:t> library is used in combination with the </a:t>
+            </a:r>
+            <a:r>
+              <a:rPr lang="en-US" dirty="0" err="1"/>
+              <a:t>filedialog</a:t>
+            </a:r>
+            <a:r>
+              <a:rPr lang="en-US" dirty="0"/>
+              <a:t> module. Specifically, the </a:t>
+            </a:r>
+            <a:r>
+              <a:rPr lang="en-US" dirty="0" err="1"/>
+              <a:t>filedialog.askopenfilename</a:t>
+            </a:r>
+            <a:r>
+              <a:rPr lang="en-US" dirty="0"/>
+              <a:t> function is used to open a file dialog that allows the user to browse and select a file from their local system.</a:t>
             </a:r>
             <a:endParaRPr lang="en-US" dirty="0"/>
           </a:p>
@@ -4537,104 +4146,32 @@
       </p:sp>
       <p:pic>
         <p:nvPicPr>
-          <p:cNvPr id="16" name="Picture 15"/>
+          <p:cNvPr id="3" name="Picture 2"/>
           <p:cNvPicPr>
             <a:picLocks noChangeAspect="1"/>
           </p:cNvPicPr>
           <p:nvPr/>
         </p:nvPicPr>
         <p:blipFill>
-          <a:blip r:embed="rId2">
-            <a:extLst>
-              <a:ext uri="{28A0092B-C50C-407E-A947-70E740481C1C}">
-                <a14:useLocalDpi xmlns:a14="http://schemas.microsoft.com/office/drawing/2010/main" val="0"/>
-              </a:ext>
-            </a:extLst>
-          </a:blip>
+          <a:blip r:embed="rId2"/>
           <a:stretch>
             <a:fillRect/>
           </a:stretch>
         </p:blipFill>
         <p:spPr>
           <a:xfrm>
-            <a:off x="3253933" y="1602046"/>
-            <a:ext cx="4781550" cy="3933825"/>
+            <a:off x="0" y="1690688"/>
+            <a:ext cx="5724525" cy="2381250"/>
           </a:xfrm>
           <a:prstGeom prst="rect">
             <a:avLst/>
           </a:prstGeom>
         </p:spPr>
       </p:pic>
-      <p:cxnSp>
-        <p:nvCxnSpPr>
-          <p:cNvPr id="18" name="Straight Arrow Connector 17"/>
-          <p:cNvCxnSpPr/>
-          <p:nvPr/>
-        </p:nvCxnSpPr>
-        <p:spPr>
-          <a:xfrm flipV="1">
-            <a:off x="2052735" y="2519265"/>
-            <a:ext cx="2780522" cy="908717"/>
-          </a:xfrm>
-          <a:prstGeom prst="straightConnector1">
-            <a:avLst/>
-          </a:prstGeom>
-          <a:ln>
-            <a:tailEnd type="triangle"/>
-          </a:ln>
-        </p:spPr>
-        <p:style>
-          <a:lnRef idx="3">
-            <a:schemeClr val="accent6"/>
-          </a:lnRef>
-          <a:fillRef idx="0">
-            <a:schemeClr val="accent6"/>
-          </a:fillRef>
-          <a:effectRef idx="2">
-            <a:schemeClr val="accent6"/>
-          </a:effectRef>
-          <a:fontRef idx="minor">
-            <a:schemeClr val="tx1"/>
-          </a:fontRef>
-        </p:style>
-      </p:cxnSp>
-      <p:cxnSp>
-        <p:nvCxnSpPr>
-          <p:cNvPr id="21" name="Straight Arrow Connector 20"/>
-          <p:cNvCxnSpPr/>
-          <p:nvPr/>
-        </p:nvCxnSpPr>
-        <p:spPr>
-          <a:xfrm flipH="1" flipV="1">
-            <a:off x="6718041" y="2855167"/>
-            <a:ext cx="1968759" cy="457200"/>
-          </a:xfrm>
-          <a:prstGeom prst="straightConnector1">
-            <a:avLst/>
-          </a:prstGeom>
-          <a:ln>
-            <a:tailEnd type="triangle"/>
-          </a:ln>
-        </p:spPr>
-        <p:style>
-          <a:lnRef idx="3">
-            <a:schemeClr val="accent6"/>
-          </a:lnRef>
-          <a:fillRef idx="0">
-            <a:schemeClr val="accent6"/>
-          </a:fillRef>
-          <a:effectRef idx="2">
-            <a:schemeClr val="accent6"/>
-          </a:effectRef>
-          <a:fontRef idx="minor">
-            <a:schemeClr val="tx1"/>
-          </a:fontRef>
-        </p:style>
-      </p:cxnSp>
     </p:spTree>
     <p:extLst>
       <p:ext uri="{BB962C8B-B14F-4D97-AF65-F5344CB8AC3E}">
-        <p14:creationId xmlns:p14="http://schemas.microsoft.com/office/powerpoint/2010/main" val="4085978908"/>
+        <p14:creationId xmlns:p14="http://schemas.microsoft.com/office/powerpoint/2010/main" val="3912029175"/>
       </p:ext>
     </p:extLst>
   </p:cSld>
@@ -4678,149 +4215,19 @@
           <a:p>
             <a:r>
               <a:rPr lang="en-US" dirty="0" smtClean="0"/>
-              <a:t>GUI</a:t>
-            </a:r>
-            <a:endParaRPr lang="en-US" dirty="0"/>
-          </a:p>
-        </p:txBody>
-      </p:sp>
-      <p:sp>
-        <p:nvSpPr>
-          <p:cNvPr id="4" name="TextBox 3"/>
-          <p:cNvSpPr txBox="1"/>
-          <p:nvPr/>
-        </p:nvSpPr>
-        <p:spPr>
-          <a:xfrm>
-            <a:off x="1053190" y="3748134"/>
-            <a:ext cx="5220861" cy="2585323"/>
-          </a:xfrm>
-          <a:prstGeom prst="rect">
-            <a:avLst/>
-          </a:prstGeom>
-          <a:noFill/>
-        </p:spPr>
-        <p:txBody>
-          <a:bodyPr wrap="square" rtlCol="0">
-            <a:spAutoFit/>
-          </a:bodyPr>
-          <a:lstStyle/>
-          <a:p>
+              <a:t>Output </a:t>
+            </a:r>
             <a:r>
               <a:rPr lang="en-US" dirty="0" smtClean="0"/>
-              <a:t>For uploading, we used the function </a:t>
-            </a:r>
-            <a:r>
-              <a:rPr lang="en-US" dirty="0" err="1" smtClean="0">
-                <a:latin typeface="Courier New" panose="02070309020205020404" pitchFamily="49" charset="0"/>
-                <a:cs typeface="Courier New" panose="02070309020205020404" pitchFamily="49" charset="0"/>
-              </a:rPr>
-              <a:t>askopenfilename</a:t>
-            </a:r>
-            <a:r>
-              <a:rPr lang="en-US" dirty="0" smtClean="0">
-                <a:latin typeface="Courier New" panose="02070309020205020404" pitchFamily="49" charset="0"/>
-                <a:cs typeface="Courier New" panose="02070309020205020404" pitchFamily="49" charset="0"/>
-              </a:rPr>
-              <a:t>() </a:t>
-            </a:r>
-            <a:r>
-              <a:rPr lang="en-US" dirty="0" smtClean="0"/>
-              <a:t>that cope the location of the file.</a:t>
-            </a:r>
-          </a:p>
-          <a:p>
-            <a:endParaRPr lang="en-US" dirty="0" smtClean="0"/>
-          </a:p>
-          <a:p>
-            <a:r>
-              <a:rPr lang="en-US" dirty="0" err="1" smtClean="0">
-                <a:latin typeface="Courier New" panose="02070309020205020404" pitchFamily="49" charset="0"/>
-                <a:cs typeface="Courier New" panose="02070309020205020404" pitchFamily="49" charset="0"/>
-              </a:rPr>
-              <a:t>pandas.read_excel</a:t>
-            </a:r>
-            <a:r>
-              <a:rPr lang="en-US" dirty="0" smtClean="0"/>
-              <a:t> is used to read from a local </a:t>
-            </a:r>
-            <a:r>
-              <a:rPr lang="en-US" dirty="0" err="1" smtClean="0"/>
-              <a:t>filesystem</a:t>
-            </a:r>
-            <a:r>
-              <a:rPr lang="en-US" dirty="0" smtClean="0"/>
-              <a:t> or URL. It Supports </a:t>
-            </a:r>
-            <a:r>
-              <a:rPr lang="en-US" dirty="0" err="1" smtClean="0"/>
-              <a:t>xls</a:t>
-            </a:r>
-            <a:r>
-              <a:rPr lang="en-US" dirty="0" smtClean="0"/>
-              <a:t>, </a:t>
-            </a:r>
-            <a:r>
-              <a:rPr lang="en-US" dirty="0" err="1" smtClean="0"/>
-              <a:t>xlsx</a:t>
-            </a:r>
-            <a:r>
-              <a:rPr lang="en-US" dirty="0" smtClean="0"/>
-              <a:t>, </a:t>
-            </a:r>
-            <a:r>
-              <a:rPr lang="en-US" dirty="0" err="1" smtClean="0"/>
-              <a:t>xlsm</a:t>
-            </a:r>
-            <a:r>
-              <a:rPr lang="en-US" dirty="0" smtClean="0"/>
-              <a:t>, </a:t>
-            </a:r>
-            <a:r>
-              <a:rPr lang="en-US" dirty="0" err="1" smtClean="0"/>
-              <a:t>xlsb</a:t>
-            </a:r>
-            <a:r>
-              <a:rPr lang="en-US" dirty="0" smtClean="0"/>
-              <a:t>, </a:t>
-            </a:r>
-            <a:r>
-              <a:rPr lang="en-US" dirty="0" err="1" smtClean="0"/>
-              <a:t>odf</a:t>
-            </a:r>
-            <a:r>
-              <a:rPr lang="en-US" dirty="0" smtClean="0"/>
-              <a:t>, </a:t>
-            </a:r>
-            <a:r>
-              <a:rPr lang="en-US" dirty="0" err="1" smtClean="0"/>
-              <a:t>ods</a:t>
-            </a:r>
-            <a:r>
-              <a:rPr lang="en-US" dirty="0" smtClean="0"/>
-              <a:t> and </a:t>
-            </a:r>
-            <a:r>
-              <a:rPr lang="en-US" dirty="0" err="1" smtClean="0"/>
-              <a:t>odt</a:t>
-            </a:r>
-            <a:r>
-              <a:rPr lang="en-US" dirty="0" smtClean="0"/>
-              <a:t> file extensions.</a:t>
-            </a:r>
-            <a:endParaRPr lang="en-US" dirty="0"/>
-          </a:p>
-          <a:p>
-            <a:endParaRPr lang="en-US" dirty="0" smtClean="0"/>
-          </a:p>
-          <a:p>
+              <a:t>(first peak detection Data set one)</a:t>
+            </a:r>
             <a:endParaRPr lang="en-US" dirty="0"/>
           </a:p>
         </p:txBody>
       </p:sp>
       <p:pic>
         <p:nvPicPr>
-          <p:cNvPr id="6" name="Picture 5"/>
+          <p:cNvPr id="3" name="Picture 2"/>
           <p:cNvPicPr>
             <a:picLocks noChangeAspect="1"/>
           </p:cNvPicPr>
@@ -4834,8 +4241,32 @@
         </p:blipFill>
         <p:spPr>
           <a:xfrm>
-            <a:off x="1053190" y="1962490"/>
-            <a:ext cx="6200775" cy="1514475"/>
+            <a:off x="0" y="2680571"/>
+            <a:ext cx="4079700" cy="2956142"/>
+          </a:xfrm>
+          <a:prstGeom prst="rect">
+            <a:avLst/>
+          </a:prstGeom>
+        </p:spPr>
+      </p:pic>
+      <p:pic>
+        <p:nvPicPr>
+          <p:cNvPr id="4" name="Picture 3"/>
+          <p:cNvPicPr>
+            <a:picLocks noChangeAspect="1"/>
+          </p:cNvPicPr>
+          <p:nvPr/>
+        </p:nvPicPr>
+        <p:blipFill>
+          <a:blip r:embed="rId3"/>
+          <a:stretch>
+            <a:fillRect/>
+          </a:stretch>
+        </p:blipFill>
+        <p:spPr>
+          <a:xfrm>
+            <a:off x="4079700" y="2680571"/>
+            <a:ext cx="8112300" cy="3043824"/>
           </a:xfrm>
           <a:prstGeom prst="rect">
             <a:avLst/>
@@ -4845,7 +4276,7 @@
     </p:spTree>
     <p:extLst>
       <p:ext uri="{BB962C8B-B14F-4D97-AF65-F5344CB8AC3E}">
-        <p14:creationId xmlns:p14="http://schemas.microsoft.com/office/powerpoint/2010/main" val="3912029175"/>
+        <p14:creationId xmlns:p14="http://schemas.microsoft.com/office/powerpoint/2010/main" val="1478032761"/>
       </p:ext>
     </p:extLst>
   </p:cSld>
@@ -4889,7 +4320,11 @@
           <a:p>
             <a:r>
               <a:rPr lang="en-US" dirty="0" smtClean="0"/>
-              <a:t>Output (first peak detection in noisy signal)</a:t>
+              <a:t>Output </a:t>
+            </a:r>
+            <a:r>
+              <a:rPr lang="en-US" dirty="0" smtClean="0"/>
+              <a:t>(first peak detection Data set two)</a:t>
             </a:r>
             <a:endParaRPr lang="en-US" dirty="0"/>
           </a:p>
@@ -4897,28 +4332,22 @@
       </p:sp>
       <p:pic>
         <p:nvPicPr>
-          <p:cNvPr id="8" name="Picture 7"/>
+          <p:cNvPr id="5" name="Picture 4"/>
           <p:cNvPicPr>
             <a:picLocks noChangeAspect="1"/>
           </p:cNvPicPr>
           <p:nvPr/>
         </p:nvPicPr>
         <p:blipFill>
-          <a:blip r:embed="rId2">
-            <a:extLst>
-              <a:ext uri="{28A0092B-C50C-407E-A947-70E740481C1C}">
-                <a14:useLocalDpi xmlns:a14="http://schemas.microsoft.com/office/drawing/2010/main" val="0"/>
-              </a:ext>
-            </a:extLst>
-          </a:blip>
+          <a:blip r:embed="rId2"/>
           <a:stretch>
             <a:fillRect/>
           </a:stretch>
         </p:blipFill>
         <p:spPr>
           <a:xfrm>
-            <a:off x="379991" y="2219703"/>
-            <a:ext cx="4499828" cy="3239538"/>
+            <a:off x="0" y="2680570"/>
+            <a:ext cx="3810000" cy="2805829"/>
           </a:xfrm>
           <a:prstGeom prst="rect">
             <a:avLst/>
@@ -4927,28 +4356,22 @@
       </p:pic>
       <p:pic>
         <p:nvPicPr>
-          <p:cNvPr id="9" name="Picture 8"/>
+          <p:cNvPr id="6" name="Picture 5"/>
           <p:cNvPicPr>
             <a:picLocks noChangeAspect="1"/>
           </p:cNvPicPr>
           <p:nvPr/>
         </p:nvPicPr>
         <p:blipFill>
-          <a:blip r:embed="rId3">
-            <a:extLst>
-              <a:ext uri="{28A0092B-C50C-407E-A947-70E740481C1C}">
-                <a14:useLocalDpi xmlns:a14="http://schemas.microsoft.com/office/drawing/2010/main" val="0"/>
-              </a:ext>
-            </a:extLst>
-          </a:blip>
+          <a:blip r:embed="rId3"/>
           <a:stretch>
             <a:fillRect/>
           </a:stretch>
         </p:blipFill>
         <p:spPr>
           <a:xfrm>
-            <a:off x="5323438" y="1785912"/>
-            <a:ext cx="5269117" cy="3673329"/>
+            <a:off x="3810000" y="2680570"/>
+            <a:ext cx="8382000" cy="2805829"/>
           </a:xfrm>
           <a:prstGeom prst="rect">
             <a:avLst/>
@@ -4958,7 +4381,7 @@
     </p:spTree>
     <p:extLst>
       <p:ext uri="{BB962C8B-B14F-4D97-AF65-F5344CB8AC3E}">
-        <p14:creationId xmlns:p14="http://schemas.microsoft.com/office/powerpoint/2010/main" val="1478032761"/>
+        <p14:creationId xmlns:p14="http://schemas.microsoft.com/office/powerpoint/2010/main" val="4002459128"/>
       </p:ext>
     </p:extLst>
   </p:cSld>
@@ -4969,183 +4392,6 @@
 </file>
 
 <file path=ppt/slides/slide16.xml><?xml version="1.0" encoding="utf-8"?>
-<p:sld xmlns:a="http://schemas.openxmlformats.org/drawingml/2006/main" xmlns:r="http://schemas.openxmlformats.org/officeDocument/2006/relationships" xmlns:p="http://schemas.openxmlformats.org/presentationml/2006/main">
-  <p:cSld>
-    <p:spTree>
-      <p:nvGrpSpPr>
-        <p:cNvPr id="1" name=""/>
-        <p:cNvGrpSpPr/>
-        <p:nvPr/>
-      </p:nvGrpSpPr>
-      <p:grpSpPr>
-        <a:xfrm>
-          <a:off x="0" y="0"/>
-          <a:ext cx="0" cy="0"/>
-          <a:chOff x="0" y="0"/>
-          <a:chExt cx="0" cy="0"/>
-        </a:xfrm>
-      </p:grpSpPr>
-      <p:sp>
-        <p:nvSpPr>
-          <p:cNvPr id="2" name="Title 1"/>
-          <p:cNvSpPr>
-            <a:spLocks noGrp="1"/>
-          </p:cNvSpPr>
-          <p:nvPr>
-            <p:ph type="title"/>
-          </p:nvPr>
-        </p:nvSpPr>
-        <p:spPr/>
-        <p:txBody>
-          <a:bodyPr/>
-          <a:lstStyle/>
-          <a:p>
-            <a:r>
-              <a:rPr lang="en-US" dirty="0"/>
-              <a:t>Output (first peak </a:t>
-            </a:r>
-            <a:r>
-              <a:rPr lang="en-US" dirty="0" smtClean="0"/>
-              <a:t>after noise filtering)</a:t>
-            </a:r>
-            <a:endParaRPr lang="en-US" dirty="0"/>
-          </a:p>
-        </p:txBody>
-      </p:sp>
-      <p:pic>
-        <p:nvPicPr>
-          <p:cNvPr id="7" name="Picture 6"/>
-          <p:cNvPicPr>
-            <a:picLocks noChangeAspect="1"/>
-          </p:cNvPicPr>
-          <p:nvPr/>
-        </p:nvPicPr>
-        <p:blipFill>
-          <a:blip r:embed="rId3">
-            <a:extLst>
-              <a:ext uri="{28A0092B-C50C-407E-A947-70E740481C1C}">
-                <a14:useLocalDpi xmlns:a14="http://schemas.microsoft.com/office/drawing/2010/main" val="0"/>
-              </a:ext>
-            </a:extLst>
-          </a:blip>
-          <a:stretch>
-            <a:fillRect/>
-          </a:stretch>
-        </p:blipFill>
-        <p:spPr>
-          <a:xfrm>
-            <a:off x="1018515" y="2021234"/>
-            <a:ext cx="4594634" cy="2125254"/>
-          </a:xfrm>
-          <a:prstGeom prst="rect">
-            <a:avLst/>
-          </a:prstGeom>
-        </p:spPr>
-      </p:pic>
-      <p:pic>
-        <p:nvPicPr>
-          <p:cNvPr id="8" name="Picture 7"/>
-          <p:cNvPicPr>
-            <a:picLocks noChangeAspect="1"/>
-          </p:cNvPicPr>
-          <p:nvPr/>
-        </p:nvPicPr>
-        <p:blipFill>
-          <a:blip r:embed="rId4">
-            <a:extLst>
-              <a:ext uri="{28A0092B-C50C-407E-A947-70E740481C1C}">
-                <a14:useLocalDpi xmlns:a14="http://schemas.microsoft.com/office/drawing/2010/main" val="0"/>
-              </a:ext>
-            </a:extLst>
-          </a:blip>
-          <a:stretch>
-            <a:fillRect/>
-          </a:stretch>
-        </p:blipFill>
-        <p:spPr>
-          <a:xfrm>
-            <a:off x="5848540" y="1948806"/>
-            <a:ext cx="4725908" cy="2197682"/>
-          </a:xfrm>
-          <a:prstGeom prst="rect">
-            <a:avLst/>
-          </a:prstGeom>
-        </p:spPr>
-      </p:pic>
-      <p:pic>
-        <p:nvPicPr>
-          <p:cNvPr id="9" name="Picture 8"/>
-          <p:cNvPicPr>
-            <a:picLocks noChangeAspect="1"/>
-          </p:cNvPicPr>
-          <p:nvPr/>
-        </p:nvPicPr>
-        <p:blipFill>
-          <a:blip r:embed="rId5">
-            <a:extLst>
-              <a:ext uri="{28A0092B-C50C-407E-A947-70E740481C1C}">
-                <a14:useLocalDpi xmlns:a14="http://schemas.microsoft.com/office/drawing/2010/main" val="0"/>
-              </a:ext>
-            </a:extLst>
-          </a:blip>
-          <a:stretch>
-            <a:fillRect/>
-          </a:stretch>
-        </p:blipFill>
-        <p:spPr>
-          <a:xfrm>
-            <a:off x="1217691" y="4218915"/>
-            <a:ext cx="4332083" cy="2408221"/>
-          </a:xfrm>
-          <a:prstGeom prst="rect">
-            <a:avLst/>
-          </a:prstGeom>
-        </p:spPr>
-      </p:pic>
-      <p:pic>
-        <p:nvPicPr>
-          <p:cNvPr id="10" name="Picture 9"/>
-          <p:cNvPicPr>
-            <a:picLocks noChangeAspect="1"/>
-          </p:cNvPicPr>
-          <p:nvPr/>
-        </p:nvPicPr>
-        <p:blipFill>
-          <a:blip r:embed="rId6">
-            <a:extLst>
-              <a:ext uri="{28A0092B-C50C-407E-A947-70E740481C1C}">
-                <a14:useLocalDpi xmlns:a14="http://schemas.microsoft.com/office/drawing/2010/main" val="0"/>
-              </a:ext>
-            </a:extLst>
-          </a:blip>
-          <a:stretch>
-            <a:fillRect/>
-          </a:stretch>
-        </p:blipFill>
-        <p:spPr>
-          <a:xfrm>
-            <a:off x="5767294" y="4311981"/>
-            <a:ext cx="4807153" cy="2161247"/>
-          </a:xfrm>
-          <a:prstGeom prst="rect">
-            <a:avLst/>
-          </a:prstGeom>
-        </p:spPr>
-      </p:pic>
-    </p:spTree>
-    <p:extLst>
-      <p:ext uri="{BB962C8B-B14F-4D97-AF65-F5344CB8AC3E}">
-        <p14:creationId xmlns:p14="http://schemas.microsoft.com/office/powerpoint/2010/main" val="3057904363"/>
-      </p:ext>
-    </p:extLst>
-  </p:cSld>
-  <p:clrMapOvr>
-    <a:masterClrMapping/>
-  </p:clrMapOvr>
-</p:sld>
-</file>
-
-<file path=ppt/slides/slide17.xml><?xml version="1.0" encoding="utf-8"?>
 <p:sld xmlns:a="http://schemas.openxmlformats.org/drawingml/2006/main" xmlns:r="http://schemas.openxmlformats.org/officeDocument/2006/relationships" xmlns:p="http://schemas.openxmlformats.org/presentationml/2006/main">
   <p:cSld>
     <p:spTree>
@@ -5232,14 +4478,16 @@
         </p:nvSpPr>
         <p:spPr/>
         <p:txBody>
-          <a:bodyPr/>
-          <a:lstStyle/>
-          <a:p>
-            <a:r>
-              <a:rPr lang="en-US" dirty="0" smtClean="0"/>
+          <a:bodyPr>
+            <a:normAutofit/>
+          </a:bodyPr>
+          <a:lstStyle/>
+          <a:p>
+            <a:r>
+              <a:rPr lang="en-US" sz="4000" dirty="0" smtClean="0"/>
               <a:t>Overview</a:t>
             </a:r>
-            <a:endParaRPr lang="en-US" dirty="0"/>
+            <a:endParaRPr lang="en-US" sz="4000" dirty="0"/>
           </a:p>
         </p:txBody>
       </p:sp>
@@ -5289,7 +4537,6 @@
               <a:rPr lang="en-US" dirty="0" smtClean="0"/>
               <a:t>Signal Processing Approach (Library and Functions)</a:t>
             </a:r>
-            <a:endParaRPr lang="en-US" dirty="0" smtClean="0"/>
           </a:p>
           <a:p>
             <a:pPr marL="285750" indent="-285750">
@@ -5329,7 +4576,6 @@
               <a:rPr lang="en-US" dirty="0" smtClean="0"/>
               <a:t>)</a:t>
             </a:r>
-            <a:endParaRPr lang="en-US" dirty="0" smtClean="0"/>
           </a:p>
           <a:p>
             <a:pPr marL="285750" indent="-285750">
@@ -5354,11 +4600,7 @@
             </a:pPr>
             <a:r>
               <a:rPr lang="en-US" dirty="0" smtClean="0"/>
-              <a:t>Noise </a:t>
-            </a:r>
-            <a:r>
-              <a:rPr lang="en-US" dirty="0" smtClean="0"/>
-              <a:t>filtering </a:t>
+              <a:t>Noise filtering </a:t>
             </a:r>
           </a:p>
           <a:p>
@@ -5435,10 +4677,10 @@
           <a:lstStyle/>
           <a:p>
             <a:r>
-              <a:rPr lang="en-US" dirty="0" smtClean="0"/>
+              <a:rPr lang="en-US" sz="4000" dirty="0" smtClean="0"/>
               <a:t>Introduction</a:t>
             </a:r>
-            <a:endParaRPr lang="en-US" dirty="0"/>
+            <a:endParaRPr lang="en-US" sz="4000" dirty="0"/>
           </a:p>
         </p:txBody>
       </p:sp>
@@ -5447,7 +4689,7 @@
           <p:cNvPr id="3" name="TextBox 2">
             <a:extLst>
               <a:ext uri="{FF2B5EF4-FFF2-40B4-BE49-F238E27FC236}">
-                <a16:creationId xmlns="" xmlns:a16="http://schemas.microsoft.com/office/drawing/2014/main" id="{42597AEB-E181-41B3-B550-9E6949391E48}"/>
+                <a16:creationId xmlns:a16="http://schemas.microsoft.com/office/drawing/2014/main" xmlns="" id="{42597AEB-E181-41B3-B550-9E6949391E48}"/>
               </a:ext>
             </a:extLst>
           </p:cNvPr>
@@ -5474,17 +4716,10 @@
           </a:p>
           <a:p>
             <a:r>
-              <a:rPr lang="en-GB" dirty="0" smtClean="0"/>
-              <a:t>Peak detection in a signal is a familiar requirement in scientific data processing </a:t>
-            </a:r>
-            <a:r>
               <a:rPr lang="en-US" dirty="0"/>
-              <a:t>to measure their positions, heights, widths, and/or areas.</a:t>
-            </a:r>
-            <a:endParaRPr lang="en-GB" dirty="0"/>
-          </a:p>
-          <a:p>
-            <a:endParaRPr lang="en-GB" dirty="0"/>
+              <a:t>Peak detection is a fundamental step in scientific data analysis, allowing us to pinpoint critical features such as positions, heights, widths, and areas within datasets</a:t>
+            </a:r>
+            <a:endParaRPr lang="en-GB" dirty="0" smtClean="0"/>
           </a:p>
           <a:p>
             <a:endParaRPr lang="en-GB" dirty="0" smtClean="0"/>
@@ -5573,100 +4808,33 @@
         </p:nvSpPr>
         <p:spPr>
           <a:xfrm>
-            <a:off x="1261872" y="583043"/>
-            <a:ext cx="9692640" cy="1325562"/>
+            <a:off x="369683" y="392380"/>
+            <a:ext cx="10757026" cy="1325562"/>
           </a:xfrm>
         </p:spPr>
         <p:txBody>
           <a:bodyPr>
-            <a:normAutofit fontScale="90000"/>
+            <a:normAutofit/>
           </a:bodyPr>
           <a:lstStyle/>
           <a:p>
             <a:r>
-              <a:rPr lang="en-US" dirty="0" smtClean="0"/>
-              <a:t/>
-            </a:r>
-            <a:br>
-              <a:rPr lang="en-US" dirty="0" smtClean="0"/>
-            </a:br>
-            <a:r>
-              <a:rPr lang="en-US" dirty="0" smtClean="0"/>
-              <a:t/>
-            </a:r>
-            <a:br>
-              <a:rPr lang="en-US" dirty="0" smtClean="0"/>
-            </a:br>
-            <a:r>
-              <a:rPr lang="en-US" dirty="0" smtClean="0"/>
-              <a:t/>
-            </a:r>
-            <a:br>
-              <a:rPr lang="en-US" dirty="0" smtClean="0"/>
-            </a:br>
-            <a:r>
-              <a:rPr lang="en-US" dirty="0" smtClean="0"/>
-              <a:t/>
-            </a:r>
-            <a:br>
-              <a:rPr lang="en-US" dirty="0" smtClean="0"/>
-            </a:br>
-            <a:r>
-              <a:rPr lang="en-US" dirty="0" smtClean="0"/>
-              <a:t/>
-            </a:r>
-            <a:br>
-              <a:rPr lang="en-US" dirty="0" smtClean="0"/>
-            </a:br>
-            <a:r>
-              <a:rPr lang="en-US" dirty="0" smtClean="0"/>
-              <a:t/>
-            </a:r>
-            <a:br>
-              <a:rPr lang="en-US" dirty="0" smtClean="0"/>
-            </a:br>
-            <a:r>
-              <a:rPr lang="en-US" dirty="0" smtClean="0"/>
-              <a:t/>
-            </a:r>
-            <a:br>
-              <a:rPr lang="en-US" dirty="0" smtClean="0"/>
-            </a:br>
-            <a:r>
-              <a:rPr lang="en-US" dirty="0" smtClean="0"/>
-              <a:t/>
-            </a:r>
-            <a:br>
-              <a:rPr lang="en-US" dirty="0" smtClean="0"/>
-            </a:br>
-            <a:r>
-              <a:rPr lang="en-US" dirty="0" smtClean="0"/>
-              <a:t/>
-            </a:r>
-            <a:br>
-              <a:rPr lang="en-US" dirty="0" smtClean="0"/>
-            </a:br>
-            <a:r>
-              <a:rPr lang="en-US" dirty="0" smtClean="0"/>
+              <a:rPr lang="en-US" sz="4000" dirty="0"/>
               <a:t>Signal Processing Approach (Library and Functions)</a:t>
             </a:r>
-            <a:br>
-              <a:rPr lang="en-US" dirty="0" smtClean="0"/>
-            </a:br>
-            <a:endParaRPr lang="en-US" dirty="0"/>
-          </a:p>
-        </p:txBody>
-      </p:sp>
-      <p:sp>
-        <p:nvSpPr>
-          <p:cNvPr id="4" name="TextBox 3"/>
+          </a:p>
+        </p:txBody>
+      </p:sp>
+      <p:sp>
+        <p:nvSpPr>
+          <p:cNvPr id="5" name="TextBox 4"/>
           <p:cNvSpPr txBox="1"/>
           <p:nvPr/>
         </p:nvSpPr>
         <p:spPr>
           <a:xfrm>
-            <a:off x="1783533" y="2055137"/>
-            <a:ext cx="8130012" cy="2862322"/>
+            <a:off x="369683" y="4327556"/>
+            <a:ext cx="11241943" cy="1200329"/>
           </a:xfrm>
           <a:prstGeom prst="rect">
             <a:avLst/>
@@ -5679,99 +4847,96 @@
           </a:bodyPr>
           <a:lstStyle/>
           <a:p>
-            <a:endParaRPr lang="en-US" dirty="0" smtClean="0"/>
-          </a:p>
-          <a:p>
-            <a:r>
-              <a:rPr lang="en-US" dirty="0" smtClean="0"/>
-              <a:t>In our model, for detecting the first peak of the signal we used </a:t>
-            </a:r>
-            <a:r>
-              <a:rPr lang="en-US" dirty="0" err="1">
-                <a:latin typeface="Courier New" panose="02070309020205020404" pitchFamily="49" charset="0"/>
+            <a:r>
+              <a:rPr lang="en-US" i="1" dirty="0" err="1" smtClean="0">
                 <a:cs typeface="Courier New" panose="02070309020205020404" pitchFamily="49" charset="0"/>
               </a:rPr>
-              <a:t>SciPy</a:t>
-            </a:r>
-            <a:r>
-              <a:rPr lang="en-US" dirty="0"/>
-              <a:t> </a:t>
-            </a:r>
+              <a:t>scipy.signal.find_peaks</a:t>
+            </a:r>
+            <a:endParaRPr lang="en-US" i="1" dirty="0" smtClean="0">
+              <a:cs typeface="Courier New" panose="02070309020205020404" pitchFamily="49" charset="0"/>
+            </a:endParaRPr>
+          </a:p>
+          <a:p>
+            <a:endParaRPr lang="en-US" dirty="0" smtClean="0"/>
+          </a:p>
+          <a:p>
             <a:r>
               <a:rPr lang="en-US" dirty="0" smtClean="0"/>
-              <a:t>library. </a:t>
-            </a:r>
-          </a:p>
-          <a:p>
-            <a:endParaRPr lang="en-US" dirty="0" smtClean="0"/>
-          </a:p>
-          <a:p>
-            <a:endParaRPr lang="en-US" dirty="0"/>
-          </a:p>
-          <a:p>
-            <a:r>
-              <a:rPr lang="en-US" dirty="0" smtClean="0"/>
-              <a:t>The </a:t>
-            </a:r>
-            <a:r>
-              <a:rPr lang="en-US" dirty="0" err="1" smtClean="0">
-                <a:latin typeface="Courier New" panose="02070309020205020404" pitchFamily="49" charset="0"/>
-                <a:cs typeface="Courier New" panose="02070309020205020404" pitchFamily="49" charset="0"/>
-              </a:rPr>
-              <a:t>SciPy</a:t>
-            </a:r>
-            <a:r>
-              <a:rPr lang="en-US" dirty="0" smtClean="0"/>
-              <a:t> library depends on </a:t>
-            </a:r>
-            <a:r>
-              <a:rPr lang="en-US" dirty="0" err="1" smtClean="0">
-                <a:latin typeface="Courier New" panose="02070309020205020404" pitchFamily="49" charset="0"/>
-                <a:cs typeface="Courier New" panose="02070309020205020404" pitchFamily="49" charset="0"/>
-              </a:rPr>
-              <a:t>NumPy</a:t>
-            </a:r>
-            <a:r>
-              <a:rPr lang="en-US" dirty="0" smtClean="0"/>
-              <a:t>, which provides convenient and fast N-dimensional array manipulation. The </a:t>
-            </a:r>
-            <a:r>
-              <a:rPr lang="en-US" dirty="0" err="1" smtClean="0">
-                <a:latin typeface="Courier New" panose="02070309020205020404" pitchFamily="49" charset="0"/>
-                <a:cs typeface="Courier New" panose="02070309020205020404" pitchFamily="49" charset="0"/>
-              </a:rPr>
-              <a:t>SciPy</a:t>
-            </a:r>
-            <a:r>
-              <a:rPr lang="en-US" dirty="0" smtClean="0">
-                <a:latin typeface="Courier New" panose="02070309020205020404" pitchFamily="49" charset="0"/>
-                <a:cs typeface="Courier New" panose="02070309020205020404" pitchFamily="49" charset="0"/>
-              </a:rPr>
-              <a:t> </a:t>
-            </a:r>
-            <a:r>
-              <a:rPr lang="en-US" dirty="0" smtClean="0"/>
-              <a:t>library is built to work with </a:t>
-            </a:r>
-            <a:r>
-              <a:rPr lang="en-US" dirty="0" err="1" smtClean="0">
-                <a:latin typeface="Courier New" panose="02070309020205020404" pitchFamily="49" charset="0"/>
-                <a:cs typeface="Courier New" panose="02070309020205020404" pitchFamily="49" charset="0"/>
-              </a:rPr>
-              <a:t>NumPy</a:t>
-            </a:r>
-            <a:r>
-              <a:rPr lang="en-US" dirty="0" smtClean="0"/>
-              <a:t> arrays, and provides many user-friendly and efficient numerical routines such as routines for numerical integration and optimization.</a:t>
-            </a:r>
-            <a:endParaRPr lang="en-US" dirty="0"/>
-          </a:p>
-        </p:txBody>
-      </p:sp>
+              <a:t>This function takes a 1-D array and finds all local maxima by simple comparison of neighboring values. Optionally, a subset of these peaks can be selected by specifying conditions for a peak’s properties.</a:t>
+            </a:r>
+          </a:p>
+        </p:txBody>
+      </p:sp>
+      <p:pic>
+        <p:nvPicPr>
+          <p:cNvPr id="4" name="Picture 3"/>
+          <p:cNvPicPr>
+            <a:picLocks noChangeAspect="1"/>
+          </p:cNvPicPr>
+          <p:nvPr/>
+        </p:nvPicPr>
+        <p:blipFill>
+          <a:blip r:embed="rId2"/>
+          <a:stretch>
+            <a:fillRect/>
+          </a:stretch>
+        </p:blipFill>
+        <p:spPr>
+          <a:xfrm>
+            <a:off x="3609064" y="1880760"/>
+            <a:ext cx="4763179" cy="2069089"/>
+          </a:xfrm>
+          <a:prstGeom prst="rect">
+            <a:avLst/>
+          </a:prstGeom>
+        </p:spPr>
+      </p:pic>
+      <p:pic>
+        <p:nvPicPr>
+          <p:cNvPr id="1026" name="Picture 2" descr="SciPy – Wikipedia"/>
+          <p:cNvPicPr>
+            <a:picLocks noChangeAspect="1" noChangeArrowheads="1"/>
+          </p:cNvPicPr>
+          <p:nvPr/>
+        </p:nvPicPr>
+        <p:blipFill>
+          <a:blip r:embed="rId3" cstate="print">
+            <a:extLst>
+              <a:ext uri="{28A0092B-C50C-407E-A947-70E740481C1C}">
+                <a14:useLocalDpi xmlns:a14="http://schemas.microsoft.com/office/drawing/2010/main" val="0"/>
+              </a:ext>
+            </a:extLst>
+          </a:blip>
+          <a:srcRect/>
+          <a:stretch>
+            <a:fillRect/>
+          </a:stretch>
+        </p:blipFill>
+        <p:spPr bwMode="auto">
+          <a:xfrm>
+            <a:off x="11012992" y="607269"/>
+            <a:ext cx="966800" cy="895784"/>
+          </a:xfrm>
+          <a:prstGeom prst="rect">
+            <a:avLst/>
+          </a:prstGeom>
+          <a:noFill/>
+          <a:extLst>
+            <a:ext uri="{909E8E84-426E-40DD-AFC4-6F175D3DCCD1}">
+              <a14:hiddenFill xmlns:a14="http://schemas.microsoft.com/office/drawing/2010/main">
+                <a:solidFill>
+                  <a:srgbClr val="FFFFFF"/>
+                </a:solidFill>
+              </a14:hiddenFill>
+            </a:ext>
+          </a:extLst>
+        </p:spPr>
+      </p:pic>
     </p:spTree>
     <p:extLst>
       <p:ext uri="{BB962C8B-B14F-4D97-AF65-F5344CB8AC3E}">
-        <p14:creationId xmlns:p14="http://schemas.microsoft.com/office/powerpoint/2010/main" val="2788218325"/>
+        <p14:creationId xmlns:p14="http://schemas.microsoft.com/office/powerpoint/2010/main" val="39668805"/>
       </p:ext>
     </p:extLst>
   </p:cSld>
@@ -5810,32 +4975,104 @@
         </p:nvSpPr>
         <p:spPr>
           <a:xfrm>
-            <a:off x="369683" y="392380"/>
-            <a:ext cx="10757026" cy="1325562"/>
+            <a:off x="522836" y="445257"/>
+            <a:ext cx="9692640" cy="1325562"/>
           </a:xfrm>
         </p:spPr>
         <p:txBody>
-          <a:bodyPr/>
-          <a:lstStyle/>
-          <a:p>
-            <a:r>
-              <a:rPr lang="en-US" dirty="0"/>
+          <a:bodyPr>
+            <a:normAutofit fontScale="90000"/>
+          </a:bodyPr>
+          <a:lstStyle/>
+          <a:p>
+            <a:r>
+              <a:rPr lang="en-US" dirty="0" smtClean="0"/>
+              <a:t/>
+            </a:r>
+            <a:br>
+              <a:rPr lang="en-US" dirty="0" smtClean="0"/>
+            </a:br>
+            <a:r>
+              <a:rPr lang="en-US" dirty="0" smtClean="0"/>
+              <a:t/>
+            </a:r>
+            <a:br>
+              <a:rPr lang="en-US" dirty="0" smtClean="0"/>
+            </a:br>
+            <a:r>
+              <a:rPr lang="en-US" dirty="0" smtClean="0"/>
+              <a:t/>
+            </a:r>
+            <a:br>
+              <a:rPr lang="en-US" dirty="0" smtClean="0"/>
+            </a:br>
+            <a:r>
+              <a:rPr lang="en-US" dirty="0" smtClean="0"/>
+              <a:t/>
+            </a:r>
+            <a:br>
+              <a:rPr lang="en-US" dirty="0" smtClean="0"/>
+            </a:br>
+            <a:r>
+              <a:rPr lang="en-US" dirty="0" smtClean="0"/>
+              <a:t/>
+            </a:r>
+            <a:br>
+              <a:rPr lang="en-US" dirty="0" smtClean="0"/>
+            </a:br>
+            <a:r>
+              <a:rPr lang="en-US" dirty="0" smtClean="0"/>
               <a:t>Signal Processing Approach (Library and Functions)</a:t>
             </a:r>
+            <a:r>
+              <a:rPr lang="en-US" dirty="0" smtClean="0"/>
+              <a:t/>
+            </a:r>
+            <a:br>
+              <a:rPr lang="en-US" dirty="0" smtClean="0"/>
+            </a:br>
+            <a:r>
+              <a:rPr lang="en-US" dirty="0" smtClean="0"/>
+              <a:t/>
+            </a:r>
+            <a:br>
+              <a:rPr lang="en-US" dirty="0" smtClean="0"/>
+            </a:br>
+            <a:r>
+              <a:rPr lang="en-US" dirty="0" smtClean="0"/>
+              <a:t/>
+            </a:r>
+            <a:br>
+              <a:rPr lang="en-US" dirty="0" smtClean="0"/>
+            </a:br>
+            <a:r>
+              <a:rPr lang="en-US" dirty="0" smtClean="0"/>
+              <a:t/>
+            </a:r>
+            <a:br>
+              <a:rPr lang="en-US" dirty="0" smtClean="0"/>
+            </a:br>
+            <a:r>
+              <a:rPr lang="en-US" dirty="0" smtClean="0"/>
+              <a:t/>
+            </a:r>
+            <a:br>
+              <a:rPr lang="en-US" dirty="0" smtClean="0"/>
+            </a:br>
             <a:endParaRPr lang="en-US" dirty="0"/>
           </a:p>
         </p:txBody>
       </p:sp>
       <p:sp>
         <p:nvSpPr>
-          <p:cNvPr id="5" name="TextBox 4"/>
+          <p:cNvPr id="4" name="TextBox 3"/>
           <p:cNvSpPr txBox="1"/>
           <p:nvPr/>
         </p:nvSpPr>
         <p:spPr>
           <a:xfrm>
-            <a:off x="1385180" y="4327556"/>
-            <a:ext cx="8836182" cy="1477328"/>
+            <a:off x="861039" y="1908605"/>
+            <a:ext cx="10374807" cy="3693319"/>
           </a:xfrm>
           <a:prstGeom prst="rect">
             <a:avLst/>
@@ -5848,63 +5085,183 @@
           </a:bodyPr>
           <a:lstStyle/>
           <a:p>
-            <a:r>
-              <a:rPr lang="en-US" i="1" dirty="0" err="1" smtClean="0">
+            <a:endParaRPr lang="en-US" dirty="0" smtClean="0"/>
+          </a:p>
+          <a:p>
+            <a:r>
+              <a:rPr lang="en-US" dirty="0" smtClean="0"/>
+              <a:t>In our model, for detecting the first peak of the signal we used </a:t>
+            </a:r>
+            <a:r>
+              <a:rPr lang="en-US" dirty="0" err="1">
                 <a:latin typeface="Courier New" panose="02070309020205020404" pitchFamily="49" charset="0"/>
                 <a:cs typeface="Courier New" panose="02070309020205020404" pitchFamily="49" charset="0"/>
               </a:rPr>
-              <a:t>scipy.signal.find_peaks</a:t>
-            </a:r>
-            <a:endParaRPr lang="en-US" i="1" dirty="0" smtClean="0">
-              <a:latin typeface="Courier New" panose="02070309020205020404" pitchFamily="49" charset="0"/>
-              <a:cs typeface="Courier New" panose="02070309020205020404" pitchFamily="49" charset="0"/>
-            </a:endParaRPr>
-          </a:p>
-          <a:p>
+              <a:t>SciPy</a:t>
+            </a:r>
+            <a:r>
+              <a:rPr lang="en-US" dirty="0"/>
+              <a:t> </a:t>
+            </a:r>
+            <a:r>
+              <a:rPr lang="en-US" dirty="0" smtClean="0"/>
+              <a:t>library. </a:t>
+            </a:r>
             <a:endParaRPr lang="en-US" dirty="0" smtClean="0"/>
           </a:p>
           <a:p>
-            <a:r>
-              <a:rPr lang="en-US" dirty="0" smtClean="0"/>
-              <a:t>This function takes a 1-D array and finds all local maxima by simple comparison of neighboring values. Optionally, a subset of these peaks can be selected by specifying conditions for a peak’s properties.</a:t>
-            </a:r>
-          </a:p>
-        </p:txBody>
-      </p:sp>
-      <p:pic>
-        <p:nvPicPr>
-          <p:cNvPr id="6" name="Picture 5"/>
-          <p:cNvPicPr>
-            <a:picLocks noChangeAspect="1"/>
-          </p:cNvPicPr>
-          <p:nvPr/>
-        </p:nvPicPr>
-        <p:blipFill>
-          <a:blip r:embed="rId2"/>
-          <a:stretch>
-            <a:fillRect/>
-          </a:stretch>
-        </p:blipFill>
-        <p:spPr>
-          <a:xfrm>
-            <a:off x="2834395" y="2009963"/>
-            <a:ext cx="5581650" cy="1733550"/>
-          </a:xfrm>
-          <a:prstGeom prst="rect">
-            <a:avLst/>
-          </a:prstGeom>
-        </p:spPr>
-      </p:pic>
+            <a:endParaRPr lang="en-US" dirty="0" smtClean="0"/>
+          </a:p>
+          <a:p>
+            <a:pPr marL="285750" indent="-285750">
+              <a:buFont typeface="Arial" panose="020B0604020202020204" pitchFamily="34" charset="0"/>
+              <a:buChar char="•"/>
+            </a:pPr>
+            <a:r>
+              <a:rPr lang="en-US" b="1" dirty="0" err="1"/>
+              <a:t>SciPy</a:t>
+            </a:r>
+            <a:r>
+              <a:rPr lang="en-US" dirty="0"/>
+              <a:t>: Vital for scientific &amp; numerical computing.</a:t>
+            </a:r>
+            <a:endParaRPr lang="en-US" dirty="0" smtClean="0"/>
+          </a:p>
+          <a:p>
+            <a:endParaRPr lang="en-US" dirty="0" smtClean="0"/>
+          </a:p>
+          <a:p>
+            <a:pPr marL="285750" indent="-285750">
+              <a:buFont typeface="Arial" panose="020B0604020202020204" pitchFamily="34" charset="0"/>
+              <a:buChar char="•"/>
+            </a:pPr>
+            <a:r>
+              <a:rPr lang="en-US" b="1" dirty="0" smtClean="0"/>
+              <a:t>Significance</a:t>
+            </a:r>
+            <a:r>
+              <a:rPr lang="en-US" dirty="0"/>
+              <a:t>:</a:t>
+            </a:r>
+          </a:p>
+          <a:p>
+            <a:pPr marL="742950" lvl="1" indent="-285750">
+              <a:buFont typeface="Arial" panose="020B0604020202020204" pitchFamily="34" charset="0"/>
+              <a:buChar char="•"/>
+            </a:pPr>
+            <a:r>
+              <a:rPr lang="en-US" dirty="0"/>
+              <a:t>Rich functionality in signal processing, optimization, stats.</a:t>
+            </a:r>
+          </a:p>
+          <a:p>
+            <a:pPr marL="742950" lvl="1" indent="-285750">
+              <a:buFont typeface="Arial" panose="020B0604020202020204" pitchFamily="34" charset="0"/>
+              <a:buChar char="•"/>
+            </a:pPr>
+            <a:r>
+              <a:rPr lang="en-US" dirty="0"/>
+              <a:t>Efficient &amp; optimized for high-performance computing.</a:t>
+            </a:r>
+          </a:p>
+          <a:p>
+            <a:pPr marL="742950" lvl="1" indent="-285750">
+              <a:buFont typeface="Arial" panose="020B0604020202020204" pitchFamily="34" charset="0"/>
+              <a:buChar char="•"/>
+            </a:pPr>
+            <a:r>
+              <a:rPr lang="en-US" dirty="0"/>
+              <a:t>Seamless integration with </a:t>
+            </a:r>
+            <a:r>
+              <a:rPr lang="en-US" dirty="0" err="1"/>
+              <a:t>NumPy</a:t>
+            </a:r>
+            <a:r>
+              <a:rPr lang="en-US" dirty="0"/>
+              <a:t>.</a:t>
+            </a:r>
+          </a:p>
+          <a:p>
+            <a:pPr marL="285750" indent="-285750">
+              <a:buFont typeface="Arial" panose="020B0604020202020204" pitchFamily="34" charset="0"/>
+              <a:buChar char="•"/>
+            </a:pPr>
+            <a:r>
+              <a:rPr lang="en-US" b="1" dirty="0" err="1"/>
+              <a:t>NumPy</a:t>
+            </a:r>
+            <a:r>
+              <a:rPr lang="en-US" b="1" dirty="0"/>
+              <a:t> Dependency</a:t>
+            </a:r>
+            <a:r>
+              <a:rPr lang="en-US" dirty="0"/>
+              <a:t>:</a:t>
+            </a:r>
+          </a:p>
+          <a:p>
+            <a:pPr marL="742950" lvl="1" indent="-285750">
+              <a:buFont typeface="Arial" panose="020B0604020202020204" pitchFamily="34" charset="0"/>
+              <a:buChar char="•"/>
+            </a:pPr>
+            <a:r>
+              <a:rPr lang="en-US" dirty="0"/>
+              <a:t>Built on </a:t>
+            </a:r>
+            <a:r>
+              <a:rPr lang="en-US" dirty="0" err="1"/>
+              <a:t>NumPy</a:t>
+            </a:r>
+            <a:r>
+              <a:rPr lang="en-US" dirty="0"/>
+              <a:t> for fast array manipulation.</a:t>
+            </a:r>
+          </a:p>
+          <a:p>
+            <a:pPr marL="742950" lvl="1" indent="-285750">
+              <a:buFont typeface="Arial" panose="020B0604020202020204" pitchFamily="34" charset="0"/>
+              <a:buChar char="•"/>
+            </a:pPr>
+            <a:r>
+              <a:rPr lang="en-US" dirty="0" err="1"/>
+              <a:t>SciPy</a:t>
+            </a:r>
+            <a:r>
+              <a:rPr lang="en-US" dirty="0"/>
+              <a:t> functions operate on </a:t>
+            </a:r>
+            <a:r>
+              <a:rPr lang="en-US" dirty="0" err="1"/>
+              <a:t>NumPy</a:t>
+            </a:r>
+            <a:r>
+              <a:rPr lang="en-US" dirty="0"/>
+              <a:t> arrays.</a:t>
+            </a:r>
+          </a:p>
+          <a:p>
+            <a:endParaRPr lang="en-US" dirty="0" smtClean="0"/>
+          </a:p>
+        </p:txBody>
+      </p:sp>
     </p:spTree>
     <p:extLst>
       <p:ext uri="{BB962C8B-B14F-4D97-AF65-F5344CB8AC3E}">
-        <p14:creationId xmlns:p14="http://schemas.microsoft.com/office/powerpoint/2010/main" val="39668805"/>
+        <p14:creationId xmlns:p14="http://schemas.microsoft.com/office/powerpoint/2010/main" val="2788218325"/>
       </p:ext>
     </p:extLst>
   </p:cSld>
   <p:clrMapOvr>
     <a:masterClrMapping/>
   </p:clrMapOvr>
+  <p:timing>
+    <p:tnLst>
+      <p:par>
+        <p:cTn id="1" dur="indefinite" restart="never" nodeType="tmRoot"/>
+      </p:par>
+    </p:tnLst>
+  </p:timing>
 </p:sld>
 </file>
 
@@ -5942,14 +5299,15 @@
           </a:xfrm>
         </p:spPr>
         <p:txBody>
-          <a:bodyPr/>
-          <a:lstStyle/>
-          <a:p>
-            <a:r>
-              <a:rPr lang="en-US" dirty="0"/>
+          <a:bodyPr>
+            <a:normAutofit/>
+          </a:bodyPr>
+          <a:lstStyle/>
+          <a:p>
+            <a:r>
+              <a:rPr lang="en-US" sz="4000" dirty="0"/>
               <a:t>Signal Processing Approach (Library and Functions)</a:t>
             </a:r>
-            <a:endParaRPr lang="en-US" dirty="0"/>
           </a:p>
         </p:txBody>
       </p:sp>
@@ -5961,8 +5319,8 @@
         </p:nvSpPr>
         <p:spPr>
           <a:xfrm>
-            <a:off x="1566249" y="2643612"/>
-            <a:ext cx="8130012" cy="2308324"/>
+            <a:off x="1002649" y="2158704"/>
+            <a:ext cx="8100179" cy="5355312"/>
           </a:xfrm>
           <a:prstGeom prst="rect">
             <a:avLst/>
@@ -5995,33 +5353,112 @@
             </a:endParaRPr>
           </a:p>
           <a:p>
+            <a:endParaRPr lang="en-US" dirty="0" smtClean="0"/>
+          </a:p>
+          <a:p>
+            <a:pPr marL="285750" indent="-285750">
+              <a:buFont typeface="Arial" panose="020B0604020202020204" pitchFamily="34" charset="0"/>
+              <a:buChar char="•"/>
+            </a:pPr>
+            <a:r>
+              <a:rPr lang="en-US" dirty="0"/>
+              <a:t>Handling Data: Pandas is a versatile Python library used for data manipulation and analysis</a:t>
+            </a:r>
+            <a:r>
+              <a:rPr lang="en-US" dirty="0" smtClean="0"/>
+              <a:t>.</a:t>
+            </a:r>
+            <a:br>
+              <a:rPr lang="en-US" dirty="0" smtClean="0"/>
+            </a:br>
             <a:endParaRPr lang="en-US" dirty="0"/>
           </a:p>
           <a:p>
-            <a:r>
-              <a:rPr lang="en-US" dirty="0" smtClean="0"/>
-              <a:t>pandas is a Python package providing fast, flexible, and expressive data structures designed to make working with “relational” or “labeled” data both easy and intuitive.</a:t>
-            </a:r>
+            <a:pPr marL="285750" indent="-285750">
+              <a:buFont typeface="Arial" panose="020B0604020202020204" pitchFamily="34" charset="0"/>
+              <a:buChar char="•"/>
+            </a:pPr>
+            <a:r>
+              <a:rPr lang="en-US" dirty="0"/>
+              <a:t>Data Conversion: Pandas plays a pivotal role in converting data values to the float64 data type, ensuring data consistency and compatibility for numerical operations.</a:t>
+            </a:r>
+          </a:p>
+          <a:p>
+            <a:endParaRPr lang="en-US" dirty="0" smtClean="0"/>
           </a:p>
           <a:p>
             <a:endParaRPr lang="en-US" dirty="0"/>
           </a:p>
           <a:p>
-            <a:r>
-              <a:rPr lang="en-US" dirty="0" smtClean="0"/>
-              <a:t>In our given test file, there is some string values. We use </a:t>
-            </a:r>
-            <a:r>
-              <a:rPr lang="en-US" i="1" dirty="0" smtClean="0"/>
-              <a:t>pandas</a:t>
-            </a:r>
-            <a:r>
-              <a:rPr lang="en-US" dirty="0" smtClean="0"/>
-              <a:t>  to convert all the values to float64</a:t>
-            </a:r>
-          </a:p>
-        </p:txBody>
-      </p:sp>
+            <a:endParaRPr lang="en-US" dirty="0" smtClean="0"/>
+          </a:p>
+          <a:p>
+            <a:endParaRPr lang="en-US" dirty="0"/>
+          </a:p>
+          <a:p>
+            <a:endParaRPr lang="en-US" dirty="0" smtClean="0"/>
+          </a:p>
+          <a:p>
+            <a:endParaRPr lang="en-US" dirty="0"/>
+          </a:p>
+          <a:p>
+            <a:endParaRPr lang="en-US" dirty="0" smtClean="0"/>
+          </a:p>
+          <a:p>
+            <a:endParaRPr lang="en-US" dirty="0"/>
+          </a:p>
+          <a:p>
+            <a:endParaRPr lang="en-US" dirty="0" smtClean="0"/>
+          </a:p>
+          <a:p>
+            <a:endParaRPr lang="en-US" dirty="0"/>
+          </a:p>
+          <a:p>
+            <a:endParaRPr lang="en-US" dirty="0"/>
+          </a:p>
+        </p:txBody>
+      </p:sp>
+      <p:pic>
+        <p:nvPicPr>
+          <p:cNvPr id="2054" name="Picture 6" descr="File:Pandas logo.svg - Wikipedia"/>
+          <p:cNvPicPr>
+            <a:picLocks noChangeAspect="1" noChangeArrowheads="1"/>
+          </p:cNvPicPr>
+          <p:nvPr/>
+        </p:nvPicPr>
+        <p:blipFill>
+          <a:blip r:embed="rId2" cstate="print">
+            <a:extLst>
+              <a:ext uri="{28A0092B-C50C-407E-A947-70E740481C1C}">
+                <a14:useLocalDpi xmlns:a14="http://schemas.microsoft.com/office/drawing/2010/main" val="0"/>
+              </a:ext>
+            </a:extLst>
+          </a:blip>
+          <a:srcRect/>
+          <a:stretch>
+            <a:fillRect/>
+          </a:stretch>
+        </p:blipFill>
+        <p:spPr bwMode="auto">
+          <a:xfrm>
+            <a:off x="9475301" y="1280776"/>
+            <a:ext cx="2493819" cy="1288474"/>
+          </a:xfrm>
+          <a:prstGeom prst="rect">
+            <a:avLst/>
+          </a:prstGeom>
+          <a:noFill/>
+          <a:extLst>
+            <a:ext uri="{909E8E84-426E-40DD-AFC4-6F175D3DCCD1}">
+              <a14:hiddenFill xmlns:a14="http://schemas.microsoft.com/office/drawing/2010/main">
+                <a:solidFill>
+                  <a:srgbClr val="FFFFFF"/>
+                </a:solidFill>
+              </a14:hiddenFill>
+            </a:ext>
+          </a:extLst>
+        </p:spPr>
+      </p:pic>
     </p:spTree>
     <p:extLst>
       <p:ext uri="{BB962C8B-B14F-4D97-AF65-F5344CB8AC3E}">
@@ -6032,6 +5469,13 @@
   <p:clrMapOvr>
     <a:masterClrMapping/>
   </p:clrMapOvr>
+  <p:timing>
+    <p:tnLst>
+      <p:par>
+        <p:cTn id="1" dur="indefinite" restart="never" nodeType="tmRoot"/>
+      </p:par>
+    </p:tnLst>
+  </p:timing>
 </p:sld>
 </file>
 
@@ -6069,14 +5513,15 @@
           </a:xfrm>
         </p:spPr>
         <p:txBody>
-          <a:bodyPr/>
-          <a:lstStyle/>
-          <a:p>
-            <a:r>
-              <a:rPr lang="en-US" dirty="0"/>
+          <a:bodyPr>
+            <a:normAutofit/>
+          </a:bodyPr>
+          <a:lstStyle/>
+          <a:p>
+            <a:r>
+              <a:rPr lang="en-US" sz="4000" dirty="0"/>
               <a:t>Signal Processing Approach (Library and Functions)</a:t>
             </a:r>
-            <a:endParaRPr lang="en-US" dirty="0"/>
           </a:p>
         </p:txBody>
       </p:sp>
@@ -6088,8 +5533,8 @@
         </p:nvSpPr>
         <p:spPr>
           <a:xfrm>
-            <a:off x="1448554" y="2353902"/>
-            <a:ext cx="8130012" cy="3416320"/>
+            <a:off x="398352" y="2450884"/>
+            <a:ext cx="11793647" cy="2862322"/>
           </a:xfrm>
           <a:prstGeom prst="rect">
             <a:avLst/>
@@ -6104,27 +5549,23 @@
           <a:p>
             <a:r>
               <a:rPr lang="en-US" i="1" dirty="0" err="1">
-                <a:latin typeface="Courier New" panose="02070309020205020404" pitchFamily="49" charset="0"/>
                 <a:cs typeface="Courier New" panose="02070309020205020404" pitchFamily="49" charset="0"/>
               </a:rPr>
               <a:t>tkinter</a:t>
             </a:r>
             <a:r>
               <a:rPr lang="en-US" i="1" dirty="0">
-                <a:latin typeface="Courier New" panose="02070309020205020404" pitchFamily="49" charset="0"/>
                 <a:cs typeface="Courier New" panose="02070309020205020404" pitchFamily="49" charset="0"/>
               </a:rPr>
               <a:t> as </a:t>
             </a:r>
             <a:r>
               <a:rPr lang="en-US" i="1" dirty="0" err="1">
-                <a:latin typeface="Courier New" panose="02070309020205020404" pitchFamily="49" charset="0"/>
                 <a:cs typeface="Courier New" panose="02070309020205020404" pitchFamily="49" charset="0"/>
               </a:rPr>
               <a:t>tk</a:t>
             </a:r>
             <a:endParaRPr lang="en-US" i="1" dirty="0" smtClean="0">
-              <a:latin typeface="Courier New" panose="02070309020205020404" pitchFamily="49" charset="0"/>
               <a:cs typeface="Courier New" panose="02070309020205020404" pitchFamily="49" charset="0"/>
             </a:endParaRPr>
           </a:p>
@@ -6138,7 +5579,6 @@
             </a:r>
             <a:r>
               <a:rPr lang="en-US" dirty="0" err="1" smtClean="0">
-                <a:latin typeface="Courier New" panose="02070309020205020404" pitchFamily="49" charset="0"/>
                 <a:cs typeface="Courier New" panose="02070309020205020404" pitchFamily="49" charset="0"/>
               </a:rPr>
               <a:t>tkinter</a:t>
@@ -6178,27 +5618,23 @@
           <a:p>
             <a:r>
               <a:rPr lang="en-US" i="1" dirty="0" err="1">
-                <a:latin typeface="Courier New" panose="02070309020205020404" pitchFamily="49" charset="0"/>
                 <a:cs typeface="Courier New" panose="02070309020205020404" pitchFamily="49" charset="0"/>
               </a:rPr>
               <a:t>tkinter</a:t>
             </a:r>
             <a:r>
               <a:rPr lang="en-US" i="1" dirty="0">
-                <a:latin typeface="Courier New" panose="02070309020205020404" pitchFamily="49" charset="0"/>
                 <a:cs typeface="Courier New" panose="02070309020205020404" pitchFamily="49" charset="0"/>
               </a:rPr>
               <a:t> import </a:t>
             </a:r>
             <a:r>
               <a:rPr lang="en-US" i="1" dirty="0" err="1">
-                <a:latin typeface="Courier New" panose="02070309020205020404" pitchFamily="49" charset="0"/>
                 <a:cs typeface="Courier New" panose="02070309020205020404" pitchFamily="49" charset="0"/>
               </a:rPr>
               <a:t>filedialog</a:t>
             </a:r>
             <a:endParaRPr lang="en-US" i="1" dirty="0" smtClean="0">
-              <a:latin typeface="Courier New" panose="02070309020205020404" pitchFamily="49" charset="0"/>
               <a:cs typeface="Courier New" panose="02070309020205020404" pitchFamily="49" charset="0"/>
             </a:endParaRPr>
           </a:p>
@@ -6237,6 +5673,13 @@
   <p:clrMapOvr>
     <a:masterClrMapping/>
   </p:clrMapOvr>
+  <p:timing>
+    <p:tnLst>
+      <p:par>
+        <p:cTn id="1" dur="indefinite" restart="never" nodeType="tmRoot"/>
+      </p:par>
+    </p:tnLst>
+  </p:timing>
 </p:sld>
 </file>
 
@@ -6269,24 +5712,22 @@
         </p:nvSpPr>
         <p:spPr/>
         <p:txBody>
-          <a:bodyPr/>
-          <a:lstStyle/>
-          <a:p>
-            <a:r>
-              <a:rPr lang="en-US" dirty="0" smtClean="0"/>
-              <a:t>First Peak Detection </a:t>
-            </a:r>
-            <a:r>
-              <a:rPr lang="en-US" dirty="0" smtClean="0"/>
-              <a:t>in Signal Processing Approach</a:t>
-            </a:r>
-            <a:endParaRPr lang="en-US" dirty="0"/>
+          <a:bodyPr>
+            <a:normAutofit/>
+          </a:bodyPr>
+          <a:lstStyle/>
+          <a:p>
+            <a:r>
+              <a:rPr lang="en-US" sz="4000" dirty="0" smtClean="0"/>
+              <a:t>First Peak Detection in Signal Processing Approach</a:t>
+            </a:r>
+            <a:endParaRPr lang="en-US" sz="4000" dirty="0"/>
           </a:p>
         </p:txBody>
       </p:sp>
       <p:pic>
         <p:nvPicPr>
-          <p:cNvPr id="4" name="Picture 3"/>
+          <p:cNvPr id="3" name="Picture 2"/>
           <p:cNvPicPr>
             <a:picLocks noChangeAspect="1"/>
           </p:cNvPicPr>
@@ -6300,8 +5741,8 @@
         </p:blipFill>
         <p:spPr>
           <a:xfrm>
-            <a:off x="1070054" y="1691322"/>
-            <a:ext cx="9124149" cy="4793150"/>
+            <a:off x="2106929" y="1782762"/>
+            <a:ext cx="7415893" cy="4810754"/>
           </a:xfrm>
           <a:prstGeom prst="rect">
             <a:avLst/>
@@ -6318,6 +5759,13 @@
   <p:clrMapOvr>
     <a:masterClrMapping/>
   </p:clrMapOvr>
+  <p:timing>
+    <p:tnLst>
+      <p:par>
+        <p:cTn id="1" dur="indefinite" restart="never" nodeType="tmRoot"/>
+      </p:par>
+    </p:tnLst>
+  </p:timing>
 </p:sld>
 </file>
 
@@ -6355,24 +5803,104 @@
           </a:xfrm>
         </p:spPr>
         <p:txBody>
-          <a:bodyPr/>
-          <a:lstStyle/>
-          <a:p>
-            <a:r>
-              <a:rPr lang="en-US" dirty="0" smtClean="0"/>
+          <a:bodyPr>
+            <a:normAutofit/>
+          </a:bodyPr>
+          <a:lstStyle/>
+          <a:p>
+            <a:r>
+              <a:rPr lang="en-US" sz="4000" dirty="0" smtClean="0"/>
               <a:t>Machine Learning Approach </a:t>
             </a:r>
             <a:r>
+              <a:rPr lang="en-US" sz="4000" dirty="0"/>
+              <a:t>(Library and Functions)</a:t>
+            </a:r>
+          </a:p>
+        </p:txBody>
+      </p:sp>
+      <p:sp>
+        <p:nvSpPr>
+          <p:cNvPr id="4" name="TextBox 3"/>
+          <p:cNvSpPr txBox="1"/>
+          <p:nvPr/>
+        </p:nvSpPr>
+        <p:spPr>
+          <a:xfrm>
+            <a:off x="943728" y="4171990"/>
+            <a:ext cx="9008197" cy="1754326"/>
+          </a:xfrm>
+          <a:prstGeom prst="rect">
+            <a:avLst/>
+          </a:prstGeom>
+          <a:noFill/>
+        </p:spPr>
+        <p:txBody>
+          <a:bodyPr wrap="square" rtlCol="0">
+            <a:spAutoFit/>
+          </a:bodyPr>
+          <a:lstStyle/>
+          <a:p>
+            <a:pPr marL="285750" indent="-285750">
+              <a:buFont typeface="Arial" panose="020B0604020202020204" pitchFamily="34" charset="0"/>
+              <a:buChar char="•"/>
+            </a:pPr>
+            <a:r>
+              <a:rPr lang="en-US" b="1" dirty="0"/>
+              <a:t>Application of Machine Learning</a:t>
+            </a:r>
+            <a:r>
               <a:rPr lang="en-US" dirty="0"/>
-              <a:t>(Library and Functions)</a:t>
-            </a:r>
-            <a:endParaRPr lang="en-US" dirty="0"/>
+              <a:t>: Machine Learning plays a significant role in peak detection, offering robust and automated methods for identifying peaks in data.</a:t>
+            </a:r>
+          </a:p>
+          <a:p>
+            <a:pPr marL="285750" indent="-285750">
+              <a:buFont typeface="Arial" panose="020B0604020202020204" pitchFamily="34" charset="0"/>
+              <a:buChar char="•"/>
+            </a:pPr>
+            <a:r>
+              <a:rPr lang="en-US" b="1" dirty="0" err="1"/>
+              <a:t>Scikit</a:t>
+            </a:r>
+            <a:r>
+              <a:rPr lang="en-US" b="1" dirty="0"/>
+              <a:t>-learn Modules</a:t>
+            </a:r>
+            <a:r>
+              <a:rPr lang="en-US" dirty="0"/>
+              <a:t>: </a:t>
+            </a:r>
+            <a:r>
+              <a:rPr lang="en-US" dirty="0" err="1"/>
+              <a:t>Scikit</a:t>
+            </a:r>
+            <a:r>
+              <a:rPr lang="en-US" dirty="0"/>
+              <a:t>-learn (</a:t>
+            </a:r>
+            <a:r>
+              <a:rPr lang="en-US" dirty="0" err="1"/>
+              <a:t>Sklearn</a:t>
+            </a:r>
+            <a:r>
+              <a:rPr lang="en-US" dirty="0"/>
+              <a:t>) is a powerful library for Machine Learning in Python. We leverage </a:t>
+            </a:r>
+            <a:r>
+              <a:rPr lang="en-US" dirty="0" err="1"/>
+              <a:t>Sklearn's</a:t>
+            </a:r>
+            <a:r>
+              <a:rPr lang="en-US" dirty="0"/>
+              <a:t> modules for peak detection and predictive modeling.</a:t>
+            </a:r>
           </a:p>
         </p:txBody>
       </p:sp>
       <p:pic>
         <p:nvPicPr>
-          <p:cNvPr id="3" name="Picture 2"/>
+          <p:cNvPr id="5" name="Picture 4"/>
           <p:cNvPicPr>
             <a:picLocks noChangeAspect="1"/>
           </p:cNvPicPr>
@@ -6386,115 +5914,14 @@
         </p:blipFill>
         <p:spPr>
           <a:xfrm>
-            <a:off x="1825028" y="2019300"/>
-            <a:ext cx="6858000" cy="990600"/>
+            <a:off x="2975968" y="1839046"/>
+            <a:ext cx="5636499" cy="2185219"/>
           </a:xfrm>
           <a:prstGeom prst="rect">
             <a:avLst/>
           </a:prstGeom>
         </p:spPr>
       </p:pic>
-      <p:sp>
-        <p:nvSpPr>
-          <p:cNvPr id="4" name="TextBox 3"/>
-          <p:cNvSpPr txBox="1"/>
-          <p:nvPr/>
-        </p:nvSpPr>
-        <p:spPr>
-          <a:xfrm>
-            <a:off x="1149790" y="3476531"/>
-            <a:ext cx="9008197" cy="2585323"/>
-          </a:xfrm>
-          <a:prstGeom prst="rect">
-            <a:avLst/>
-          </a:prstGeom>
-          <a:noFill/>
-        </p:spPr>
-        <p:txBody>
-          <a:bodyPr wrap="square" rtlCol="0">
-            <a:spAutoFit/>
-          </a:bodyPr>
-          <a:lstStyle/>
-          <a:p>
-            <a:r>
-              <a:rPr lang="en-US" dirty="0" smtClean="0"/>
-              <a:t>As our second approach we used </a:t>
-            </a:r>
-            <a:r>
-              <a:rPr lang="en-US" dirty="0" err="1" smtClean="0">
-                <a:latin typeface="Courier New" panose="02070309020205020404" pitchFamily="49" charset="0"/>
-                <a:cs typeface="Courier New" panose="02070309020205020404" pitchFamily="49" charset="0"/>
-              </a:rPr>
-              <a:t>Scikit</a:t>
-            </a:r>
-            <a:r>
-              <a:rPr lang="en-US" dirty="0" smtClean="0">
-                <a:latin typeface="Courier New" panose="02070309020205020404" pitchFamily="49" charset="0"/>
-                <a:cs typeface="Courier New" panose="02070309020205020404" pitchFamily="49" charset="0"/>
-              </a:rPr>
-              <a:t>-learn</a:t>
-            </a:r>
-            <a:r>
-              <a:rPr lang="en-US" dirty="0" smtClean="0"/>
-              <a:t> library.</a:t>
-            </a:r>
-          </a:p>
-          <a:p>
-            <a:endParaRPr lang="en-US" dirty="0" smtClean="0"/>
-          </a:p>
-          <a:p>
-            <a:r>
-              <a:rPr lang="en-US" dirty="0" err="1" smtClean="0"/>
-              <a:t>Scikit</a:t>
-            </a:r>
-            <a:r>
-              <a:rPr lang="en-US" dirty="0" smtClean="0"/>
-              <a:t>-learn is an open source data analysis library, and the gold standard for Machine Learning (ML) in the Python ecosystem</a:t>
-            </a:r>
-          </a:p>
-          <a:p>
-            <a:endParaRPr lang="en-US" dirty="0"/>
-          </a:p>
-          <a:p>
-            <a:r>
-              <a:rPr lang="en-US" dirty="0" smtClean="0"/>
-              <a:t>The </a:t>
-            </a:r>
-            <a:r>
-              <a:rPr lang="en-US" dirty="0" err="1" smtClean="0">
-                <a:latin typeface="Courier New" panose="02070309020205020404" pitchFamily="49" charset="0"/>
-                <a:cs typeface="Courier New" panose="02070309020205020404" pitchFamily="49" charset="0"/>
-              </a:rPr>
-              <a:t>sklearn.svm</a:t>
-            </a:r>
-            <a:r>
-              <a:rPr lang="en-US" dirty="0" smtClean="0"/>
-              <a:t> module includes Support Vector Machine algorithms.</a:t>
-            </a:r>
-          </a:p>
-          <a:p>
-            <a:endParaRPr lang="en-US" dirty="0"/>
-          </a:p>
-          <a:p>
-            <a:r>
-              <a:rPr lang="en-US" dirty="0" smtClean="0"/>
-              <a:t>The </a:t>
-            </a:r>
-            <a:r>
-              <a:rPr lang="en-US" dirty="0" err="1" smtClean="0">
-                <a:latin typeface="Courier New" panose="02070309020205020404" pitchFamily="49" charset="0"/>
-                <a:cs typeface="Courier New" panose="02070309020205020404" pitchFamily="49" charset="0"/>
-              </a:rPr>
-              <a:t>sklearn.metrics</a:t>
-            </a:r>
-            <a:r>
-              <a:rPr lang="en-US" dirty="0" smtClean="0"/>
-              <a:t> module includes score functions, performance metrics and pairwise metrics and distance computations.</a:t>
-            </a:r>
-            <a:endParaRPr lang="en-US" dirty="0"/>
-          </a:p>
-        </p:txBody>
-      </p:sp>
     </p:spTree>
     <p:extLst>
       <p:ext uri="{BB962C8B-B14F-4D97-AF65-F5344CB8AC3E}">
@@ -6505,62 +5932,104 @@
   <p:clrMapOvr>
     <a:masterClrMapping/>
   </p:clrMapOvr>
+  <p:timing>
+    <p:tnLst>
+      <p:par>
+        <p:cTn id="1" dur="indefinite" restart="never" nodeType="tmRoot"/>
+      </p:par>
+    </p:tnLst>
+  </p:timing>
 </p:sld>
 </file>
 
 <file path=ppt/theme/theme1.xml><?xml version="1.0" encoding="utf-8"?>
-<a:theme xmlns:a="http://schemas.openxmlformats.org/drawingml/2006/main" name="View">
+<a:theme xmlns:a="http://schemas.openxmlformats.org/drawingml/2006/main" name="Office Theme">
   <a:themeElements>
-    <a:clrScheme name="View">
+    <a:clrScheme name="Office">
       <a:dk1>
-        <a:srgbClr val="000000"/>
+        <a:sysClr val="windowText" lastClr="000000"/>
       </a:dk1>
       <a:lt1>
-        <a:srgbClr val="FFFFFF"/>
+        <a:sysClr val="window" lastClr="FFFFFF"/>
       </a:lt1>
       <a:dk2>
-        <a:srgbClr val="46464A"/>
+        <a:srgbClr val="44546A"/>
       </a:dk2>
       <a:lt2>
-        <a:srgbClr val="D6D3CC"/>
+        <a:srgbClr val="E7E6E6"/>
       </a:lt2>
       <a:accent1>
-        <a:srgbClr val="6F6F74"/>
+        <a:srgbClr val="5B9BD5"/>
       </a:accent1>
       <a:accent2>
-        <a:srgbClr val="92A9B9"/>
+        <a:srgbClr val="ED7D31"/>
       </a:accent2>
       <a:accent3>
-        <a:srgbClr val="A7B789"/>
+        <a:srgbClr val="A5A5A5"/>
       </a:accent3>
       <a:accent4>
-        <a:srgbClr val="B9A489"/>
+        <a:srgbClr val="FFC000"/>
       </a:accent4>
       <a:accent5>
-        <a:srgbClr val="8D6374"/>
+        <a:srgbClr val="4472C4"/>
       </a:accent5>
       <a:accent6>
-        <a:srgbClr val="9B7362"/>
+        <a:srgbClr val="70AD47"/>
       </a:accent6>
       <a:hlink>
-        <a:srgbClr val="67AABF"/>
+        <a:srgbClr val="0563C1"/>
       </a:hlink>
       <a:folHlink>
-        <a:srgbClr val="ABAFA5"/>
+        <a:srgbClr val="954F72"/>
       </a:folHlink>
     </a:clrScheme>
-    <a:fontScheme name="View">
+    <a:fontScheme name="Office">
       <a:majorFont>
-        <a:latin typeface="Century Schoolbook" panose="02040604050505020304"/>
+        <a:latin typeface="Calibri Light" panose="020F0302020204030204"/>
         <a:ea typeface=""/>
         <a:cs typeface=""/>
-        <a:font script="Jpan" typeface="ＭＳ ゴシック"/>
+        <a:font script="Jpan" typeface="ＭＳ Ｐゴシック"/>
         <a:font script="Hang" typeface="맑은 고딕"/>
         <a:font script="Hans" typeface="宋体"/>
         <a:font script="Hant" typeface="新細明體"/>
-        <a:font script="Arab" typeface="Tahoma"/>
-        <a:font script="Hebr" typeface="Gisha"/>
-        <a:font script="Thai" typeface="DilleniaUPC"/>
+        <a:font script="Arab" typeface="Times New Roman"/>
+        <a:font script="Hebr" typeface="Times New Roman"/>
+        <a:font script="Thai" typeface="Angsana New"/>
+        <a:font script="Ethi" typeface="Nyala"/>
+        <a:font script="Beng" typeface="Vrinda"/>
+        <a:font script="Gujr" typeface="Shruti"/>
+        <a:font script="Khmr" typeface="MoolBoran"/>
+        <a:font script="Knda" typeface="Tunga"/>
+        <a:font script="Guru" typeface="Raavi"/>
+        <a:font script="Cans" typeface="Euphemia"/>
+        <a:font script="Cher" typeface="Plantagenet Cherokee"/>
+        <a:font script="Yiii" typeface="Microsoft Yi Baiti"/>
+        <a:font script="Tibt" typeface="Microsoft Himalaya"/>
+        <a:font script="Thaa" typeface="MV Boli"/>
+        <a:font script="Deva" typeface="Mangal"/>
+        <a:font script="Telu" typeface="Gautami"/>
+        <a:font script="Taml" typeface="Latha"/>
+        <a:font script="Syrc" typeface="Estrangelo Edessa"/>
+        <a:font script="Orya" typeface="Kalinga"/>
+        <a:font script="Mlym" typeface="Kartika"/>
+        <a:font script="Laoo" typeface="DokChampa"/>
+        <a:font script="Sinh" typeface="Iskoola Pota"/>
+        <a:font script="Mong" typeface="Mongolian Baiti"/>
+        <a:font script="Viet" typeface="Times New Roman"/>
+        <a:font script="Uigh" typeface="Microsoft Uighur"/>
+        <a:font script="Geor" typeface="Sylfaen"/>
+      </a:majorFont>
+      <a:minorFont>
+        <a:latin typeface="Calibri" panose="020F0502020204030204"/>
+        <a:ea typeface=""/>
+        <a:cs typeface=""/>
+        <a:font script="Jpan" typeface="ＭＳ Ｐゴシック"/>
+        <a:font script="Hang" typeface="맑은 고딕"/>
+        <a:font script="Hans" typeface="宋体"/>
+        <a:font script="Hant" typeface="新細明體"/>
+        <a:font script="Arab" typeface="Arial"/>
+        <a:font script="Hebr" typeface="Arial"/>
+        <a:font script="Thai" typeface="Cordia New"/>
         <a:font script="Ethi" typeface="Nyala"/>
         <a:font script="Beng" typeface="Vrinda"/>
         <a:font script="Gujr" typeface="Shruti"/>
@@ -6581,86 +6050,90 @@
         <a:font script="Laoo" typeface="DokChampa"/>
         <a:font script="Sinh" typeface="Iskoola Pota"/>
         <a:font script="Mong" typeface="Mongolian Baiti"/>
-        <a:font script="Viet" typeface="Tahoma"/>
-        <a:font script="Uigh" typeface="Microsoft Uighur"/>
-        <a:font script="Geor" typeface="Sylfaen"/>
-      </a:majorFont>
-      <a:minorFont>
-        <a:latin typeface="Century Schoolbook" panose="02040604050505020304"/>
-        <a:ea typeface=""/>
-        <a:cs typeface=""/>
-        <a:font script="Jpan" typeface="ＭＳ ゴシック"/>
-        <a:font script="Hang" typeface="맑은 고딕"/>
-        <a:font script="Hans" typeface="宋体"/>
-        <a:font script="Hant" typeface="新細明體"/>
-        <a:font script="Arab" typeface="Tahoma"/>
-        <a:font script="Hebr" typeface="Gisha"/>
-        <a:font script="Thai" typeface="DilleniaUPC"/>
-        <a:font script="Ethi" typeface="Nyala"/>
-        <a:font script="Beng" typeface="Vrinda"/>
-        <a:font script="Gujr" typeface="Shruti"/>
-        <a:font script="Khmr" typeface="DaunPenh"/>
-        <a:font script="Knda" typeface="Tunga"/>
-        <a:font script="Guru" typeface="Raavi"/>
-        <a:font script="Cans" typeface="Euphemia"/>
-        <a:font script="Cher" typeface="Plantagenet Cherokee"/>
-        <a:font script="Yiii" typeface="Microsoft Yi Baiti"/>
-        <a:font script="Tibt" typeface="Microsoft Himalaya"/>
-        <a:font script="Thaa" typeface="MV Boli"/>
-        <a:font script="Deva" typeface="Mangal"/>
-        <a:font script="Telu" typeface="Gautami"/>
-        <a:font script="Taml" typeface="Latha"/>
-        <a:font script="Syrc" typeface="Estrangelo Edessa"/>
-        <a:font script="Orya" typeface="Kalinga"/>
-        <a:font script="Mlym" typeface="Kartika"/>
-        <a:font script="Laoo" typeface="DokChampa"/>
-        <a:font script="Sinh" typeface="Iskoola Pota"/>
-        <a:font script="Mong" typeface="Mongolian Baiti"/>
-        <a:font script="Viet" typeface="Verdana"/>
+        <a:font script="Viet" typeface="Arial"/>
         <a:font script="Uigh" typeface="Microsoft Uighur"/>
         <a:font script="Geor" typeface="Sylfaen"/>
       </a:minorFont>
     </a:fontScheme>
-    <a:fmtScheme name="View">
+    <a:fmtScheme name="Office">
       <a:fillStyleLst>
         <a:solidFill>
           <a:schemeClr val="phClr"/>
         </a:solidFill>
-        <a:solidFill>
-          <a:schemeClr val="phClr">
-            <a:tint val="60000"/>
-            <a:satMod val="120000"/>
-          </a:schemeClr>
-        </a:solidFill>
-        <a:solidFill>
-          <a:schemeClr val="phClr">
-            <a:shade val="75000"/>
-            <a:satMod val="160000"/>
-          </a:schemeClr>
-        </a:solidFill>
+        <a:gradFill rotWithShape="1">
+          <a:gsLst>
+            <a:gs pos="0">
+              <a:schemeClr val="phClr">
+                <a:lumMod val="110000"/>
+                <a:satMod val="105000"/>
+                <a:tint val="67000"/>
+              </a:schemeClr>
+            </a:gs>
+            <a:gs pos="50000">
+              <a:schemeClr val="phClr">
+                <a:lumMod val="105000"/>
+                <a:satMod val="103000"/>
+                <a:tint val="73000"/>
+              </a:schemeClr>
+            </a:gs>
+            <a:gs pos="100000">
+              <a:schemeClr val="phClr">
+                <a:lumMod val="105000"/>
+                <a:satMod val="109000"/>
+                <a:tint val="81000"/>
+              </a:schemeClr>
+            </a:gs>
+          </a:gsLst>
+          <a:lin ang="5400000" scaled="0"/>
+        </a:gradFill>
+        <a:gradFill rotWithShape="1">
+          <a:gsLst>
+            <a:gs pos="0">
+              <a:schemeClr val="phClr">
+                <a:satMod val="103000"/>
+                <a:lumMod val="102000"/>
+                <a:tint val="94000"/>
+              </a:schemeClr>
+            </a:gs>
+            <a:gs pos="50000">
+              <a:schemeClr val="phClr">
+                <a:satMod val="110000"/>
+                <a:lumMod val="100000"/>
+                <a:shade val="100000"/>
+              </a:schemeClr>
+            </a:gs>
+            <a:gs pos="100000">
+              <a:schemeClr val="phClr">
+                <a:lumMod val="99000"/>
+                <a:satMod val="120000"/>
+                <a:shade val="78000"/>
+              </a:schemeClr>
+            </a:gs>
+          </a:gsLst>
+          <a:lin ang="5400000" scaled="0"/>
+        </a:gradFill>
       </a:fillStyleLst>
       <a:lnStyleLst>
-        <a:ln w="9525" cap="flat" cmpd="sng" algn="ctr">
+        <a:ln w="6350" cap="flat" cmpd="sng" algn="ctr">
           <a:solidFill>
             <a:schemeClr val="phClr"/>
           </a:solidFill>
           <a:prstDash val="solid"/>
+          <a:miter lim="800000"/>
         </a:ln>
-        <a:ln w="13970" cap="flat" cmpd="sng" algn="ctr">
+        <a:ln w="12700" cap="flat" cmpd="sng" algn="ctr">
           <a:solidFill>
             <a:schemeClr val="phClr"/>
           </a:solidFill>
           <a:prstDash val="solid"/>
+          <a:miter lim="800000"/>
         </a:ln>
-        <a:ln w="17145" cap="flat" cmpd="sng" algn="ctr">
+        <a:ln w="19050" cap="flat" cmpd="sng" algn="ctr">
           <a:solidFill>
-            <a:schemeClr val="phClr">
-              <a:shade val="95000"/>
-              <a:alpha val="95000"/>
-              <a:satMod val="150000"/>
-            </a:schemeClr>
+            <a:schemeClr val="phClr"/>
           </a:solidFill>
           <a:prstDash val="solid"/>
+          <a:miter lim="800000"/>
         </a:ln>
       </a:lnStyleLst>
       <a:effectStyleLst>
@@ -6668,52 +6141,16 @@
           <a:effectLst/>
         </a:effectStyle>
         <a:effectStyle>
+          <a:effectLst/>
+        </a:effectStyle>
+        <a:effectStyle>
           <a:effectLst>
-            <a:outerShdw blurRad="50800" dist="15240" dir="5400000" algn="tl" rotWithShape="0">
+            <a:outerShdw blurRad="57150" dist="19050" dir="5400000" algn="ctr" rotWithShape="0">
               <a:srgbClr val="000000">
-                <a:alpha val="75000"/>
+                <a:alpha val="63000"/>
               </a:srgbClr>
             </a:outerShdw>
           </a:effectLst>
-          <a:scene3d>
-            <a:camera prst="orthographicFront">
-              <a:rot lat="0" lon="0" rev="0"/>
-            </a:camera>
-            <a:lightRig rig="brightRoom" dir="tl"/>
-          </a:scene3d>
-          <a:sp3d contourW="9525" prstMaterial="flat">
-            <a:bevelT w="0" h="0" prst="coolSlant"/>
-            <a:contourClr>
-              <a:schemeClr val="phClr">
-                <a:shade val="35000"/>
-                <a:satMod val="130000"/>
-              </a:schemeClr>
-            </a:contourClr>
-          </a:sp3d>
-        </a:effectStyle>
-        <a:effectStyle>
-          <a:effectLst>
-            <a:outerShdw blurRad="76200" dist="25400" dir="5400000" algn="tl" rotWithShape="0">
-              <a:srgbClr val="000000">
-                <a:alpha val="55000"/>
-              </a:srgbClr>
-            </a:outerShdw>
-          </a:effectLst>
-          <a:scene3d>
-            <a:camera prst="orthographicFront">
-              <a:rot lat="0" lon="0" rev="0"/>
-            </a:camera>
-            <a:lightRig rig="brightRoom" dir="tl"/>
-          </a:scene3d>
-          <a:sp3d contourW="19050" prstMaterial="flat">
-            <a:bevelT w="0" h="0" prst="coolSlant"/>
-            <a:contourClr>
-              <a:schemeClr val="phClr">
-                <a:shade val="25000"/>
-                <a:satMod val="140000"/>
-              </a:schemeClr>
-            </a:contourClr>
-          </a:sp3d>
         </a:effectStyle>
       </a:effectStyleLst>
       <a:bgFillStyleLst>
@@ -6730,23 +6167,28 @@
           <a:gsLst>
             <a:gs pos="0">
               <a:schemeClr val="phClr">
-                <a:tint val="94000"/>
+                <a:tint val="93000"/>
+                <a:satMod val="150000"/>
                 <a:shade val="98000"/>
+                <a:lumMod val="102000"/>
+              </a:schemeClr>
+            </a:gs>
+            <a:gs pos="50000">
+              <a:schemeClr val="phClr">
+                <a:tint val="98000"/>
                 <a:satMod val="130000"/>
-                <a:lumMod val="102000"/>
+                <a:shade val="90000"/>
+                <a:lumMod val="103000"/>
               </a:schemeClr>
             </a:gs>
             <a:gs pos="100000">
               <a:schemeClr val="phClr">
-                <a:tint val="98000"/>
-                <a:shade val="78000"/>
-                <a:satMod val="140000"/>
+                <a:shade val="63000"/>
+                <a:satMod val="120000"/>
               </a:schemeClr>
             </a:gs>
           </a:gsLst>
-          <a:path path="circle">
-            <a:fillToRect l="100000" t="100000" r="100000" b="100000"/>
-          </a:path>
+          <a:lin ang="5400000" scaled="0"/>
         </a:gradFill>
       </a:bgFillStyleLst>
     </a:fmtScheme>
@@ -6755,7 +6197,7 @@
   <a:extraClrSchemeLst/>
   <a:extLst>
     <a:ext uri="{05A4C25C-085E-4340-85A3-A5531E510DB2}">
-      <thm15:themeFamily xmlns:thm15="http://schemas.microsoft.com/office/thememl/2012/main" name="View" id="{BA0EB5A6-F2D4-4F82-977B-64ADEE4A2A69}" vid="{3969A8A2-35DB-4E3B-8885-16FD20568674}"/>
+      <thm15:themeFamily xmlns:thm15="http://schemas.microsoft.com/office/thememl/2012/main" name="Office Theme" id="{62F939B6-93AF-4DB8-9C6B-D6C7DFDC589F}" vid="{4A3C46E8-61CC-4603-A589-7422A47A8E4A}"/>
     </a:ext>
   </a:extLst>
 </a:theme>
